--- a/LABS2425/6/ip_6.pptx
+++ b/LABS2425/6/ip_6.pptx
@@ -2,7 +2,7 @@
 <file path=ppt/presentation.xml><?xml version="1.0" encoding="utf-8"?>
 <p:presentation xmlns:a="http://schemas.openxmlformats.org/drawingml/2006/main" xmlns:r="http://schemas.openxmlformats.org/officeDocument/2006/relationships" xmlns:p="http://schemas.openxmlformats.org/presentationml/2006/main" saveSubsetFonts="1">
   <p:sldMasterIdLst>
-    <p:sldMasterId id="2147483648" r:id="rId1"/>
+    <p:sldMasterId id="2147483660" r:id="rId1"/>
   </p:sldMasterIdLst>
   <p:sldIdLst>
     <p:sldId id="256" r:id="rId2"/>
@@ -21,13 +21,13 @@
     <p:sldId id="274" r:id="rId15"/>
     <p:sldId id="268" r:id="rId16"/>
   </p:sldIdLst>
-  <p:sldSz cx="12192000" cy="6858000"/>
+  <p:sldSz cx="9144000" cy="6858000" type="screen4x3"/>
   <p:notesSz cx="6858000" cy="9144000"/>
   <p:defaultTextStyle>
     <a:defPPr>
       <a:defRPr lang="en-US"/>
     </a:defPPr>
-    <a:lvl1pPr marL="0" algn="l" defTabSz="914400" rtl="0" eaLnBrk="1" latinLnBrk="0" hangingPunct="1">
+    <a:lvl1pPr marL="0" algn="l" defTabSz="457200" rtl="0" eaLnBrk="1" latinLnBrk="0" hangingPunct="1">
       <a:defRPr sz="1800" kern="1200">
         <a:solidFill>
           <a:schemeClr val="tx1"/>
@@ -37,7 +37,7 @@
         <a:cs typeface="+mn-cs"/>
       </a:defRPr>
     </a:lvl1pPr>
-    <a:lvl2pPr marL="457200" algn="l" defTabSz="914400" rtl="0" eaLnBrk="1" latinLnBrk="0" hangingPunct="1">
+    <a:lvl2pPr marL="457200" algn="l" defTabSz="457200" rtl="0" eaLnBrk="1" latinLnBrk="0" hangingPunct="1">
       <a:defRPr sz="1800" kern="1200">
         <a:solidFill>
           <a:schemeClr val="tx1"/>
@@ -47,7 +47,7 @@
         <a:cs typeface="+mn-cs"/>
       </a:defRPr>
     </a:lvl2pPr>
-    <a:lvl3pPr marL="914400" algn="l" defTabSz="914400" rtl="0" eaLnBrk="1" latinLnBrk="0" hangingPunct="1">
+    <a:lvl3pPr marL="914400" algn="l" defTabSz="457200" rtl="0" eaLnBrk="1" latinLnBrk="0" hangingPunct="1">
       <a:defRPr sz="1800" kern="1200">
         <a:solidFill>
           <a:schemeClr val="tx1"/>
@@ -57,7 +57,7 @@
         <a:cs typeface="+mn-cs"/>
       </a:defRPr>
     </a:lvl3pPr>
-    <a:lvl4pPr marL="1371600" algn="l" defTabSz="914400" rtl="0" eaLnBrk="1" latinLnBrk="0" hangingPunct="1">
+    <a:lvl4pPr marL="1371600" algn="l" defTabSz="457200" rtl="0" eaLnBrk="1" latinLnBrk="0" hangingPunct="1">
       <a:defRPr sz="1800" kern="1200">
         <a:solidFill>
           <a:schemeClr val="tx1"/>
@@ -67,7 +67,7 @@
         <a:cs typeface="+mn-cs"/>
       </a:defRPr>
     </a:lvl4pPr>
-    <a:lvl5pPr marL="1828800" algn="l" defTabSz="914400" rtl="0" eaLnBrk="1" latinLnBrk="0" hangingPunct="1">
+    <a:lvl5pPr marL="1828800" algn="l" defTabSz="457200" rtl="0" eaLnBrk="1" latinLnBrk="0" hangingPunct="1">
       <a:defRPr sz="1800" kern="1200">
         <a:solidFill>
           <a:schemeClr val="tx1"/>
@@ -77,7 +77,7 @@
         <a:cs typeface="+mn-cs"/>
       </a:defRPr>
     </a:lvl5pPr>
-    <a:lvl6pPr marL="2286000" algn="l" defTabSz="914400" rtl="0" eaLnBrk="1" latinLnBrk="0" hangingPunct="1">
+    <a:lvl6pPr marL="2286000" algn="l" defTabSz="457200" rtl="0" eaLnBrk="1" latinLnBrk="0" hangingPunct="1">
       <a:defRPr sz="1800" kern="1200">
         <a:solidFill>
           <a:schemeClr val="tx1"/>
@@ -87,7 +87,7 @@
         <a:cs typeface="+mn-cs"/>
       </a:defRPr>
     </a:lvl6pPr>
-    <a:lvl7pPr marL="2743200" algn="l" defTabSz="914400" rtl="0" eaLnBrk="1" latinLnBrk="0" hangingPunct="1">
+    <a:lvl7pPr marL="2743200" algn="l" defTabSz="457200" rtl="0" eaLnBrk="1" latinLnBrk="0" hangingPunct="1">
       <a:defRPr sz="1800" kern="1200">
         <a:solidFill>
           <a:schemeClr val="tx1"/>
@@ -97,7 +97,7 @@
         <a:cs typeface="+mn-cs"/>
       </a:defRPr>
     </a:lvl7pPr>
-    <a:lvl8pPr marL="3200400" algn="l" defTabSz="914400" rtl="0" eaLnBrk="1" latinLnBrk="0" hangingPunct="1">
+    <a:lvl8pPr marL="3200400" algn="l" defTabSz="457200" rtl="0" eaLnBrk="1" latinLnBrk="0" hangingPunct="1">
       <a:defRPr sz="1800" kern="1200">
         <a:solidFill>
           <a:schemeClr val="tx1"/>
@@ -107,7 +107,7 @@
         <a:cs typeface="+mn-cs"/>
       </a:defRPr>
     </a:lvl8pPr>
-    <a:lvl9pPr marL="3657600" algn="l" defTabSz="914400" rtl="0" eaLnBrk="1" latinLnBrk="0" hangingPunct="1">
+    <a:lvl9pPr marL="3657600" algn="l" defTabSz="457200" rtl="0" eaLnBrk="1" latinLnBrk="0" hangingPunct="1">
       <a:defRPr sz="1800" kern="1200">
         <a:solidFill>
           <a:schemeClr val="tx1"/>
@@ -129,9 +129,675 @@
 <file path=ppt/revisionInfo.xml><?xml version="1.0" encoding="utf-8"?>
 <p1510:revInfo xmlns:a="http://schemas.openxmlformats.org/drawingml/2006/main" xmlns:r="http://schemas.openxmlformats.org/officeDocument/2006/relationships" xmlns:p1510="http://schemas.microsoft.com/office/powerpoint/2015/10/main">
   <p1510:revLst>
+    <p1510:client id="{79F1EAC5-CA8E-4E22-8979-B07F8C2D4C50}" v="1" dt="2024-11-30T08:14:20.308"/>
     <p1510:client id="{AEA02815-6071-4A07-9CBD-B0A796FF4225}" v="21" dt="2024-11-29T10:56:59.723"/>
   </p1510:revLst>
 </p1510:revInfo>
+</file>
+
+<file path=ppt/changesInfos/changesInfo1.xml><?xml version="1.0" encoding="utf-8"?>
+<pc:chgInfo xmlns:a="http://schemas.openxmlformats.org/drawingml/2006/main" xmlns:r="http://schemas.openxmlformats.org/officeDocument/2006/relationships" xmlns:ac="http://schemas.microsoft.com/office/drawing/2013/main/command" xmlns:pc="http://schemas.microsoft.com/office/powerpoint/2013/main/command">
+  <pc:docChgLst>
+    <pc:chgData name="Ahmed Mahmoud" userId="a520bb48-7c22-4e5d-98d7-2bd178c8dd0a" providerId="ADAL" clId="{79F1EAC5-CA8E-4E22-8979-B07F8C2D4C50}"/>
+    <pc:docChg chg="custSel modSld modMainMaster">
+      <pc:chgData name="Ahmed Mahmoud" userId="a520bb48-7c22-4e5d-98d7-2bd178c8dd0a" providerId="ADAL" clId="{79F1EAC5-CA8E-4E22-8979-B07F8C2D4C50}" dt="2024-11-30T08:25:05.265" v="10" actId="20577"/>
+      <pc:docMkLst>
+        <pc:docMk/>
+      </pc:docMkLst>
+      <pc:sldChg chg="modSp">
+        <pc:chgData name="Ahmed Mahmoud" userId="a520bb48-7c22-4e5d-98d7-2bd178c8dd0a" providerId="ADAL" clId="{79F1EAC5-CA8E-4E22-8979-B07F8C2D4C50}" dt="2024-11-30T08:14:20.308" v="0"/>
+        <pc:sldMkLst>
+          <pc:docMk/>
+          <pc:sldMk cId="3263378527" sldId="256"/>
+        </pc:sldMkLst>
+        <pc:spChg chg="mod">
+          <ac:chgData name="Ahmed Mahmoud" userId="a520bb48-7c22-4e5d-98d7-2bd178c8dd0a" providerId="ADAL" clId="{79F1EAC5-CA8E-4E22-8979-B07F8C2D4C50}" dt="2024-11-30T08:14:20.308" v="0"/>
+          <ac:spMkLst>
+            <pc:docMk/>
+            <pc:sldMk cId="3263378527" sldId="256"/>
+            <ac:spMk id="2" creationId="{528B429D-3EB9-DDAC-B623-02D782F077A3}"/>
+          </ac:spMkLst>
+        </pc:spChg>
+        <pc:spChg chg="mod">
+          <ac:chgData name="Ahmed Mahmoud" userId="a520bb48-7c22-4e5d-98d7-2bd178c8dd0a" providerId="ADAL" clId="{79F1EAC5-CA8E-4E22-8979-B07F8C2D4C50}" dt="2024-11-30T08:14:20.308" v="0"/>
+          <ac:spMkLst>
+            <pc:docMk/>
+            <pc:sldMk cId="3263378527" sldId="256"/>
+            <ac:spMk id="3" creationId="{6F3A9911-6532-ABEA-AF05-A1CDB2E1CA35}"/>
+          </ac:spMkLst>
+        </pc:spChg>
+      </pc:sldChg>
+      <pc:sldChg chg="modSp">
+        <pc:chgData name="Ahmed Mahmoud" userId="a520bb48-7c22-4e5d-98d7-2bd178c8dd0a" providerId="ADAL" clId="{79F1EAC5-CA8E-4E22-8979-B07F8C2D4C50}" dt="2024-11-30T08:14:20.308" v="0"/>
+        <pc:sldMkLst>
+          <pc:docMk/>
+          <pc:sldMk cId="1935820342" sldId="258"/>
+        </pc:sldMkLst>
+        <pc:spChg chg="mod">
+          <ac:chgData name="Ahmed Mahmoud" userId="a520bb48-7c22-4e5d-98d7-2bd178c8dd0a" providerId="ADAL" clId="{79F1EAC5-CA8E-4E22-8979-B07F8C2D4C50}" dt="2024-11-30T08:14:20.308" v="0"/>
+          <ac:spMkLst>
+            <pc:docMk/>
+            <pc:sldMk cId="1935820342" sldId="258"/>
+            <ac:spMk id="2" creationId="{C2DFD46E-7167-7703-D240-FF0C370E4D94}"/>
+          </ac:spMkLst>
+        </pc:spChg>
+        <pc:spChg chg="mod">
+          <ac:chgData name="Ahmed Mahmoud" userId="a520bb48-7c22-4e5d-98d7-2bd178c8dd0a" providerId="ADAL" clId="{79F1EAC5-CA8E-4E22-8979-B07F8C2D4C50}" dt="2024-11-30T08:14:20.308" v="0"/>
+          <ac:spMkLst>
+            <pc:docMk/>
+            <pc:sldMk cId="1935820342" sldId="258"/>
+            <ac:spMk id="3" creationId="{8ACB8660-AA47-2A5C-E4FD-41C732E0AFE2}"/>
+          </ac:spMkLst>
+        </pc:spChg>
+      </pc:sldChg>
+      <pc:sldChg chg="modSp mod">
+        <pc:chgData name="Ahmed Mahmoud" userId="a520bb48-7c22-4e5d-98d7-2bd178c8dd0a" providerId="ADAL" clId="{79F1EAC5-CA8E-4E22-8979-B07F8C2D4C50}" dt="2024-11-30T08:25:05.265" v="10" actId="20577"/>
+        <pc:sldMkLst>
+          <pc:docMk/>
+          <pc:sldMk cId="4045520038" sldId="259"/>
+        </pc:sldMkLst>
+        <pc:spChg chg="mod">
+          <ac:chgData name="Ahmed Mahmoud" userId="a520bb48-7c22-4e5d-98d7-2bd178c8dd0a" providerId="ADAL" clId="{79F1EAC5-CA8E-4E22-8979-B07F8C2D4C50}" dt="2024-11-30T08:25:05.265" v="10" actId="20577"/>
+          <ac:spMkLst>
+            <pc:docMk/>
+            <pc:sldMk cId="4045520038" sldId="259"/>
+            <ac:spMk id="2" creationId="{30CB3C9B-42BF-1004-CBD0-A8B75D093DF6}"/>
+          </ac:spMkLst>
+        </pc:spChg>
+        <pc:spChg chg="mod">
+          <ac:chgData name="Ahmed Mahmoud" userId="a520bb48-7c22-4e5d-98d7-2bd178c8dd0a" providerId="ADAL" clId="{79F1EAC5-CA8E-4E22-8979-B07F8C2D4C50}" dt="2024-11-30T08:14:20.543" v="1" actId="27636"/>
+          <ac:spMkLst>
+            <pc:docMk/>
+            <pc:sldMk cId="4045520038" sldId="259"/>
+            <ac:spMk id="3" creationId="{4D474564-A9B9-2FDC-B56C-911FA0283123}"/>
+          </ac:spMkLst>
+        </pc:spChg>
+      </pc:sldChg>
+      <pc:sldChg chg="modSp">
+        <pc:chgData name="Ahmed Mahmoud" userId="a520bb48-7c22-4e5d-98d7-2bd178c8dd0a" providerId="ADAL" clId="{79F1EAC5-CA8E-4E22-8979-B07F8C2D4C50}" dt="2024-11-30T08:14:20.308" v="0"/>
+        <pc:sldMkLst>
+          <pc:docMk/>
+          <pc:sldMk cId="2788993327" sldId="260"/>
+        </pc:sldMkLst>
+        <pc:spChg chg="mod">
+          <ac:chgData name="Ahmed Mahmoud" userId="a520bb48-7c22-4e5d-98d7-2bd178c8dd0a" providerId="ADAL" clId="{79F1EAC5-CA8E-4E22-8979-B07F8C2D4C50}" dt="2024-11-30T08:14:20.308" v="0"/>
+          <ac:spMkLst>
+            <pc:docMk/>
+            <pc:sldMk cId="2788993327" sldId="260"/>
+            <ac:spMk id="2" creationId="{8F2D5D5B-11EC-BB54-F7B0-C4A461EC725D}"/>
+          </ac:spMkLst>
+        </pc:spChg>
+        <pc:spChg chg="mod">
+          <ac:chgData name="Ahmed Mahmoud" userId="a520bb48-7c22-4e5d-98d7-2bd178c8dd0a" providerId="ADAL" clId="{79F1EAC5-CA8E-4E22-8979-B07F8C2D4C50}" dt="2024-11-30T08:14:20.308" v="0"/>
+          <ac:spMkLst>
+            <pc:docMk/>
+            <pc:sldMk cId="2788993327" sldId="260"/>
+            <ac:spMk id="3" creationId="{4434EB9B-F2F9-7E25-59F6-D4C82E942006}"/>
+          </ac:spMkLst>
+        </pc:spChg>
+      </pc:sldChg>
+      <pc:sldChg chg="modSp">
+        <pc:chgData name="Ahmed Mahmoud" userId="a520bb48-7c22-4e5d-98d7-2bd178c8dd0a" providerId="ADAL" clId="{79F1EAC5-CA8E-4E22-8979-B07F8C2D4C50}" dt="2024-11-30T08:14:20.308" v="0"/>
+        <pc:sldMkLst>
+          <pc:docMk/>
+          <pc:sldMk cId="883910438" sldId="266"/>
+        </pc:sldMkLst>
+        <pc:spChg chg="mod">
+          <ac:chgData name="Ahmed Mahmoud" userId="a520bb48-7c22-4e5d-98d7-2bd178c8dd0a" providerId="ADAL" clId="{79F1EAC5-CA8E-4E22-8979-B07F8C2D4C50}" dt="2024-11-30T08:14:20.308" v="0"/>
+          <ac:spMkLst>
+            <pc:docMk/>
+            <pc:sldMk cId="883910438" sldId="266"/>
+            <ac:spMk id="2" creationId="{3A31EC2E-CFA5-CEA9-FB9C-ADA655F9042E}"/>
+          </ac:spMkLst>
+        </pc:spChg>
+        <pc:spChg chg="mod">
+          <ac:chgData name="Ahmed Mahmoud" userId="a520bb48-7c22-4e5d-98d7-2bd178c8dd0a" providerId="ADAL" clId="{79F1EAC5-CA8E-4E22-8979-B07F8C2D4C50}" dt="2024-11-30T08:14:20.308" v="0"/>
+          <ac:spMkLst>
+            <pc:docMk/>
+            <pc:sldMk cId="883910438" sldId="266"/>
+            <ac:spMk id="4" creationId="{6FC01967-E728-53A1-EF65-EAA1777097A3}"/>
+          </ac:spMkLst>
+        </pc:spChg>
+        <pc:spChg chg="mod">
+          <ac:chgData name="Ahmed Mahmoud" userId="a520bb48-7c22-4e5d-98d7-2bd178c8dd0a" providerId="ADAL" clId="{79F1EAC5-CA8E-4E22-8979-B07F8C2D4C50}" dt="2024-11-30T08:14:20.308" v="0"/>
+          <ac:spMkLst>
+            <pc:docMk/>
+            <pc:sldMk cId="883910438" sldId="266"/>
+            <ac:spMk id="6" creationId="{4F7A8140-3BC9-8F0D-8D60-DD501E09154C}"/>
+          </ac:spMkLst>
+        </pc:spChg>
+        <pc:spChg chg="mod">
+          <ac:chgData name="Ahmed Mahmoud" userId="a520bb48-7c22-4e5d-98d7-2bd178c8dd0a" providerId="ADAL" clId="{79F1EAC5-CA8E-4E22-8979-B07F8C2D4C50}" dt="2024-11-30T08:14:20.308" v="0"/>
+          <ac:spMkLst>
+            <pc:docMk/>
+            <pc:sldMk cId="883910438" sldId="266"/>
+            <ac:spMk id="7" creationId="{CB90FE2C-399E-B073-E0BF-9022ACB65A80}"/>
+          </ac:spMkLst>
+        </pc:spChg>
+        <pc:spChg chg="mod">
+          <ac:chgData name="Ahmed Mahmoud" userId="a520bb48-7c22-4e5d-98d7-2bd178c8dd0a" providerId="ADAL" clId="{79F1EAC5-CA8E-4E22-8979-B07F8C2D4C50}" dt="2024-11-30T08:14:20.308" v="0"/>
+          <ac:spMkLst>
+            <pc:docMk/>
+            <pc:sldMk cId="883910438" sldId="266"/>
+            <ac:spMk id="8" creationId="{81DE008E-D8B0-A7BB-1CDB-A522D00FCBC6}"/>
+          </ac:spMkLst>
+        </pc:spChg>
+        <pc:picChg chg="mod">
+          <ac:chgData name="Ahmed Mahmoud" userId="a520bb48-7c22-4e5d-98d7-2bd178c8dd0a" providerId="ADAL" clId="{79F1EAC5-CA8E-4E22-8979-B07F8C2D4C50}" dt="2024-11-30T08:14:20.308" v="0"/>
+          <ac:picMkLst>
+            <pc:docMk/>
+            <pc:sldMk cId="883910438" sldId="266"/>
+            <ac:picMk id="3" creationId="{1FCF18A5-E235-5351-CE78-074EB6B1A8CE}"/>
+          </ac:picMkLst>
+        </pc:picChg>
+        <pc:picChg chg="mod">
+          <ac:chgData name="Ahmed Mahmoud" userId="a520bb48-7c22-4e5d-98d7-2bd178c8dd0a" providerId="ADAL" clId="{79F1EAC5-CA8E-4E22-8979-B07F8C2D4C50}" dt="2024-11-30T08:14:20.308" v="0"/>
+          <ac:picMkLst>
+            <pc:docMk/>
+            <pc:sldMk cId="883910438" sldId="266"/>
+            <ac:picMk id="5" creationId="{B02ADC6A-CD3A-614F-3B27-B0D4FB762691}"/>
+          </ac:picMkLst>
+        </pc:picChg>
+      </pc:sldChg>
+      <pc:sldChg chg="modSp">
+        <pc:chgData name="Ahmed Mahmoud" userId="a520bb48-7c22-4e5d-98d7-2bd178c8dd0a" providerId="ADAL" clId="{79F1EAC5-CA8E-4E22-8979-B07F8C2D4C50}" dt="2024-11-30T08:14:20.308" v="0"/>
+        <pc:sldMkLst>
+          <pc:docMk/>
+          <pc:sldMk cId="3257511109" sldId="267"/>
+        </pc:sldMkLst>
+        <pc:picChg chg="mod">
+          <ac:chgData name="Ahmed Mahmoud" userId="a520bb48-7c22-4e5d-98d7-2bd178c8dd0a" providerId="ADAL" clId="{79F1EAC5-CA8E-4E22-8979-B07F8C2D4C50}" dt="2024-11-30T08:14:20.308" v="0"/>
+          <ac:picMkLst>
+            <pc:docMk/>
+            <pc:sldMk cId="3257511109" sldId="267"/>
+            <ac:picMk id="5" creationId="{D06F623D-03BA-6232-F7D4-699832714F5A}"/>
+          </ac:picMkLst>
+        </pc:picChg>
+      </pc:sldChg>
+      <pc:sldChg chg="modSp">
+        <pc:chgData name="Ahmed Mahmoud" userId="a520bb48-7c22-4e5d-98d7-2bd178c8dd0a" providerId="ADAL" clId="{79F1EAC5-CA8E-4E22-8979-B07F8C2D4C50}" dt="2024-11-30T08:14:20.308" v="0"/>
+        <pc:sldMkLst>
+          <pc:docMk/>
+          <pc:sldMk cId="1378545302" sldId="268"/>
+        </pc:sldMkLst>
+        <pc:spChg chg="mod">
+          <ac:chgData name="Ahmed Mahmoud" userId="a520bb48-7c22-4e5d-98d7-2bd178c8dd0a" providerId="ADAL" clId="{79F1EAC5-CA8E-4E22-8979-B07F8C2D4C50}" dt="2024-11-30T08:14:20.308" v="0"/>
+          <ac:spMkLst>
+            <pc:docMk/>
+            <pc:sldMk cId="1378545302" sldId="268"/>
+            <ac:spMk id="2" creationId="{F04BCDC3-4963-77C8-68A4-7B2A7DC68623}"/>
+          </ac:spMkLst>
+        </pc:spChg>
+      </pc:sldChg>
+      <pc:sldChg chg="modSp">
+        <pc:chgData name="Ahmed Mahmoud" userId="a520bb48-7c22-4e5d-98d7-2bd178c8dd0a" providerId="ADAL" clId="{79F1EAC5-CA8E-4E22-8979-B07F8C2D4C50}" dt="2024-11-30T08:14:20.308" v="0"/>
+        <pc:sldMkLst>
+          <pc:docMk/>
+          <pc:sldMk cId="1624336841" sldId="269"/>
+        </pc:sldMkLst>
+        <pc:spChg chg="mod">
+          <ac:chgData name="Ahmed Mahmoud" userId="a520bb48-7c22-4e5d-98d7-2bd178c8dd0a" providerId="ADAL" clId="{79F1EAC5-CA8E-4E22-8979-B07F8C2D4C50}" dt="2024-11-30T08:14:20.308" v="0"/>
+          <ac:spMkLst>
+            <pc:docMk/>
+            <pc:sldMk cId="1624336841" sldId="269"/>
+            <ac:spMk id="2" creationId="{315A59C5-C6FF-FE85-F4FE-ED8276241C0E}"/>
+          </ac:spMkLst>
+        </pc:spChg>
+        <pc:spChg chg="mod">
+          <ac:chgData name="Ahmed Mahmoud" userId="a520bb48-7c22-4e5d-98d7-2bd178c8dd0a" providerId="ADAL" clId="{79F1EAC5-CA8E-4E22-8979-B07F8C2D4C50}" dt="2024-11-30T08:14:20.308" v="0"/>
+          <ac:spMkLst>
+            <pc:docMk/>
+            <pc:sldMk cId="1624336841" sldId="269"/>
+            <ac:spMk id="3" creationId="{0F6BEF64-518F-CDBC-7723-B31765404712}"/>
+          </ac:spMkLst>
+        </pc:spChg>
+      </pc:sldChg>
+      <pc:sldChg chg="modSp">
+        <pc:chgData name="Ahmed Mahmoud" userId="a520bb48-7c22-4e5d-98d7-2bd178c8dd0a" providerId="ADAL" clId="{79F1EAC5-CA8E-4E22-8979-B07F8C2D4C50}" dt="2024-11-30T08:14:20.308" v="0"/>
+        <pc:sldMkLst>
+          <pc:docMk/>
+          <pc:sldMk cId="3800222552" sldId="271"/>
+        </pc:sldMkLst>
+        <pc:spChg chg="mod">
+          <ac:chgData name="Ahmed Mahmoud" userId="a520bb48-7c22-4e5d-98d7-2bd178c8dd0a" providerId="ADAL" clId="{79F1EAC5-CA8E-4E22-8979-B07F8C2D4C50}" dt="2024-11-30T08:14:20.308" v="0"/>
+          <ac:spMkLst>
+            <pc:docMk/>
+            <pc:sldMk cId="3800222552" sldId="271"/>
+            <ac:spMk id="12" creationId="{F41A49A5-1F3A-79C8-CC5E-550CF2350E1C}"/>
+          </ac:spMkLst>
+        </pc:spChg>
+        <pc:picChg chg="mod">
+          <ac:chgData name="Ahmed Mahmoud" userId="a520bb48-7c22-4e5d-98d7-2bd178c8dd0a" providerId="ADAL" clId="{79F1EAC5-CA8E-4E22-8979-B07F8C2D4C50}" dt="2024-11-30T08:14:20.308" v="0"/>
+          <ac:picMkLst>
+            <pc:docMk/>
+            <pc:sldMk cId="3800222552" sldId="271"/>
+            <ac:picMk id="3" creationId="{C93527F7-3D95-9BAB-90D3-DDB909FAE00E}"/>
+          </ac:picMkLst>
+        </pc:picChg>
+        <pc:picChg chg="mod">
+          <ac:chgData name="Ahmed Mahmoud" userId="a520bb48-7c22-4e5d-98d7-2bd178c8dd0a" providerId="ADAL" clId="{79F1EAC5-CA8E-4E22-8979-B07F8C2D4C50}" dt="2024-11-30T08:14:20.308" v="0"/>
+          <ac:picMkLst>
+            <pc:docMk/>
+            <pc:sldMk cId="3800222552" sldId="271"/>
+            <ac:picMk id="5" creationId="{418AA834-0B42-B248-DB3A-49A58FF8D1EB}"/>
+          </ac:picMkLst>
+        </pc:picChg>
+      </pc:sldChg>
+      <pc:sldChg chg="modSp">
+        <pc:chgData name="Ahmed Mahmoud" userId="a520bb48-7c22-4e5d-98d7-2bd178c8dd0a" providerId="ADAL" clId="{79F1EAC5-CA8E-4E22-8979-B07F8C2D4C50}" dt="2024-11-30T08:14:20.308" v="0"/>
+        <pc:sldMkLst>
+          <pc:docMk/>
+          <pc:sldMk cId="3726254663" sldId="272"/>
+        </pc:sldMkLst>
+        <pc:picChg chg="mod">
+          <ac:chgData name="Ahmed Mahmoud" userId="a520bb48-7c22-4e5d-98d7-2bd178c8dd0a" providerId="ADAL" clId="{79F1EAC5-CA8E-4E22-8979-B07F8C2D4C50}" dt="2024-11-30T08:14:20.308" v="0"/>
+          <ac:picMkLst>
+            <pc:docMk/>
+            <pc:sldMk cId="3726254663" sldId="272"/>
+            <ac:picMk id="5" creationId="{2C2C8091-4A20-702B-21C6-B33FF1E82443}"/>
+          </ac:picMkLst>
+        </pc:picChg>
+        <pc:picChg chg="mod">
+          <ac:chgData name="Ahmed Mahmoud" userId="a520bb48-7c22-4e5d-98d7-2bd178c8dd0a" providerId="ADAL" clId="{79F1EAC5-CA8E-4E22-8979-B07F8C2D4C50}" dt="2024-11-30T08:14:20.308" v="0"/>
+          <ac:picMkLst>
+            <pc:docMk/>
+            <pc:sldMk cId="3726254663" sldId="272"/>
+            <ac:picMk id="7" creationId="{935EEEC1-41A3-E174-4FC7-9DAB418D2E0D}"/>
+          </ac:picMkLst>
+        </pc:picChg>
+      </pc:sldChg>
+      <pc:sldChg chg="modSp">
+        <pc:chgData name="Ahmed Mahmoud" userId="a520bb48-7c22-4e5d-98d7-2bd178c8dd0a" providerId="ADAL" clId="{79F1EAC5-CA8E-4E22-8979-B07F8C2D4C50}" dt="2024-11-30T08:14:20.308" v="0"/>
+        <pc:sldMkLst>
+          <pc:docMk/>
+          <pc:sldMk cId="3604825716" sldId="273"/>
+        </pc:sldMkLst>
+        <pc:picChg chg="mod">
+          <ac:chgData name="Ahmed Mahmoud" userId="a520bb48-7c22-4e5d-98d7-2bd178c8dd0a" providerId="ADAL" clId="{79F1EAC5-CA8E-4E22-8979-B07F8C2D4C50}" dt="2024-11-30T08:14:20.308" v="0"/>
+          <ac:picMkLst>
+            <pc:docMk/>
+            <pc:sldMk cId="3604825716" sldId="273"/>
+            <ac:picMk id="5" creationId="{B1253C69-A0BB-0B4F-64EF-AE6E652A3029}"/>
+          </ac:picMkLst>
+        </pc:picChg>
+        <pc:picChg chg="mod">
+          <ac:chgData name="Ahmed Mahmoud" userId="a520bb48-7c22-4e5d-98d7-2bd178c8dd0a" providerId="ADAL" clId="{79F1EAC5-CA8E-4E22-8979-B07F8C2D4C50}" dt="2024-11-30T08:14:20.308" v="0"/>
+          <ac:picMkLst>
+            <pc:docMk/>
+            <pc:sldMk cId="3604825716" sldId="273"/>
+            <ac:picMk id="7" creationId="{5EFFB6B5-F511-2A26-4618-92898C23DDEB}"/>
+          </ac:picMkLst>
+        </pc:picChg>
+      </pc:sldChg>
+      <pc:sldChg chg="modSp">
+        <pc:chgData name="Ahmed Mahmoud" userId="a520bb48-7c22-4e5d-98d7-2bd178c8dd0a" providerId="ADAL" clId="{79F1EAC5-CA8E-4E22-8979-B07F8C2D4C50}" dt="2024-11-30T08:14:20.308" v="0"/>
+        <pc:sldMkLst>
+          <pc:docMk/>
+          <pc:sldMk cId="3629375265" sldId="274"/>
+        </pc:sldMkLst>
+        <pc:picChg chg="mod">
+          <ac:chgData name="Ahmed Mahmoud" userId="a520bb48-7c22-4e5d-98d7-2bd178c8dd0a" providerId="ADAL" clId="{79F1EAC5-CA8E-4E22-8979-B07F8C2D4C50}" dt="2024-11-30T08:14:20.308" v="0"/>
+          <ac:picMkLst>
+            <pc:docMk/>
+            <pc:sldMk cId="3629375265" sldId="274"/>
+            <ac:picMk id="5" creationId="{03BF8CAC-C549-9DC4-7B32-7E94F0D6328A}"/>
+          </ac:picMkLst>
+        </pc:picChg>
+        <pc:picChg chg="mod">
+          <ac:chgData name="Ahmed Mahmoud" userId="a520bb48-7c22-4e5d-98d7-2bd178c8dd0a" providerId="ADAL" clId="{79F1EAC5-CA8E-4E22-8979-B07F8C2D4C50}" dt="2024-11-30T08:14:20.308" v="0"/>
+          <ac:picMkLst>
+            <pc:docMk/>
+            <pc:sldMk cId="3629375265" sldId="274"/>
+            <ac:picMk id="7" creationId="{33C18A4B-C40D-DBF3-28F8-154302C1605A}"/>
+          </ac:picMkLst>
+        </pc:picChg>
+      </pc:sldChg>
+      <pc:sldChg chg="modSp">
+        <pc:chgData name="Ahmed Mahmoud" userId="a520bb48-7c22-4e5d-98d7-2bd178c8dd0a" providerId="ADAL" clId="{79F1EAC5-CA8E-4E22-8979-B07F8C2D4C50}" dt="2024-11-30T08:14:20.308" v="0"/>
+        <pc:sldMkLst>
+          <pc:docMk/>
+          <pc:sldMk cId="2172829928" sldId="275"/>
+        </pc:sldMkLst>
+        <pc:spChg chg="mod">
+          <ac:chgData name="Ahmed Mahmoud" userId="a520bb48-7c22-4e5d-98d7-2bd178c8dd0a" providerId="ADAL" clId="{79F1EAC5-CA8E-4E22-8979-B07F8C2D4C50}" dt="2024-11-30T08:14:20.308" v="0"/>
+          <ac:spMkLst>
+            <pc:docMk/>
+            <pc:sldMk cId="2172829928" sldId="275"/>
+            <ac:spMk id="2" creationId="{21E41A87-F962-72EF-F5C8-028AC60CA55D}"/>
+          </ac:spMkLst>
+        </pc:spChg>
+        <pc:spChg chg="mod">
+          <ac:chgData name="Ahmed Mahmoud" userId="a520bb48-7c22-4e5d-98d7-2bd178c8dd0a" providerId="ADAL" clId="{79F1EAC5-CA8E-4E22-8979-B07F8C2D4C50}" dt="2024-11-30T08:14:20.308" v="0"/>
+          <ac:spMkLst>
+            <pc:docMk/>
+            <pc:sldMk cId="2172829928" sldId="275"/>
+            <ac:spMk id="3" creationId="{D54C2C54-5E52-3C35-3686-BFB33277171F}"/>
+          </ac:spMkLst>
+        </pc:spChg>
+      </pc:sldChg>
+      <pc:sldChg chg="modSp">
+        <pc:chgData name="Ahmed Mahmoud" userId="a520bb48-7c22-4e5d-98d7-2bd178c8dd0a" providerId="ADAL" clId="{79F1EAC5-CA8E-4E22-8979-B07F8C2D4C50}" dt="2024-11-30T08:14:20.308" v="0"/>
+        <pc:sldMkLst>
+          <pc:docMk/>
+          <pc:sldMk cId="1347654987" sldId="276"/>
+        </pc:sldMkLst>
+        <pc:spChg chg="mod">
+          <ac:chgData name="Ahmed Mahmoud" userId="a520bb48-7c22-4e5d-98d7-2bd178c8dd0a" providerId="ADAL" clId="{79F1EAC5-CA8E-4E22-8979-B07F8C2D4C50}" dt="2024-11-30T08:14:20.308" v="0"/>
+          <ac:spMkLst>
+            <pc:docMk/>
+            <pc:sldMk cId="1347654987" sldId="276"/>
+            <ac:spMk id="2" creationId="{1F959419-4C96-7CC8-789D-AF54DEAB4F55}"/>
+          </ac:spMkLst>
+        </pc:spChg>
+        <pc:spChg chg="mod">
+          <ac:chgData name="Ahmed Mahmoud" userId="a520bb48-7c22-4e5d-98d7-2bd178c8dd0a" providerId="ADAL" clId="{79F1EAC5-CA8E-4E22-8979-B07F8C2D4C50}" dt="2024-11-30T08:14:20.308" v="0"/>
+          <ac:spMkLst>
+            <pc:docMk/>
+            <pc:sldMk cId="1347654987" sldId="276"/>
+            <ac:spMk id="3" creationId="{ADB81341-A570-5D26-15F2-997C68F454C9}"/>
+          </ac:spMkLst>
+        </pc:spChg>
+      </pc:sldChg>
+      <pc:sldChg chg="modSp">
+        <pc:chgData name="Ahmed Mahmoud" userId="a520bb48-7c22-4e5d-98d7-2bd178c8dd0a" providerId="ADAL" clId="{79F1EAC5-CA8E-4E22-8979-B07F8C2D4C50}" dt="2024-11-30T08:14:20.308" v="0"/>
+        <pc:sldMkLst>
+          <pc:docMk/>
+          <pc:sldMk cId="3551417535" sldId="277"/>
+        </pc:sldMkLst>
+        <pc:spChg chg="mod">
+          <ac:chgData name="Ahmed Mahmoud" userId="a520bb48-7c22-4e5d-98d7-2bd178c8dd0a" providerId="ADAL" clId="{79F1EAC5-CA8E-4E22-8979-B07F8C2D4C50}" dt="2024-11-30T08:14:20.308" v="0"/>
+          <ac:spMkLst>
+            <pc:docMk/>
+            <pc:sldMk cId="3551417535" sldId="277"/>
+            <ac:spMk id="2" creationId="{6B45B3C6-1AD9-3454-C542-62A36CD50D9A}"/>
+          </ac:spMkLst>
+        </pc:spChg>
+        <pc:spChg chg="mod">
+          <ac:chgData name="Ahmed Mahmoud" userId="a520bb48-7c22-4e5d-98d7-2bd178c8dd0a" providerId="ADAL" clId="{79F1EAC5-CA8E-4E22-8979-B07F8C2D4C50}" dt="2024-11-30T08:14:20.308" v="0"/>
+          <ac:spMkLst>
+            <pc:docMk/>
+            <pc:sldMk cId="3551417535" sldId="277"/>
+            <ac:spMk id="3" creationId="{481F7DB4-D1F6-BFFF-CEF3-70E840BE42F3}"/>
+          </ac:spMkLst>
+        </pc:spChg>
+      </pc:sldChg>
+      <pc:sldMasterChg chg="modSp modSldLayout">
+        <pc:chgData name="Ahmed Mahmoud" userId="a520bb48-7c22-4e5d-98d7-2bd178c8dd0a" providerId="ADAL" clId="{79F1EAC5-CA8E-4E22-8979-B07F8C2D4C50}" dt="2024-11-30T08:14:20.308" v="0"/>
+        <pc:sldMasterMkLst>
+          <pc:docMk/>
+          <pc:sldMasterMk cId="3915177885" sldId="2147483648"/>
+        </pc:sldMasterMkLst>
+        <pc:spChg chg="mod">
+          <ac:chgData name="Ahmed Mahmoud" userId="a520bb48-7c22-4e5d-98d7-2bd178c8dd0a" providerId="ADAL" clId="{79F1EAC5-CA8E-4E22-8979-B07F8C2D4C50}" dt="2024-11-30T08:14:20.308" v="0"/>
+          <ac:spMkLst>
+            <pc:docMk/>
+            <pc:sldMasterMk cId="3915177885" sldId="2147483648"/>
+            <ac:spMk id="2" creationId="{F607395C-16BA-F7D0-49EB-B641C6B659DE}"/>
+          </ac:spMkLst>
+        </pc:spChg>
+        <pc:spChg chg="mod">
+          <ac:chgData name="Ahmed Mahmoud" userId="a520bb48-7c22-4e5d-98d7-2bd178c8dd0a" providerId="ADAL" clId="{79F1EAC5-CA8E-4E22-8979-B07F8C2D4C50}" dt="2024-11-30T08:14:20.308" v="0"/>
+          <ac:spMkLst>
+            <pc:docMk/>
+            <pc:sldMasterMk cId="3915177885" sldId="2147483648"/>
+            <ac:spMk id="3" creationId="{1355B0D4-FE12-6461-1BA4-6C74EEBCA015}"/>
+          </ac:spMkLst>
+        </pc:spChg>
+        <pc:spChg chg="mod">
+          <ac:chgData name="Ahmed Mahmoud" userId="a520bb48-7c22-4e5d-98d7-2bd178c8dd0a" providerId="ADAL" clId="{79F1EAC5-CA8E-4E22-8979-B07F8C2D4C50}" dt="2024-11-30T08:14:20.308" v="0"/>
+          <ac:spMkLst>
+            <pc:docMk/>
+            <pc:sldMasterMk cId="3915177885" sldId="2147483648"/>
+            <ac:spMk id="4" creationId="{93265712-C3A1-C417-7A15-820F6B1E9ED6}"/>
+          </ac:spMkLst>
+        </pc:spChg>
+        <pc:spChg chg="mod">
+          <ac:chgData name="Ahmed Mahmoud" userId="a520bb48-7c22-4e5d-98d7-2bd178c8dd0a" providerId="ADAL" clId="{79F1EAC5-CA8E-4E22-8979-B07F8C2D4C50}" dt="2024-11-30T08:14:20.308" v="0"/>
+          <ac:spMkLst>
+            <pc:docMk/>
+            <pc:sldMasterMk cId="3915177885" sldId="2147483648"/>
+            <ac:spMk id="5" creationId="{7289578A-7CE0-9501-3036-F9C41923268E}"/>
+          </ac:spMkLst>
+        </pc:spChg>
+        <pc:spChg chg="mod">
+          <ac:chgData name="Ahmed Mahmoud" userId="a520bb48-7c22-4e5d-98d7-2bd178c8dd0a" providerId="ADAL" clId="{79F1EAC5-CA8E-4E22-8979-B07F8C2D4C50}" dt="2024-11-30T08:14:20.308" v="0"/>
+          <ac:spMkLst>
+            <pc:docMk/>
+            <pc:sldMasterMk cId="3915177885" sldId="2147483648"/>
+            <ac:spMk id="6" creationId="{95D72F49-67C5-0920-4A14-C9F182322354}"/>
+          </ac:spMkLst>
+        </pc:spChg>
+        <pc:sldLayoutChg chg="modSp">
+          <pc:chgData name="Ahmed Mahmoud" userId="a520bb48-7c22-4e5d-98d7-2bd178c8dd0a" providerId="ADAL" clId="{79F1EAC5-CA8E-4E22-8979-B07F8C2D4C50}" dt="2024-11-30T08:14:20.308" v="0"/>
+          <pc:sldLayoutMkLst>
+            <pc:docMk/>
+            <pc:sldMasterMk cId="3915177885" sldId="2147483648"/>
+            <pc:sldLayoutMk cId="375626137" sldId="2147483649"/>
+          </pc:sldLayoutMkLst>
+          <pc:spChg chg="mod">
+            <ac:chgData name="Ahmed Mahmoud" userId="a520bb48-7c22-4e5d-98d7-2bd178c8dd0a" providerId="ADAL" clId="{79F1EAC5-CA8E-4E22-8979-B07F8C2D4C50}" dt="2024-11-30T08:14:20.308" v="0"/>
+            <ac:spMkLst>
+              <pc:docMk/>
+              <pc:sldMasterMk cId="3915177885" sldId="2147483648"/>
+              <pc:sldLayoutMk cId="375626137" sldId="2147483649"/>
+              <ac:spMk id="2" creationId="{12B582C8-C919-0E1D-6CD7-622009C22971}"/>
+            </ac:spMkLst>
+          </pc:spChg>
+          <pc:spChg chg="mod">
+            <ac:chgData name="Ahmed Mahmoud" userId="a520bb48-7c22-4e5d-98d7-2bd178c8dd0a" providerId="ADAL" clId="{79F1EAC5-CA8E-4E22-8979-B07F8C2D4C50}" dt="2024-11-30T08:14:20.308" v="0"/>
+            <ac:spMkLst>
+              <pc:docMk/>
+              <pc:sldMasterMk cId="3915177885" sldId="2147483648"/>
+              <pc:sldLayoutMk cId="375626137" sldId="2147483649"/>
+              <ac:spMk id="3" creationId="{72EAE70F-D53A-7CDA-AC99-6579BDE12B7F}"/>
+            </ac:spMkLst>
+          </pc:spChg>
+        </pc:sldLayoutChg>
+        <pc:sldLayoutChg chg="modSp">
+          <pc:chgData name="Ahmed Mahmoud" userId="a520bb48-7c22-4e5d-98d7-2bd178c8dd0a" providerId="ADAL" clId="{79F1EAC5-CA8E-4E22-8979-B07F8C2D4C50}" dt="2024-11-30T08:14:20.308" v="0"/>
+          <pc:sldLayoutMkLst>
+            <pc:docMk/>
+            <pc:sldMasterMk cId="3915177885" sldId="2147483648"/>
+            <pc:sldLayoutMk cId="2795738652" sldId="2147483651"/>
+          </pc:sldLayoutMkLst>
+          <pc:spChg chg="mod">
+            <ac:chgData name="Ahmed Mahmoud" userId="a520bb48-7c22-4e5d-98d7-2bd178c8dd0a" providerId="ADAL" clId="{79F1EAC5-CA8E-4E22-8979-B07F8C2D4C50}" dt="2024-11-30T08:14:20.308" v="0"/>
+            <ac:spMkLst>
+              <pc:docMk/>
+              <pc:sldMasterMk cId="3915177885" sldId="2147483648"/>
+              <pc:sldLayoutMk cId="2795738652" sldId="2147483651"/>
+              <ac:spMk id="2" creationId="{67D5B307-1398-8397-DC43-1855498507B5}"/>
+            </ac:spMkLst>
+          </pc:spChg>
+          <pc:spChg chg="mod">
+            <ac:chgData name="Ahmed Mahmoud" userId="a520bb48-7c22-4e5d-98d7-2bd178c8dd0a" providerId="ADAL" clId="{79F1EAC5-CA8E-4E22-8979-B07F8C2D4C50}" dt="2024-11-30T08:14:20.308" v="0"/>
+            <ac:spMkLst>
+              <pc:docMk/>
+              <pc:sldMasterMk cId="3915177885" sldId="2147483648"/>
+              <pc:sldLayoutMk cId="2795738652" sldId="2147483651"/>
+              <ac:spMk id="3" creationId="{D8BE9FEA-BE30-2103-4389-A2E306BF7AA7}"/>
+            </ac:spMkLst>
+          </pc:spChg>
+        </pc:sldLayoutChg>
+        <pc:sldLayoutChg chg="modSp">
+          <pc:chgData name="Ahmed Mahmoud" userId="a520bb48-7c22-4e5d-98d7-2bd178c8dd0a" providerId="ADAL" clId="{79F1EAC5-CA8E-4E22-8979-B07F8C2D4C50}" dt="2024-11-30T08:14:20.308" v="0"/>
+          <pc:sldLayoutMkLst>
+            <pc:docMk/>
+            <pc:sldMasterMk cId="3915177885" sldId="2147483648"/>
+            <pc:sldLayoutMk cId="1512962266" sldId="2147483652"/>
+          </pc:sldLayoutMkLst>
+          <pc:spChg chg="mod">
+            <ac:chgData name="Ahmed Mahmoud" userId="a520bb48-7c22-4e5d-98d7-2bd178c8dd0a" providerId="ADAL" clId="{79F1EAC5-CA8E-4E22-8979-B07F8C2D4C50}" dt="2024-11-30T08:14:20.308" v="0"/>
+            <ac:spMkLst>
+              <pc:docMk/>
+              <pc:sldMasterMk cId="3915177885" sldId="2147483648"/>
+              <pc:sldLayoutMk cId="1512962266" sldId="2147483652"/>
+              <ac:spMk id="3" creationId="{7D901514-5180-7458-E00C-D6954E2A2900}"/>
+            </ac:spMkLst>
+          </pc:spChg>
+          <pc:spChg chg="mod">
+            <ac:chgData name="Ahmed Mahmoud" userId="a520bb48-7c22-4e5d-98d7-2bd178c8dd0a" providerId="ADAL" clId="{79F1EAC5-CA8E-4E22-8979-B07F8C2D4C50}" dt="2024-11-30T08:14:20.308" v="0"/>
+            <ac:spMkLst>
+              <pc:docMk/>
+              <pc:sldMasterMk cId="3915177885" sldId="2147483648"/>
+              <pc:sldLayoutMk cId="1512962266" sldId="2147483652"/>
+              <ac:spMk id="4" creationId="{E33A6E69-F80A-B4A5-49EA-CB637B0D78A3}"/>
+            </ac:spMkLst>
+          </pc:spChg>
+        </pc:sldLayoutChg>
+        <pc:sldLayoutChg chg="modSp">
+          <pc:chgData name="Ahmed Mahmoud" userId="a520bb48-7c22-4e5d-98d7-2bd178c8dd0a" providerId="ADAL" clId="{79F1EAC5-CA8E-4E22-8979-B07F8C2D4C50}" dt="2024-11-30T08:14:20.308" v="0"/>
+          <pc:sldLayoutMkLst>
+            <pc:docMk/>
+            <pc:sldMasterMk cId="3915177885" sldId="2147483648"/>
+            <pc:sldLayoutMk cId="3091604553" sldId="2147483653"/>
+          </pc:sldLayoutMkLst>
+          <pc:spChg chg="mod">
+            <ac:chgData name="Ahmed Mahmoud" userId="a520bb48-7c22-4e5d-98d7-2bd178c8dd0a" providerId="ADAL" clId="{79F1EAC5-CA8E-4E22-8979-B07F8C2D4C50}" dt="2024-11-30T08:14:20.308" v="0"/>
+            <ac:spMkLst>
+              <pc:docMk/>
+              <pc:sldMasterMk cId="3915177885" sldId="2147483648"/>
+              <pc:sldLayoutMk cId="3091604553" sldId="2147483653"/>
+              <ac:spMk id="2" creationId="{8D33242A-D8D0-0B8C-EAF9-57F02509C9F1}"/>
+            </ac:spMkLst>
+          </pc:spChg>
+          <pc:spChg chg="mod">
+            <ac:chgData name="Ahmed Mahmoud" userId="a520bb48-7c22-4e5d-98d7-2bd178c8dd0a" providerId="ADAL" clId="{79F1EAC5-CA8E-4E22-8979-B07F8C2D4C50}" dt="2024-11-30T08:14:20.308" v="0"/>
+            <ac:spMkLst>
+              <pc:docMk/>
+              <pc:sldMasterMk cId="3915177885" sldId="2147483648"/>
+              <pc:sldLayoutMk cId="3091604553" sldId="2147483653"/>
+              <ac:spMk id="3" creationId="{94CDD13C-EA3E-15A2-57D7-A625FA8528E2}"/>
+            </ac:spMkLst>
+          </pc:spChg>
+          <pc:spChg chg="mod">
+            <ac:chgData name="Ahmed Mahmoud" userId="a520bb48-7c22-4e5d-98d7-2bd178c8dd0a" providerId="ADAL" clId="{79F1EAC5-CA8E-4E22-8979-B07F8C2D4C50}" dt="2024-11-30T08:14:20.308" v="0"/>
+            <ac:spMkLst>
+              <pc:docMk/>
+              <pc:sldMasterMk cId="3915177885" sldId="2147483648"/>
+              <pc:sldLayoutMk cId="3091604553" sldId="2147483653"/>
+              <ac:spMk id="4" creationId="{A13EFBBC-2AA5-CFB8-AA7C-3F19C414524D}"/>
+            </ac:spMkLst>
+          </pc:spChg>
+          <pc:spChg chg="mod">
+            <ac:chgData name="Ahmed Mahmoud" userId="a520bb48-7c22-4e5d-98d7-2bd178c8dd0a" providerId="ADAL" clId="{79F1EAC5-CA8E-4E22-8979-B07F8C2D4C50}" dt="2024-11-30T08:14:20.308" v="0"/>
+            <ac:spMkLst>
+              <pc:docMk/>
+              <pc:sldMasterMk cId="3915177885" sldId="2147483648"/>
+              <pc:sldLayoutMk cId="3091604553" sldId="2147483653"/>
+              <ac:spMk id="5" creationId="{8850214B-7C14-C934-E6DC-92839B992F34}"/>
+            </ac:spMkLst>
+          </pc:spChg>
+          <pc:spChg chg="mod">
+            <ac:chgData name="Ahmed Mahmoud" userId="a520bb48-7c22-4e5d-98d7-2bd178c8dd0a" providerId="ADAL" clId="{79F1EAC5-CA8E-4E22-8979-B07F8C2D4C50}" dt="2024-11-30T08:14:20.308" v="0"/>
+            <ac:spMkLst>
+              <pc:docMk/>
+              <pc:sldMasterMk cId="3915177885" sldId="2147483648"/>
+              <pc:sldLayoutMk cId="3091604553" sldId="2147483653"/>
+              <ac:spMk id="6" creationId="{94D48A50-B7F1-CD51-8020-883C8428FCB9}"/>
+            </ac:spMkLst>
+          </pc:spChg>
+        </pc:sldLayoutChg>
+        <pc:sldLayoutChg chg="modSp">
+          <pc:chgData name="Ahmed Mahmoud" userId="a520bb48-7c22-4e5d-98d7-2bd178c8dd0a" providerId="ADAL" clId="{79F1EAC5-CA8E-4E22-8979-B07F8C2D4C50}" dt="2024-11-30T08:14:20.308" v="0"/>
+          <pc:sldLayoutMkLst>
+            <pc:docMk/>
+            <pc:sldMasterMk cId="3915177885" sldId="2147483648"/>
+            <pc:sldLayoutMk cId="3328667066" sldId="2147483656"/>
+          </pc:sldLayoutMkLst>
+          <pc:spChg chg="mod">
+            <ac:chgData name="Ahmed Mahmoud" userId="a520bb48-7c22-4e5d-98d7-2bd178c8dd0a" providerId="ADAL" clId="{79F1EAC5-CA8E-4E22-8979-B07F8C2D4C50}" dt="2024-11-30T08:14:20.308" v="0"/>
+            <ac:spMkLst>
+              <pc:docMk/>
+              <pc:sldMasterMk cId="3915177885" sldId="2147483648"/>
+              <pc:sldLayoutMk cId="3328667066" sldId="2147483656"/>
+              <ac:spMk id="2" creationId="{30BB8977-AF43-D663-E74A-D835E7451934}"/>
+            </ac:spMkLst>
+          </pc:spChg>
+          <pc:spChg chg="mod">
+            <ac:chgData name="Ahmed Mahmoud" userId="a520bb48-7c22-4e5d-98d7-2bd178c8dd0a" providerId="ADAL" clId="{79F1EAC5-CA8E-4E22-8979-B07F8C2D4C50}" dt="2024-11-30T08:14:20.308" v="0"/>
+            <ac:spMkLst>
+              <pc:docMk/>
+              <pc:sldMasterMk cId="3915177885" sldId="2147483648"/>
+              <pc:sldLayoutMk cId="3328667066" sldId="2147483656"/>
+              <ac:spMk id="3" creationId="{BE7A198C-EFA1-0687-D7C1-99BE9A054F41}"/>
+            </ac:spMkLst>
+          </pc:spChg>
+          <pc:spChg chg="mod">
+            <ac:chgData name="Ahmed Mahmoud" userId="a520bb48-7c22-4e5d-98d7-2bd178c8dd0a" providerId="ADAL" clId="{79F1EAC5-CA8E-4E22-8979-B07F8C2D4C50}" dt="2024-11-30T08:14:20.308" v="0"/>
+            <ac:spMkLst>
+              <pc:docMk/>
+              <pc:sldMasterMk cId="3915177885" sldId="2147483648"/>
+              <pc:sldLayoutMk cId="3328667066" sldId="2147483656"/>
+              <ac:spMk id="4" creationId="{87853411-96FD-6220-D409-AB39D9134824}"/>
+            </ac:spMkLst>
+          </pc:spChg>
+        </pc:sldLayoutChg>
+        <pc:sldLayoutChg chg="modSp">
+          <pc:chgData name="Ahmed Mahmoud" userId="a520bb48-7c22-4e5d-98d7-2bd178c8dd0a" providerId="ADAL" clId="{79F1EAC5-CA8E-4E22-8979-B07F8C2D4C50}" dt="2024-11-30T08:14:20.308" v="0"/>
+          <pc:sldLayoutMkLst>
+            <pc:docMk/>
+            <pc:sldMasterMk cId="3915177885" sldId="2147483648"/>
+            <pc:sldLayoutMk cId="2822439424" sldId="2147483657"/>
+          </pc:sldLayoutMkLst>
+          <pc:spChg chg="mod">
+            <ac:chgData name="Ahmed Mahmoud" userId="a520bb48-7c22-4e5d-98d7-2bd178c8dd0a" providerId="ADAL" clId="{79F1EAC5-CA8E-4E22-8979-B07F8C2D4C50}" dt="2024-11-30T08:14:20.308" v="0"/>
+            <ac:spMkLst>
+              <pc:docMk/>
+              <pc:sldMasterMk cId="3915177885" sldId="2147483648"/>
+              <pc:sldLayoutMk cId="2822439424" sldId="2147483657"/>
+              <ac:spMk id="2" creationId="{AD6E2AB1-0CDE-9F0D-7822-74B44E1F516C}"/>
+            </ac:spMkLst>
+          </pc:spChg>
+          <pc:spChg chg="mod">
+            <ac:chgData name="Ahmed Mahmoud" userId="a520bb48-7c22-4e5d-98d7-2bd178c8dd0a" providerId="ADAL" clId="{79F1EAC5-CA8E-4E22-8979-B07F8C2D4C50}" dt="2024-11-30T08:14:20.308" v="0"/>
+            <ac:spMkLst>
+              <pc:docMk/>
+              <pc:sldMasterMk cId="3915177885" sldId="2147483648"/>
+              <pc:sldLayoutMk cId="2822439424" sldId="2147483657"/>
+              <ac:spMk id="3" creationId="{AB6F5C40-F44D-576C-FBB9-22B7DBE4A6DF}"/>
+            </ac:spMkLst>
+          </pc:spChg>
+          <pc:spChg chg="mod">
+            <ac:chgData name="Ahmed Mahmoud" userId="a520bb48-7c22-4e5d-98d7-2bd178c8dd0a" providerId="ADAL" clId="{79F1EAC5-CA8E-4E22-8979-B07F8C2D4C50}" dt="2024-11-30T08:14:20.308" v="0"/>
+            <ac:spMkLst>
+              <pc:docMk/>
+              <pc:sldMasterMk cId="3915177885" sldId="2147483648"/>
+              <pc:sldLayoutMk cId="2822439424" sldId="2147483657"/>
+              <ac:spMk id="4" creationId="{2B1604BD-5AC2-71FB-322A-CBC12632F9BD}"/>
+            </ac:spMkLst>
+          </pc:spChg>
+        </pc:sldLayoutChg>
+        <pc:sldLayoutChg chg="modSp">
+          <pc:chgData name="Ahmed Mahmoud" userId="a520bb48-7c22-4e5d-98d7-2bd178c8dd0a" providerId="ADAL" clId="{79F1EAC5-CA8E-4E22-8979-B07F8C2D4C50}" dt="2024-11-30T08:14:20.308" v="0"/>
+          <pc:sldLayoutMkLst>
+            <pc:docMk/>
+            <pc:sldMasterMk cId="3915177885" sldId="2147483648"/>
+            <pc:sldLayoutMk cId="3614990425" sldId="2147483659"/>
+          </pc:sldLayoutMkLst>
+          <pc:spChg chg="mod">
+            <ac:chgData name="Ahmed Mahmoud" userId="a520bb48-7c22-4e5d-98d7-2bd178c8dd0a" providerId="ADAL" clId="{79F1EAC5-CA8E-4E22-8979-B07F8C2D4C50}" dt="2024-11-30T08:14:20.308" v="0"/>
+            <ac:spMkLst>
+              <pc:docMk/>
+              <pc:sldMasterMk cId="3915177885" sldId="2147483648"/>
+              <pc:sldLayoutMk cId="3614990425" sldId="2147483659"/>
+              <ac:spMk id="2" creationId="{9DD08648-9908-006C-47F9-FB17FCDA5F0F}"/>
+            </ac:spMkLst>
+          </pc:spChg>
+          <pc:spChg chg="mod">
+            <ac:chgData name="Ahmed Mahmoud" userId="a520bb48-7c22-4e5d-98d7-2bd178c8dd0a" providerId="ADAL" clId="{79F1EAC5-CA8E-4E22-8979-B07F8C2D4C50}" dt="2024-11-30T08:14:20.308" v="0"/>
+            <ac:spMkLst>
+              <pc:docMk/>
+              <pc:sldMasterMk cId="3915177885" sldId="2147483648"/>
+              <pc:sldLayoutMk cId="3614990425" sldId="2147483659"/>
+              <ac:spMk id="3" creationId="{64F86698-32C9-6ABF-164C-C2BB8C612061}"/>
+            </ac:spMkLst>
+          </pc:spChg>
+        </pc:sldLayoutChg>
+      </pc:sldMasterChg>
+    </pc:docChg>
+  </pc:docChgLst>
+</pc:chgInfo>
 </file>
 
 <file path=ppt/slideLayouts/slideLayout1.xml><?xml version="1.0" encoding="utf-8"?>
@@ -153,13 +819,7 @@
       </p:grpSpPr>
       <p:sp>
         <p:nvSpPr>
-          <p:cNvPr id="2" name="Title 1">
-            <a:extLst>
-              <a:ext uri="{FF2B5EF4-FFF2-40B4-BE49-F238E27FC236}">
-                <a16:creationId xmlns:a16="http://schemas.microsoft.com/office/drawing/2014/main" id="{12B582C8-C919-0E1D-6CD7-622009C22971}"/>
-              </a:ext>
-            </a:extLst>
-          </p:cNvPr>
+          <p:cNvPr id="2" name="Title 1"/>
           <p:cNvSpPr>
             <a:spLocks noGrp="1"/>
           </p:cNvSpPr>
@@ -169,8 +829,8 @@
         </p:nvSpPr>
         <p:spPr>
           <a:xfrm>
-            <a:off x="1524000" y="1122363"/>
-            <a:ext cx="9144000" cy="2387600"/>
+            <a:off x="685800" y="1122363"/>
+            <a:ext cx="7772400" cy="2387600"/>
           </a:xfrm>
         </p:spPr>
         <p:txBody>
@@ -185,18 +845,13 @@
               <a:rPr lang="en-US"/>
               <a:t>Click to edit Master title style</a:t>
             </a:r>
-          </a:p>
-        </p:txBody>
-      </p:sp>
-      <p:sp>
-        <p:nvSpPr>
-          <p:cNvPr id="3" name="Subtitle 2">
-            <a:extLst>
-              <a:ext uri="{FF2B5EF4-FFF2-40B4-BE49-F238E27FC236}">
-                <a16:creationId xmlns:a16="http://schemas.microsoft.com/office/drawing/2014/main" id="{72EAE70F-D53A-7CDA-AC99-6579BDE12B7F}"/>
-              </a:ext>
-            </a:extLst>
-          </p:cNvPr>
+            <a:endParaRPr lang="en-US" dirty="0"/>
+          </a:p>
+        </p:txBody>
+      </p:sp>
+      <p:sp>
+        <p:nvSpPr>
+          <p:cNvPr id="3" name="Subtitle 2"/>
           <p:cNvSpPr>
             <a:spLocks noGrp="1"/>
           </p:cNvSpPr>
@@ -206,8 +861,8 @@
         </p:nvSpPr>
         <p:spPr>
           <a:xfrm>
-            <a:off x="1524000" y="3602038"/>
-            <a:ext cx="9144000" cy="1655762"/>
+            <a:off x="1143000" y="3602038"/>
+            <a:ext cx="6858000" cy="1655762"/>
           </a:xfrm>
         </p:spPr>
         <p:txBody>
@@ -255,18 +910,13 @@
               <a:rPr lang="en-US"/>
               <a:t>Click to edit Master subtitle style</a:t>
             </a:r>
-          </a:p>
-        </p:txBody>
-      </p:sp>
-      <p:sp>
-        <p:nvSpPr>
-          <p:cNvPr id="4" name="Date Placeholder 3">
-            <a:extLst>
-              <a:ext uri="{FF2B5EF4-FFF2-40B4-BE49-F238E27FC236}">
-                <a16:creationId xmlns:a16="http://schemas.microsoft.com/office/drawing/2014/main" id="{188A7F94-094B-1AD4-5865-C4A54984A6A2}"/>
-              </a:ext>
-            </a:extLst>
-          </p:cNvPr>
+            <a:endParaRPr lang="en-US" dirty="0"/>
+          </a:p>
+        </p:txBody>
+      </p:sp>
+      <p:sp>
+        <p:nvSpPr>
+          <p:cNvPr id="4" name="Date Placeholder 3"/>
           <p:cNvSpPr>
             <a:spLocks noGrp="1"/>
           </p:cNvSpPr>
@@ -281,7 +931,7 @@
           <a:p>
             <a:fld id="{AA72B670-1FDD-47E1-B7BE-576D48196FD7}" type="datetimeFigureOut">
               <a:rPr lang="en-US" smtClean="0"/>
-              <a:t>11/29/2024</a:t>
+              <a:t>11/30/2024</a:t>
             </a:fld>
             <a:endParaRPr lang="en-US"/>
           </a:p>
@@ -289,13 +939,7 @@
       </p:sp>
       <p:sp>
         <p:nvSpPr>
-          <p:cNvPr id="5" name="Footer Placeholder 4">
-            <a:extLst>
-              <a:ext uri="{FF2B5EF4-FFF2-40B4-BE49-F238E27FC236}">
-                <a16:creationId xmlns:a16="http://schemas.microsoft.com/office/drawing/2014/main" id="{F4471B06-DD7E-2410-C62A-5AA6391E12C7}"/>
-              </a:ext>
-            </a:extLst>
-          </p:cNvPr>
+          <p:cNvPr id="5" name="Footer Placeholder 4"/>
           <p:cNvSpPr>
             <a:spLocks noGrp="1"/>
           </p:cNvSpPr>
@@ -314,13 +958,7 @@
       </p:sp>
       <p:sp>
         <p:nvSpPr>
-          <p:cNvPr id="6" name="Slide Number Placeholder 5">
-            <a:extLst>
-              <a:ext uri="{FF2B5EF4-FFF2-40B4-BE49-F238E27FC236}">
-                <a16:creationId xmlns:a16="http://schemas.microsoft.com/office/drawing/2014/main" id="{8632CB35-C99B-CDB4-D7CE-3BDC682F066D}"/>
-              </a:ext>
-            </a:extLst>
-          </p:cNvPr>
+          <p:cNvPr id="6" name="Slide Number Placeholder 5"/>
           <p:cNvSpPr>
             <a:spLocks noGrp="1"/>
           </p:cNvSpPr>
@@ -344,7 +982,7 @@
     </p:spTree>
     <p:extLst>
       <p:ext uri="{BB962C8B-B14F-4D97-AF65-F5344CB8AC3E}">
-        <p14:creationId xmlns:p14="http://schemas.microsoft.com/office/powerpoint/2010/main" val="375626137"/>
+        <p14:creationId xmlns:p14="http://schemas.microsoft.com/office/powerpoint/2010/main" val="82913216"/>
       </p:ext>
     </p:extLst>
   </p:cSld>
@@ -373,13 +1011,7 @@
       </p:grpSpPr>
       <p:sp>
         <p:nvSpPr>
-          <p:cNvPr id="2" name="Title 1">
-            <a:extLst>
-              <a:ext uri="{FF2B5EF4-FFF2-40B4-BE49-F238E27FC236}">
-                <a16:creationId xmlns:a16="http://schemas.microsoft.com/office/drawing/2014/main" id="{10DCD01F-FD6D-3265-F6A7-3D6EF300B974}"/>
-              </a:ext>
-            </a:extLst>
-          </p:cNvPr>
+          <p:cNvPr id="2" name="Title 1"/>
           <p:cNvSpPr>
             <a:spLocks noGrp="1"/>
           </p:cNvSpPr>
@@ -396,18 +1028,13 @@
               <a:rPr lang="en-US"/>
               <a:t>Click to edit Master title style</a:t>
             </a:r>
-          </a:p>
-        </p:txBody>
-      </p:sp>
-      <p:sp>
-        <p:nvSpPr>
-          <p:cNvPr id="3" name="Vertical Text Placeholder 2">
-            <a:extLst>
-              <a:ext uri="{FF2B5EF4-FFF2-40B4-BE49-F238E27FC236}">
-                <a16:creationId xmlns:a16="http://schemas.microsoft.com/office/drawing/2014/main" id="{BBDF3537-BCB6-4ADA-616D-9580FDC19AB4}"/>
-              </a:ext>
-            </a:extLst>
-          </p:cNvPr>
+            <a:endParaRPr lang="en-US" dirty="0"/>
+          </a:p>
+        </p:txBody>
+      </p:sp>
+      <p:sp>
+        <p:nvSpPr>
+          <p:cNvPr id="3" name="Vertical Text Placeholder 2"/>
           <p:cNvSpPr>
             <a:spLocks noGrp="1"/>
           </p:cNvSpPr>
@@ -453,18 +1080,13 @@
               <a:rPr lang="en-US"/>
               <a:t>Fifth level</a:t>
             </a:r>
-          </a:p>
-        </p:txBody>
-      </p:sp>
-      <p:sp>
-        <p:nvSpPr>
-          <p:cNvPr id="4" name="Date Placeholder 3">
-            <a:extLst>
-              <a:ext uri="{FF2B5EF4-FFF2-40B4-BE49-F238E27FC236}">
-                <a16:creationId xmlns:a16="http://schemas.microsoft.com/office/drawing/2014/main" id="{A50EC75F-A160-E417-C3DD-56EDAC899DE1}"/>
-              </a:ext>
-            </a:extLst>
-          </p:cNvPr>
+            <a:endParaRPr lang="en-US" dirty="0"/>
+          </a:p>
+        </p:txBody>
+      </p:sp>
+      <p:sp>
+        <p:nvSpPr>
+          <p:cNvPr id="4" name="Date Placeholder 3"/>
           <p:cNvSpPr>
             <a:spLocks noGrp="1"/>
           </p:cNvSpPr>
@@ -479,7 +1101,7 @@
           <a:p>
             <a:fld id="{AA72B670-1FDD-47E1-B7BE-576D48196FD7}" type="datetimeFigureOut">
               <a:rPr lang="en-US" smtClean="0"/>
-              <a:t>11/29/2024</a:t>
+              <a:t>11/30/2024</a:t>
             </a:fld>
             <a:endParaRPr lang="en-US"/>
           </a:p>
@@ -487,13 +1109,7 @@
       </p:sp>
       <p:sp>
         <p:nvSpPr>
-          <p:cNvPr id="5" name="Footer Placeholder 4">
-            <a:extLst>
-              <a:ext uri="{FF2B5EF4-FFF2-40B4-BE49-F238E27FC236}">
-                <a16:creationId xmlns:a16="http://schemas.microsoft.com/office/drawing/2014/main" id="{BBCE24E5-2372-6E1C-928B-BB2D4517592F}"/>
-              </a:ext>
-            </a:extLst>
-          </p:cNvPr>
+          <p:cNvPr id="5" name="Footer Placeholder 4"/>
           <p:cNvSpPr>
             <a:spLocks noGrp="1"/>
           </p:cNvSpPr>
@@ -512,13 +1128,7 @@
       </p:sp>
       <p:sp>
         <p:nvSpPr>
-          <p:cNvPr id="6" name="Slide Number Placeholder 5">
-            <a:extLst>
-              <a:ext uri="{FF2B5EF4-FFF2-40B4-BE49-F238E27FC236}">
-                <a16:creationId xmlns:a16="http://schemas.microsoft.com/office/drawing/2014/main" id="{8F7221BA-3111-728B-D204-55F3B02D0B42}"/>
-              </a:ext>
-            </a:extLst>
-          </p:cNvPr>
+          <p:cNvPr id="6" name="Slide Number Placeholder 5"/>
           <p:cNvSpPr>
             <a:spLocks noGrp="1"/>
           </p:cNvSpPr>
@@ -542,7 +1152,7 @@
     </p:spTree>
     <p:extLst>
       <p:ext uri="{BB962C8B-B14F-4D97-AF65-F5344CB8AC3E}">
-        <p14:creationId xmlns:p14="http://schemas.microsoft.com/office/powerpoint/2010/main" val="1887285615"/>
+        <p14:creationId xmlns:p14="http://schemas.microsoft.com/office/powerpoint/2010/main" val="1094540332"/>
       </p:ext>
     </p:extLst>
   </p:cSld>
@@ -571,13 +1181,7 @@
       </p:grpSpPr>
       <p:sp>
         <p:nvSpPr>
-          <p:cNvPr id="2" name="Vertical Title 1">
-            <a:extLst>
-              <a:ext uri="{FF2B5EF4-FFF2-40B4-BE49-F238E27FC236}">
-                <a16:creationId xmlns:a16="http://schemas.microsoft.com/office/drawing/2014/main" id="{9DD08648-9908-006C-47F9-FB17FCDA5F0F}"/>
-              </a:ext>
-            </a:extLst>
-          </p:cNvPr>
+          <p:cNvPr id="2" name="Vertical Title 1"/>
           <p:cNvSpPr>
             <a:spLocks noGrp="1"/>
           </p:cNvSpPr>
@@ -587,8 +1191,8 @@
         </p:nvSpPr>
         <p:spPr>
           <a:xfrm>
-            <a:off x="8724900" y="365125"/>
-            <a:ext cx="2628900" cy="5811838"/>
+            <a:off x="6543675" y="365125"/>
+            <a:ext cx="1971675" cy="5811838"/>
           </a:xfrm>
         </p:spPr>
         <p:txBody>
@@ -599,18 +1203,13 @@
               <a:rPr lang="en-US"/>
               <a:t>Click to edit Master title style</a:t>
             </a:r>
-          </a:p>
-        </p:txBody>
-      </p:sp>
-      <p:sp>
-        <p:nvSpPr>
-          <p:cNvPr id="3" name="Vertical Text Placeholder 2">
-            <a:extLst>
-              <a:ext uri="{FF2B5EF4-FFF2-40B4-BE49-F238E27FC236}">
-                <a16:creationId xmlns:a16="http://schemas.microsoft.com/office/drawing/2014/main" id="{64F86698-32C9-6ABF-164C-C2BB8C612061}"/>
-              </a:ext>
-            </a:extLst>
-          </p:cNvPr>
+            <a:endParaRPr lang="en-US" dirty="0"/>
+          </a:p>
+        </p:txBody>
+      </p:sp>
+      <p:sp>
+        <p:nvSpPr>
+          <p:cNvPr id="3" name="Vertical Text Placeholder 2"/>
           <p:cNvSpPr>
             <a:spLocks noGrp="1"/>
           </p:cNvSpPr>
@@ -620,8 +1219,8 @@
         </p:nvSpPr>
         <p:spPr>
           <a:xfrm>
-            <a:off x="838200" y="365125"/>
-            <a:ext cx="7734300" cy="5811838"/>
+            <a:off x="628650" y="365125"/>
+            <a:ext cx="5800725" cy="5811838"/>
           </a:xfrm>
         </p:spPr>
         <p:txBody>
@@ -661,18 +1260,13 @@
               <a:rPr lang="en-US"/>
               <a:t>Fifth level</a:t>
             </a:r>
-          </a:p>
-        </p:txBody>
-      </p:sp>
-      <p:sp>
-        <p:nvSpPr>
-          <p:cNvPr id="4" name="Date Placeholder 3">
-            <a:extLst>
-              <a:ext uri="{FF2B5EF4-FFF2-40B4-BE49-F238E27FC236}">
-                <a16:creationId xmlns:a16="http://schemas.microsoft.com/office/drawing/2014/main" id="{E87235EA-E57E-2345-75F9-AE4F58E756B7}"/>
-              </a:ext>
-            </a:extLst>
-          </p:cNvPr>
+            <a:endParaRPr lang="en-US" dirty="0"/>
+          </a:p>
+        </p:txBody>
+      </p:sp>
+      <p:sp>
+        <p:nvSpPr>
+          <p:cNvPr id="4" name="Date Placeholder 3"/>
           <p:cNvSpPr>
             <a:spLocks noGrp="1"/>
           </p:cNvSpPr>
@@ -687,7 +1281,7 @@
           <a:p>
             <a:fld id="{AA72B670-1FDD-47E1-B7BE-576D48196FD7}" type="datetimeFigureOut">
               <a:rPr lang="en-US" smtClean="0"/>
-              <a:t>11/29/2024</a:t>
+              <a:t>11/30/2024</a:t>
             </a:fld>
             <a:endParaRPr lang="en-US"/>
           </a:p>
@@ -695,13 +1289,7 @@
       </p:sp>
       <p:sp>
         <p:nvSpPr>
-          <p:cNvPr id="5" name="Footer Placeholder 4">
-            <a:extLst>
-              <a:ext uri="{FF2B5EF4-FFF2-40B4-BE49-F238E27FC236}">
-                <a16:creationId xmlns:a16="http://schemas.microsoft.com/office/drawing/2014/main" id="{8C81AB1A-B2EE-A4F1-9010-98A1715CA64A}"/>
-              </a:ext>
-            </a:extLst>
-          </p:cNvPr>
+          <p:cNvPr id="5" name="Footer Placeholder 4"/>
           <p:cNvSpPr>
             <a:spLocks noGrp="1"/>
           </p:cNvSpPr>
@@ -720,13 +1308,7 @@
       </p:sp>
       <p:sp>
         <p:nvSpPr>
-          <p:cNvPr id="6" name="Slide Number Placeholder 5">
-            <a:extLst>
-              <a:ext uri="{FF2B5EF4-FFF2-40B4-BE49-F238E27FC236}">
-                <a16:creationId xmlns:a16="http://schemas.microsoft.com/office/drawing/2014/main" id="{CCE77A32-0A46-981B-7D5F-BFE8CEAF5F0F}"/>
-              </a:ext>
-            </a:extLst>
-          </p:cNvPr>
+          <p:cNvPr id="6" name="Slide Number Placeholder 5"/>
           <p:cNvSpPr>
             <a:spLocks noGrp="1"/>
           </p:cNvSpPr>
@@ -750,7 +1332,7 @@
     </p:spTree>
     <p:extLst>
       <p:ext uri="{BB962C8B-B14F-4D97-AF65-F5344CB8AC3E}">
-        <p14:creationId xmlns:p14="http://schemas.microsoft.com/office/powerpoint/2010/main" val="3614990425"/>
+        <p14:creationId xmlns:p14="http://schemas.microsoft.com/office/powerpoint/2010/main" val="1392308023"/>
       </p:ext>
     </p:extLst>
   </p:cSld>
@@ -779,13 +1361,7 @@
       </p:grpSpPr>
       <p:sp>
         <p:nvSpPr>
-          <p:cNvPr id="2" name="Title 1">
-            <a:extLst>
-              <a:ext uri="{FF2B5EF4-FFF2-40B4-BE49-F238E27FC236}">
-                <a16:creationId xmlns:a16="http://schemas.microsoft.com/office/drawing/2014/main" id="{B44CB801-B9A1-37B3-CE8E-7D9F8B6FBD62}"/>
-              </a:ext>
-            </a:extLst>
-          </p:cNvPr>
+          <p:cNvPr id="2" name="Title 1"/>
           <p:cNvSpPr>
             <a:spLocks noGrp="1"/>
           </p:cNvSpPr>
@@ -802,18 +1378,13 @@
               <a:rPr lang="en-US"/>
               <a:t>Click to edit Master title style</a:t>
             </a:r>
-          </a:p>
-        </p:txBody>
-      </p:sp>
-      <p:sp>
-        <p:nvSpPr>
-          <p:cNvPr id="3" name="Content Placeholder 2">
-            <a:extLst>
-              <a:ext uri="{FF2B5EF4-FFF2-40B4-BE49-F238E27FC236}">
-                <a16:creationId xmlns:a16="http://schemas.microsoft.com/office/drawing/2014/main" id="{E8F982FB-ED14-0175-76CC-5174ED54AB6A}"/>
-              </a:ext>
-            </a:extLst>
-          </p:cNvPr>
+            <a:endParaRPr lang="en-US" dirty="0"/>
+          </a:p>
+        </p:txBody>
+      </p:sp>
+      <p:sp>
+        <p:nvSpPr>
+          <p:cNvPr id="3" name="Content Placeholder 2"/>
           <p:cNvSpPr>
             <a:spLocks noGrp="1"/>
           </p:cNvSpPr>
@@ -859,18 +1430,13 @@
               <a:rPr lang="en-US"/>
               <a:t>Fifth level</a:t>
             </a:r>
-          </a:p>
-        </p:txBody>
-      </p:sp>
-      <p:sp>
-        <p:nvSpPr>
-          <p:cNvPr id="4" name="Date Placeholder 3">
-            <a:extLst>
-              <a:ext uri="{FF2B5EF4-FFF2-40B4-BE49-F238E27FC236}">
-                <a16:creationId xmlns:a16="http://schemas.microsoft.com/office/drawing/2014/main" id="{4B4E47A6-C831-F6E2-4862-48A9ADCC61AB}"/>
-              </a:ext>
-            </a:extLst>
-          </p:cNvPr>
+            <a:endParaRPr lang="en-US" dirty="0"/>
+          </a:p>
+        </p:txBody>
+      </p:sp>
+      <p:sp>
+        <p:nvSpPr>
+          <p:cNvPr id="4" name="Date Placeholder 3"/>
           <p:cNvSpPr>
             <a:spLocks noGrp="1"/>
           </p:cNvSpPr>
@@ -885,7 +1451,7 @@
           <a:p>
             <a:fld id="{AA72B670-1FDD-47E1-B7BE-576D48196FD7}" type="datetimeFigureOut">
               <a:rPr lang="en-US" smtClean="0"/>
-              <a:t>11/29/2024</a:t>
+              <a:t>11/30/2024</a:t>
             </a:fld>
             <a:endParaRPr lang="en-US"/>
           </a:p>
@@ -893,13 +1459,7 @@
       </p:sp>
       <p:sp>
         <p:nvSpPr>
-          <p:cNvPr id="5" name="Footer Placeholder 4">
-            <a:extLst>
-              <a:ext uri="{FF2B5EF4-FFF2-40B4-BE49-F238E27FC236}">
-                <a16:creationId xmlns:a16="http://schemas.microsoft.com/office/drawing/2014/main" id="{76CD4E82-A270-13F7-4140-22CF7D31C66E}"/>
-              </a:ext>
-            </a:extLst>
-          </p:cNvPr>
+          <p:cNvPr id="5" name="Footer Placeholder 4"/>
           <p:cNvSpPr>
             <a:spLocks noGrp="1"/>
           </p:cNvSpPr>
@@ -918,13 +1478,7 @@
       </p:sp>
       <p:sp>
         <p:nvSpPr>
-          <p:cNvPr id="6" name="Slide Number Placeholder 5">
-            <a:extLst>
-              <a:ext uri="{FF2B5EF4-FFF2-40B4-BE49-F238E27FC236}">
-                <a16:creationId xmlns:a16="http://schemas.microsoft.com/office/drawing/2014/main" id="{CB6AB648-7593-03FA-140E-1D4C31214BAC}"/>
-              </a:ext>
-            </a:extLst>
-          </p:cNvPr>
+          <p:cNvPr id="6" name="Slide Number Placeholder 5"/>
           <p:cNvSpPr>
             <a:spLocks noGrp="1"/>
           </p:cNvSpPr>
@@ -948,7 +1502,7 @@
     </p:spTree>
     <p:extLst>
       <p:ext uri="{BB962C8B-B14F-4D97-AF65-F5344CB8AC3E}">
-        <p14:creationId xmlns:p14="http://schemas.microsoft.com/office/powerpoint/2010/main" val="2130714193"/>
+        <p14:creationId xmlns:p14="http://schemas.microsoft.com/office/powerpoint/2010/main" val="200550166"/>
       </p:ext>
     </p:extLst>
   </p:cSld>
@@ -977,13 +1531,7 @@
       </p:grpSpPr>
       <p:sp>
         <p:nvSpPr>
-          <p:cNvPr id="2" name="Title 1">
-            <a:extLst>
-              <a:ext uri="{FF2B5EF4-FFF2-40B4-BE49-F238E27FC236}">
-                <a16:creationId xmlns:a16="http://schemas.microsoft.com/office/drawing/2014/main" id="{67D5B307-1398-8397-DC43-1855498507B5}"/>
-              </a:ext>
-            </a:extLst>
-          </p:cNvPr>
+          <p:cNvPr id="2" name="Title 1"/>
           <p:cNvSpPr>
             <a:spLocks noGrp="1"/>
           </p:cNvSpPr>
@@ -993,8 +1541,8 @@
         </p:nvSpPr>
         <p:spPr>
           <a:xfrm>
-            <a:off x="831850" y="1709738"/>
-            <a:ext cx="10515600" cy="2852737"/>
+            <a:off x="623888" y="1709739"/>
+            <a:ext cx="7886700" cy="2852737"/>
           </a:xfrm>
         </p:spPr>
         <p:txBody>
@@ -1009,18 +1557,13 @@
               <a:rPr lang="en-US"/>
               <a:t>Click to edit Master title style</a:t>
             </a:r>
-          </a:p>
-        </p:txBody>
-      </p:sp>
-      <p:sp>
-        <p:nvSpPr>
-          <p:cNvPr id="3" name="Text Placeholder 2">
-            <a:extLst>
-              <a:ext uri="{FF2B5EF4-FFF2-40B4-BE49-F238E27FC236}">
-                <a16:creationId xmlns:a16="http://schemas.microsoft.com/office/drawing/2014/main" id="{D8BE9FEA-BE30-2103-4389-A2E306BF7AA7}"/>
-              </a:ext>
-            </a:extLst>
-          </p:cNvPr>
+            <a:endParaRPr lang="en-US" dirty="0"/>
+          </a:p>
+        </p:txBody>
+      </p:sp>
+      <p:sp>
+        <p:nvSpPr>
+          <p:cNvPr id="3" name="Text Placeholder 2"/>
           <p:cNvSpPr>
             <a:spLocks noGrp="1"/>
           </p:cNvSpPr>
@@ -1030,8 +1573,8 @@
         </p:nvSpPr>
         <p:spPr>
           <a:xfrm>
-            <a:off x="831850" y="4589463"/>
-            <a:ext cx="10515600" cy="1500187"/>
+            <a:off x="623888" y="4589464"/>
+            <a:ext cx="7886700" cy="1500187"/>
           </a:xfrm>
         </p:spPr>
         <p:txBody>
@@ -1139,13 +1682,7 @@
       </p:sp>
       <p:sp>
         <p:nvSpPr>
-          <p:cNvPr id="4" name="Date Placeholder 3">
-            <a:extLst>
-              <a:ext uri="{FF2B5EF4-FFF2-40B4-BE49-F238E27FC236}">
-                <a16:creationId xmlns:a16="http://schemas.microsoft.com/office/drawing/2014/main" id="{A4EE4CF7-B262-EAD6-8E64-45BF2102AB83}"/>
-              </a:ext>
-            </a:extLst>
-          </p:cNvPr>
+          <p:cNvPr id="4" name="Date Placeholder 3"/>
           <p:cNvSpPr>
             <a:spLocks noGrp="1"/>
           </p:cNvSpPr>
@@ -1160,7 +1697,7 @@
           <a:p>
             <a:fld id="{AA72B670-1FDD-47E1-B7BE-576D48196FD7}" type="datetimeFigureOut">
               <a:rPr lang="en-US" smtClean="0"/>
-              <a:t>11/29/2024</a:t>
+              <a:t>11/30/2024</a:t>
             </a:fld>
             <a:endParaRPr lang="en-US"/>
           </a:p>
@@ -1168,13 +1705,7 @@
       </p:sp>
       <p:sp>
         <p:nvSpPr>
-          <p:cNvPr id="5" name="Footer Placeholder 4">
-            <a:extLst>
-              <a:ext uri="{FF2B5EF4-FFF2-40B4-BE49-F238E27FC236}">
-                <a16:creationId xmlns:a16="http://schemas.microsoft.com/office/drawing/2014/main" id="{C55849B1-6141-CDC5-2693-6B1E55FE129B}"/>
-              </a:ext>
-            </a:extLst>
-          </p:cNvPr>
+          <p:cNvPr id="5" name="Footer Placeholder 4"/>
           <p:cNvSpPr>
             <a:spLocks noGrp="1"/>
           </p:cNvSpPr>
@@ -1193,13 +1724,7 @@
       </p:sp>
       <p:sp>
         <p:nvSpPr>
-          <p:cNvPr id="6" name="Slide Number Placeholder 5">
-            <a:extLst>
-              <a:ext uri="{FF2B5EF4-FFF2-40B4-BE49-F238E27FC236}">
-                <a16:creationId xmlns:a16="http://schemas.microsoft.com/office/drawing/2014/main" id="{63EF4913-FE82-0D4A-3978-55CF54D8DBD3}"/>
-              </a:ext>
-            </a:extLst>
-          </p:cNvPr>
+          <p:cNvPr id="6" name="Slide Number Placeholder 5"/>
           <p:cNvSpPr>
             <a:spLocks noGrp="1"/>
           </p:cNvSpPr>
@@ -1223,7 +1748,7 @@
     </p:spTree>
     <p:extLst>
       <p:ext uri="{BB962C8B-B14F-4D97-AF65-F5344CB8AC3E}">
-        <p14:creationId xmlns:p14="http://schemas.microsoft.com/office/powerpoint/2010/main" val="2795738652"/>
+        <p14:creationId xmlns:p14="http://schemas.microsoft.com/office/powerpoint/2010/main" val="2954174900"/>
       </p:ext>
     </p:extLst>
   </p:cSld>
@@ -1252,13 +1777,7 @@
       </p:grpSpPr>
       <p:sp>
         <p:nvSpPr>
-          <p:cNvPr id="2" name="Title 1">
-            <a:extLst>
-              <a:ext uri="{FF2B5EF4-FFF2-40B4-BE49-F238E27FC236}">
-                <a16:creationId xmlns:a16="http://schemas.microsoft.com/office/drawing/2014/main" id="{28140377-2539-642D-4034-398A84BF681F}"/>
-              </a:ext>
-            </a:extLst>
-          </p:cNvPr>
+          <p:cNvPr id="2" name="Title 1"/>
           <p:cNvSpPr>
             <a:spLocks noGrp="1"/>
           </p:cNvSpPr>
@@ -1275,18 +1794,13 @@
               <a:rPr lang="en-US"/>
               <a:t>Click to edit Master title style</a:t>
             </a:r>
-          </a:p>
-        </p:txBody>
-      </p:sp>
-      <p:sp>
-        <p:nvSpPr>
-          <p:cNvPr id="3" name="Content Placeholder 2">
-            <a:extLst>
-              <a:ext uri="{FF2B5EF4-FFF2-40B4-BE49-F238E27FC236}">
-                <a16:creationId xmlns:a16="http://schemas.microsoft.com/office/drawing/2014/main" id="{7D901514-5180-7458-E00C-D6954E2A2900}"/>
-              </a:ext>
-            </a:extLst>
-          </p:cNvPr>
+            <a:endParaRPr lang="en-US" dirty="0"/>
+          </a:p>
+        </p:txBody>
+      </p:sp>
+      <p:sp>
+        <p:nvSpPr>
+          <p:cNvPr id="3" name="Content Placeholder 2"/>
           <p:cNvSpPr>
             <a:spLocks noGrp="1"/>
           </p:cNvSpPr>
@@ -1296,8 +1810,8 @@
         </p:nvSpPr>
         <p:spPr>
           <a:xfrm>
-            <a:off x="838200" y="1825625"/>
-            <a:ext cx="5181600" cy="4351338"/>
+            <a:off x="628650" y="1825625"/>
+            <a:ext cx="3886200" cy="4351338"/>
           </a:xfrm>
         </p:spPr>
         <p:txBody>
@@ -1337,18 +1851,13 @@
               <a:rPr lang="en-US"/>
               <a:t>Fifth level</a:t>
             </a:r>
-          </a:p>
-        </p:txBody>
-      </p:sp>
-      <p:sp>
-        <p:nvSpPr>
-          <p:cNvPr id="4" name="Content Placeholder 3">
-            <a:extLst>
-              <a:ext uri="{FF2B5EF4-FFF2-40B4-BE49-F238E27FC236}">
-                <a16:creationId xmlns:a16="http://schemas.microsoft.com/office/drawing/2014/main" id="{E33A6E69-F80A-B4A5-49EA-CB637B0D78A3}"/>
-              </a:ext>
-            </a:extLst>
-          </p:cNvPr>
+            <a:endParaRPr lang="en-US" dirty="0"/>
+          </a:p>
+        </p:txBody>
+      </p:sp>
+      <p:sp>
+        <p:nvSpPr>
+          <p:cNvPr id="4" name="Content Placeholder 3"/>
           <p:cNvSpPr>
             <a:spLocks noGrp="1"/>
           </p:cNvSpPr>
@@ -1358,8 +1867,8 @@
         </p:nvSpPr>
         <p:spPr>
           <a:xfrm>
-            <a:off x="6172200" y="1825625"/>
-            <a:ext cx="5181600" cy="4351338"/>
+            <a:off x="4629150" y="1825625"/>
+            <a:ext cx="3886200" cy="4351338"/>
           </a:xfrm>
         </p:spPr>
         <p:txBody>
@@ -1399,18 +1908,13 @@
               <a:rPr lang="en-US"/>
               <a:t>Fifth level</a:t>
             </a:r>
-          </a:p>
-        </p:txBody>
-      </p:sp>
-      <p:sp>
-        <p:nvSpPr>
-          <p:cNvPr id="5" name="Date Placeholder 4">
-            <a:extLst>
-              <a:ext uri="{FF2B5EF4-FFF2-40B4-BE49-F238E27FC236}">
-                <a16:creationId xmlns:a16="http://schemas.microsoft.com/office/drawing/2014/main" id="{FA695D18-C4F3-1293-7938-7AF5D135BCDF}"/>
-              </a:ext>
-            </a:extLst>
-          </p:cNvPr>
+            <a:endParaRPr lang="en-US" dirty="0"/>
+          </a:p>
+        </p:txBody>
+      </p:sp>
+      <p:sp>
+        <p:nvSpPr>
+          <p:cNvPr id="5" name="Date Placeholder 4"/>
           <p:cNvSpPr>
             <a:spLocks noGrp="1"/>
           </p:cNvSpPr>
@@ -1425,7 +1929,7 @@
           <a:p>
             <a:fld id="{AA72B670-1FDD-47E1-B7BE-576D48196FD7}" type="datetimeFigureOut">
               <a:rPr lang="en-US" smtClean="0"/>
-              <a:t>11/29/2024</a:t>
+              <a:t>11/30/2024</a:t>
             </a:fld>
             <a:endParaRPr lang="en-US"/>
           </a:p>
@@ -1433,13 +1937,7 @@
       </p:sp>
       <p:sp>
         <p:nvSpPr>
-          <p:cNvPr id="6" name="Footer Placeholder 5">
-            <a:extLst>
-              <a:ext uri="{FF2B5EF4-FFF2-40B4-BE49-F238E27FC236}">
-                <a16:creationId xmlns:a16="http://schemas.microsoft.com/office/drawing/2014/main" id="{19AA0ECC-47DD-AC3F-2CC6-BA8024A57661}"/>
-              </a:ext>
-            </a:extLst>
-          </p:cNvPr>
+          <p:cNvPr id="6" name="Footer Placeholder 5"/>
           <p:cNvSpPr>
             <a:spLocks noGrp="1"/>
           </p:cNvSpPr>
@@ -1458,13 +1956,7 @@
       </p:sp>
       <p:sp>
         <p:nvSpPr>
-          <p:cNvPr id="7" name="Slide Number Placeholder 6">
-            <a:extLst>
-              <a:ext uri="{FF2B5EF4-FFF2-40B4-BE49-F238E27FC236}">
-                <a16:creationId xmlns:a16="http://schemas.microsoft.com/office/drawing/2014/main" id="{F4632BA3-EAE8-CE3A-52A4-58005056856D}"/>
-              </a:ext>
-            </a:extLst>
-          </p:cNvPr>
+          <p:cNvPr id="7" name="Slide Number Placeholder 6"/>
           <p:cNvSpPr>
             <a:spLocks noGrp="1"/>
           </p:cNvSpPr>
@@ -1488,7 +1980,7 @@
     </p:spTree>
     <p:extLst>
       <p:ext uri="{BB962C8B-B14F-4D97-AF65-F5344CB8AC3E}">
-        <p14:creationId xmlns:p14="http://schemas.microsoft.com/office/powerpoint/2010/main" val="1512962266"/>
+        <p14:creationId xmlns:p14="http://schemas.microsoft.com/office/powerpoint/2010/main" val="413780571"/>
       </p:ext>
     </p:extLst>
   </p:cSld>
@@ -1517,13 +2009,7 @@
       </p:grpSpPr>
       <p:sp>
         <p:nvSpPr>
-          <p:cNvPr id="2" name="Title 1">
-            <a:extLst>
-              <a:ext uri="{FF2B5EF4-FFF2-40B4-BE49-F238E27FC236}">
-                <a16:creationId xmlns:a16="http://schemas.microsoft.com/office/drawing/2014/main" id="{8D33242A-D8D0-0B8C-EAF9-57F02509C9F1}"/>
-              </a:ext>
-            </a:extLst>
-          </p:cNvPr>
+          <p:cNvPr id="2" name="Title 1"/>
           <p:cNvSpPr>
             <a:spLocks noGrp="1"/>
           </p:cNvSpPr>
@@ -1533,8 +2019,8 @@
         </p:nvSpPr>
         <p:spPr>
           <a:xfrm>
-            <a:off x="839788" y="365125"/>
-            <a:ext cx="10515600" cy="1325563"/>
+            <a:off x="629841" y="365126"/>
+            <a:ext cx="7886700" cy="1325563"/>
           </a:xfrm>
         </p:spPr>
         <p:txBody>
@@ -1545,18 +2031,13 @@
               <a:rPr lang="en-US"/>
               <a:t>Click to edit Master title style</a:t>
             </a:r>
-          </a:p>
-        </p:txBody>
-      </p:sp>
-      <p:sp>
-        <p:nvSpPr>
-          <p:cNvPr id="3" name="Text Placeholder 2">
-            <a:extLst>
-              <a:ext uri="{FF2B5EF4-FFF2-40B4-BE49-F238E27FC236}">
-                <a16:creationId xmlns:a16="http://schemas.microsoft.com/office/drawing/2014/main" id="{94CDD13C-EA3E-15A2-57D7-A625FA8528E2}"/>
-              </a:ext>
-            </a:extLst>
-          </p:cNvPr>
+            <a:endParaRPr lang="en-US" dirty="0"/>
+          </a:p>
+        </p:txBody>
+      </p:sp>
+      <p:sp>
+        <p:nvSpPr>
+          <p:cNvPr id="3" name="Text Placeholder 2"/>
           <p:cNvSpPr>
             <a:spLocks noGrp="1"/>
           </p:cNvSpPr>
@@ -1566,8 +2047,8 @@
         </p:nvSpPr>
         <p:spPr>
           <a:xfrm>
-            <a:off x="839788" y="1681163"/>
-            <a:ext cx="5157787" cy="823912"/>
+            <a:off x="629842" y="1681163"/>
+            <a:ext cx="3868340" cy="823912"/>
           </a:xfrm>
         </p:spPr>
         <p:txBody>
@@ -1621,13 +2102,7 @@
       </p:sp>
       <p:sp>
         <p:nvSpPr>
-          <p:cNvPr id="4" name="Content Placeholder 3">
-            <a:extLst>
-              <a:ext uri="{FF2B5EF4-FFF2-40B4-BE49-F238E27FC236}">
-                <a16:creationId xmlns:a16="http://schemas.microsoft.com/office/drawing/2014/main" id="{A13EFBBC-2AA5-CFB8-AA7C-3F19C414524D}"/>
-              </a:ext>
-            </a:extLst>
-          </p:cNvPr>
+          <p:cNvPr id="4" name="Content Placeholder 3"/>
           <p:cNvSpPr>
             <a:spLocks noGrp="1"/>
           </p:cNvSpPr>
@@ -1637,8 +2112,8 @@
         </p:nvSpPr>
         <p:spPr>
           <a:xfrm>
-            <a:off x="839788" y="2505075"/>
-            <a:ext cx="5157787" cy="3684588"/>
+            <a:off x="629842" y="2505075"/>
+            <a:ext cx="3868340" cy="3684588"/>
           </a:xfrm>
         </p:spPr>
         <p:txBody>
@@ -1678,18 +2153,13 @@
               <a:rPr lang="en-US"/>
               <a:t>Fifth level</a:t>
             </a:r>
-          </a:p>
-        </p:txBody>
-      </p:sp>
-      <p:sp>
-        <p:nvSpPr>
-          <p:cNvPr id="5" name="Text Placeholder 4">
-            <a:extLst>
-              <a:ext uri="{FF2B5EF4-FFF2-40B4-BE49-F238E27FC236}">
-                <a16:creationId xmlns:a16="http://schemas.microsoft.com/office/drawing/2014/main" id="{8850214B-7C14-C934-E6DC-92839B992F34}"/>
-              </a:ext>
-            </a:extLst>
-          </p:cNvPr>
+            <a:endParaRPr lang="en-US" dirty="0"/>
+          </a:p>
+        </p:txBody>
+      </p:sp>
+      <p:sp>
+        <p:nvSpPr>
+          <p:cNvPr id="5" name="Text Placeholder 4"/>
           <p:cNvSpPr>
             <a:spLocks noGrp="1"/>
           </p:cNvSpPr>
@@ -1699,8 +2169,8 @@
         </p:nvSpPr>
         <p:spPr>
           <a:xfrm>
-            <a:off x="6172200" y="1681163"/>
-            <a:ext cx="5183188" cy="823912"/>
+            <a:off x="4629150" y="1681163"/>
+            <a:ext cx="3887391" cy="823912"/>
           </a:xfrm>
         </p:spPr>
         <p:txBody>
@@ -1754,13 +2224,7 @@
       </p:sp>
       <p:sp>
         <p:nvSpPr>
-          <p:cNvPr id="6" name="Content Placeholder 5">
-            <a:extLst>
-              <a:ext uri="{FF2B5EF4-FFF2-40B4-BE49-F238E27FC236}">
-                <a16:creationId xmlns:a16="http://schemas.microsoft.com/office/drawing/2014/main" id="{94D48A50-B7F1-CD51-8020-883C8428FCB9}"/>
-              </a:ext>
-            </a:extLst>
-          </p:cNvPr>
+          <p:cNvPr id="6" name="Content Placeholder 5"/>
           <p:cNvSpPr>
             <a:spLocks noGrp="1"/>
           </p:cNvSpPr>
@@ -1770,8 +2234,8 @@
         </p:nvSpPr>
         <p:spPr>
           <a:xfrm>
-            <a:off x="6172200" y="2505075"/>
-            <a:ext cx="5183188" cy="3684588"/>
+            <a:off x="4629150" y="2505075"/>
+            <a:ext cx="3887391" cy="3684588"/>
           </a:xfrm>
         </p:spPr>
         <p:txBody>
@@ -1811,18 +2275,13 @@
               <a:rPr lang="en-US"/>
               <a:t>Fifth level</a:t>
             </a:r>
-          </a:p>
-        </p:txBody>
-      </p:sp>
-      <p:sp>
-        <p:nvSpPr>
-          <p:cNvPr id="7" name="Date Placeholder 6">
-            <a:extLst>
-              <a:ext uri="{FF2B5EF4-FFF2-40B4-BE49-F238E27FC236}">
-                <a16:creationId xmlns:a16="http://schemas.microsoft.com/office/drawing/2014/main" id="{C83F71DB-68FB-C33D-EF81-1A39C6B24ECE}"/>
-              </a:ext>
-            </a:extLst>
-          </p:cNvPr>
+            <a:endParaRPr lang="en-US" dirty="0"/>
+          </a:p>
+        </p:txBody>
+      </p:sp>
+      <p:sp>
+        <p:nvSpPr>
+          <p:cNvPr id="7" name="Date Placeholder 6"/>
           <p:cNvSpPr>
             <a:spLocks noGrp="1"/>
           </p:cNvSpPr>
@@ -1837,7 +2296,7 @@
           <a:p>
             <a:fld id="{AA72B670-1FDD-47E1-B7BE-576D48196FD7}" type="datetimeFigureOut">
               <a:rPr lang="en-US" smtClean="0"/>
-              <a:t>11/29/2024</a:t>
+              <a:t>11/30/2024</a:t>
             </a:fld>
             <a:endParaRPr lang="en-US"/>
           </a:p>
@@ -1845,13 +2304,7 @@
       </p:sp>
       <p:sp>
         <p:nvSpPr>
-          <p:cNvPr id="8" name="Footer Placeholder 7">
-            <a:extLst>
-              <a:ext uri="{FF2B5EF4-FFF2-40B4-BE49-F238E27FC236}">
-                <a16:creationId xmlns:a16="http://schemas.microsoft.com/office/drawing/2014/main" id="{15FE8E1C-F5DB-F84E-692F-6F329020CE8A}"/>
-              </a:ext>
-            </a:extLst>
-          </p:cNvPr>
+          <p:cNvPr id="8" name="Footer Placeholder 7"/>
           <p:cNvSpPr>
             <a:spLocks noGrp="1"/>
           </p:cNvSpPr>
@@ -1870,13 +2323,7 @@
       </p:sp>
       <p:sp>
         <p:nvSpPr>
-          <p:cNvPr id="9" name="Slide Number Placeholder 8">
-            <a:extLst>
-              <a:ext uri="{FF2B5EF4-FFF2-40B4-BE49-F238E27FC236}">
-                <a16:creationId xmlns:a16="http://schemas.microsoft.com/office/drawing/2014/main" id="{9FAB08B3-DB98-695D-E27A-08A7983C2B33}"/>
-              </a:ext>
-            </a:extLst>
-          </p:cNvPr>
+          <p:cNvPr id="9" name="Slide Number Placeholder 8"/>
           <p:cNvSpPr>
             <a:spLocks noGrp="1"/>
           </p:cNvSpPr>
@@ -1900,7 +2347,7 @@
     </p:spTree>
     <p:extLst>
       <p:ext uri="{BB962C8B-B14F-4D97-AF65-F5344CB8AC3E}">
-        <p14:creationId xmlns:p14="http://schemas.microsoft.com/office/powerpoint/2010/main" val="3091604553"/>
+        <p14:creationId xmlns:p14="http://schemas.microsoft.com/office/powerpoint/2010/main" val="704802534"/>
       </p:ext>
     </p:extLst>
   </p:cSld>
@@ -1929,13 +2376,7 @@
       </p:grpSpPr>
       <p:sp>
         <p:nvSpPr>
-          <p:cNvPr id="2" name="Title 1">
-            <a:extLst>
-              <a:ext uri="{FF2B5EF4-FFF2-40B4-BE49-F238E27FC236}">
-                <a16:creationId xmlns:a16="http://schemas.microsoft.com/office/drawing/2014/main" id="{85416FED-E8C9-E39D-295D-8A3A4EA5D312}"/>
-              </a:ext>
-            </a:extLst>
-          </p:cNvPr>
+          <p:cNvPr id="2" name="Title 1"/>
           <p:cNvSpPr>
             <a:spLocks noGrp="1"/>
           </p:cNvSpPr>
@@ -1952,18 +2393,13 @@
               <a:rPr lang="en-US"/>
               <a:t>Click to edit Master title style</a:t>
             </a:r>
-          </a:p>
-        </p:txBody>
-      </p:sp>
-      <p:sp>
-        <p:nvSpPr>
-          <p:cNvPr id="3" name="Date Placeholder 2">
-            <a:extLst>
-              <a:ext uri="{FF2B5EF4-FFF2-40B4-BE49-F238E27FC236}">
-                <a16:creationId xmlns:a16="http://schemas.microsoft.com/office/drawing/2014/main" id="{F241E07D-82B8-3D14-E18E-7350452AB661}"/>
-              </a:ext>
-            </a:extLst>
-          </p:cNvPr>
+            <a:endParaRPr lang="en-US" dirty="0"/>
+          </a:p>
+        </p:txBody>
+      </p:sp>
+      <p:sp>
+        <p:nvSpPr>
+          <p:cNvPr id="3" name="Date Placeholder 2"/>
           <p:cNvSpPr>
             <a:spLocks noGrp="1"/>
           </p:cNvSpPr>
@@ -1978,7 +2414,7 @@
           <a:p>
             <a:fld id="{AA72B670-1FDD-47E1-B7BE-576D48196FD7}" type="datetimeFigureOut">
               <a:rPr lang="en-US" smtClean="0"/>
-              <a:t>11/29/2024</a:t>
+              <a:t>11/30/2024</a:t>
             </a:fld>
             <a:endParaRPr lang="en-US"/>
           </a:p>
@@ -1986,13 +2422,7 @@
       </p:sp>
       <p:sp>
         <p:nvSpPr>
-          <p:cNvPr id="4" name="Footer Placeholder 3">
-            <a:extLst>
-              <a:ext uri="{FF2B5EF4-FFF2-40B4-BE49-F238E27FC236}">
-                <a16:creationId xmlns:a16="http://schemas.microsoft.com/office/drawing/2014/main" id="{C1FE8F46-B8F3-FFE2-EF11-3D3739F16451}"/>
-              </a:ext>
-            </a:extLst>
-          </p:cNvPr>
+          <p:cNvPr id="4" name="Footer Placeholder 3"/>
           <p:cNvSpPr>
             <a:spLocks noGrp="1"/>
           </p:cNvSpPr>
@@ -2011,13 +2441,7 @@
       </p:sp>
       <p:sp>
         <p:nvSpPr>
-          <p:cNvPr id="5" name="Slide Number Placeholder 4">
-            <a:extLst>
-              <a:ext uri="{FF2B5EF4-FFF2-40B4-BE49-F238E27FC236}">
-                <a16:creationId xmlns:a16="http://schemas.microsoft.com/office/drawing/2014/main" id="{E6E8BFBF-A655-7549-B247-C9DAFE7BC51C}"/>
-              </a:ext>
-            </a:extLst>
-          </p:cNvPr>
+          <p:cNvPr id="5" name="Slide Number Placeholder 4"/>
           <p:cNvSpPr>
             <a:spLocks noGrp="1"/>
           </p:cNvSpPr>
@@ -2041,7 +2465,7 @@
     </p:spTree>
     <p:extLst>
       <p:ext uri="{BB962C8B-B14F-4D97-AF65-F5344CB8AC3E}">
-        <p14:creationId xmlns:p14="http://schemas.microsoft.com/office/powerpoint/2010/main" val="2164691872"/>
+        <p14:creationId xmlns:p14="http://schemas.microsoft.com/office/powerpoint/2010/main" val="482558409"/>
       </p:ext>
     </p:extLst>
   </p:cSld>
@@ -2070,13 +2494,7 @@
       </p:grpSpPr>
       <p:sp>
         <p:nvSpPr>
-          <p:cNvPr id="2" name="Date Placeholder 1">
-            <a:extLst>
-              <a:ext uri="{FF2B5EF4-FFF2-40B4-BE49-F238E27FC236}">
-                <a16:creationId xmlns:a16="http://schemas.microsoft.com/office/drawing/2014/main" id="{D2D51D32-E81C-DA13-C893-F835CC848D0E}"/>
-              </a:ext>
-            </a:extLst>
-          </p:cNvPr>
+          <p:cNvPr id="2" name="Date Placeholder 1"/>
           <p:cNvSpPr>
             <a:spLocks noGrp="1"/>
           </p:cNvSpPr>
@@ -2091,7 +2509,7 @@
           <a:p>
             <a:fld id="{AA72B670-1FDD-47E1-B7BE-576D48196FD7}" type="datetimeFigureOut">
               <a:rPr lang="en-US" smtClean="0"/>
-              <a:t>11/29/2024</a:t>
+              <a:t>11/30/2024</a:t>
             </a:fld>
             <a:endParaRPr lang="en-US"/>
           </a:p>
@@ -2099,13 +2517,7 @@
       </p:sp>
       <p:sp>
         <p:nvSpPr>
-          <p:cNvPr id="3" name="Footer Placeholder 2">
-            <a:extLst>
-              <a:ext uri="{FF2B5EF4-FFF2-40B4-BE49-F238E27FC236}">
-                <a16:creationId xmlns:a16="http://schemas.microsoft.com/office/drawing/2014/main" id="{70FC4B6C-9C04-ED04-E70C-8C3BE1D93DB7}"/>
-              </a:ext>
-            </a:extLst>
-          </p:cNvPr>
+          <p:cNvPr id="3" name="Footer Placeholder 2"/>
           <p:cNvSpPr>
             <a:spLocks noGrp="1"/>
           </p:cNvSpPr>
@@ -2124,13 +2536,7 @@
       </p:sp>
       <p:sp>
         <p:nvSpPr>
-          <p:cNvPr id="4" name="Slide Number Placeholder 3">
-            <a:extLst>
-              <a:ext uri="{FF2B5EF4-FFF2-40B4-BE49-F238E27FC236}">
-                <a16:creationId xmlns:a16="http://schemas.microsoft.com/office/drawing/2014/main" id="{28BA42D5-9060-F6BC-909B-73673CC98E6D}"/>
-              </a:ext>
-            </a:extLst>
-          </p:cNvPr>
+          <p:cNvPr id="4" name="Slide Number Placeholder 3"/>
           <p:cNvSpPr>
             <a:spLocks noGrp="1"/>
           </p:cNvSpPr>
@@ -2154,7 +2560,7 @@
     </p:spTree>
     <p:extLst>
       <p:ext uri="{BB962C8B-B14F-4D97-AF65-F5344CB8AC3E}">
-        <p14:creationId xmlns:p14="http://schemas.microsoft.com/office/powerpoint/2010/main" val="2595240757"/>
+        <p14:creationId xmlns:p14="http://schemas.microsoft.com/office/powerpoint/2010/main" val="124802417"/>
       </p:ext>
     </p:extLst>
   </p:cSld>
@@ -2183,13 +2589,7 @@
       </p:grpSpPr>
       <p:sp>
         <p:nvSpPr>
-          <p:cNvPr id="2" name="Title 1">
-            <a:extLst>
-              <a:ext uri="{FF2B5EF4-FFF2-40B4-BE49-F238E27FC236}">
-                <a16:creationId xmlns:a16="http://schemas.microsoft.com/office/drawing/2014/main" id="{30BB8977-AF43-D663-E74A-D835E7451934}"/>
-              </a:ext>
-            </a:extLst>
-          </p:cNvPr>
+          <p:cNvPr id="2" name="Title 1"/>
           <p:cNvSpPr>
             <a:spLocks noGrp="1"/>
           </p:cNvSpPr>
@@ -2199,8 +2599,8 @@
         </p:nvSpPr>
         <p:spPr>
           <a:xfrm>
-            <a:off x="839788" y="457200"/>
-            <a:ext cx="3932237" cy="1600200"/>
+            <a:off x="629841" y="457200"/>
+            <a:ext cx="2949178" cy="1600200"/>
           </a:xfrm>
         </p:spPr>
         <p:txBody>
@@ -2215,18 +2615,13 @@
               <a:rPr lang="en-US"/>
               <a:t>Click to edit Master title style</a:t>
             </a:r>
-          </a:p>
-        </p:txBody>
-      </p:sp>
-      <p:sp>
-        <p:nvSpPr>
-          <p:cNvPr id="3" name="Content Placeholder 2">
-            <a:extLst>
-              <a:ext uri="{FF2B5EF4-FFF2-40B4-BE49-F238E27FC236}">
-                <a16:creationId xmlns:a16="http://schemas.microsoft.com/office/drawing/2014/main" id="{BE7A198C-EFA1-0687-D7C1-99BE9A054F41}"/>
-              </a:ext>
-            </a:extLst>
-          </p:cNvPr>
+            <a:endParaRPr lang="en-US" dirty="0"/>
+          </a:p>
+        </p:txBody>
+      </p:sp>
+      <p:sp>
+        <p:nvSpPr>
+          <p:cNvPr id="3" name="Content Placeholder 2"/>
           <p:cNvSpPr>
             <a:spLocks noGrp="1"/>
           </p:cNvSpPr>
@@ -2236,8 +2631,8 @@
         </p:nvSpPr>
         <p:spPr>
           <a:xfrm>
-            <a:off x="5183188" y="987425"/>
-            <a:ext cx="6172200" cy="4873625"/>
+            <a:off x="3887391" y="987426"/>
+            <a:ext cx="4629150" cy="4873625"/>
           </a:xfrm>
         </p:spPr>
         <p:txBody>
@@ -2305,18 +2700,13 @@
               <a:rPr lang="en-US"/>
               <a:t>Fifth level</a:t>
             </a:r>
-          </a:p>
-        </p:txBody>
-      </p:sp>
-      <p:sp>
-        <p:nvSpPr>
-          <p:cNvPr id="4" name="Text Placeholder 3">
-            <a:extLst>
-              <a:ext uri="{FF2B5EF4-FFF2-40B4-BE49-F238E27FC236}">
-                <a16:creationId xmlns:a16="http://schemas.microsoft.com/office/drawing/2014/main" id="{87853411-96FD-6220-D409-AB39D9134824}"/>
-              </a:ext>
-            </a:extLst>
-          </p:cNvPr>
+            <a:endParaRPr lang="en-US" dirty="0"/>
+          </a:p>
+        </p:txBody>
+      </p:sp>
+      <p:sp>
+        <p:nvSpPr>
+          <p:cNvPr id="4" name="Text Placeholder 3"/>
           <p:cNvSpPr>
             <a:spLocks noGrp="1"/>
           </p:cNvSpPr>
@@ -2326,8 +2716,8 @@
         </p:nvSpPr>
         <p:spPr>
           <a:xfrm>
-            <a:off x="839788" y="2057400"/>
-            <a:ext cx="3932237" cy="3811588"/>
+            <a:off x="629841" y="2057400"/>
+            <a:ext cx="2949178" cy="3811588"/>
           </a:xfrm>
         </p:spPr>
         <p:txBody>
@@ -2381,13 +2771,7 @@
       </p:sp>
       <p:sp>
         <p:nvSpPr>
-          <p:cNvPr id="5" name="Date Placeholder 4">
-            <a:extLst>
-              <a:ext uri="{FF2B5EF4-FFF2-40B4-BE49-F238E27FC236}">
-                <a16:creationId xmlns:a16="http://schemas.microsoft.com/office/drawing/2014/main" id="{1712BA06-C3C8-EC03-1EAC-6B873555FC76}"/>
-              </a:ext>
-            </a:extLst>
-          </p:cNvPr>
+          <p:cNvPr id="5" name="Date Placeholder 4"/>
           <p:cNvSpPr>
             <a:spLocks noGrp="1"/>
           </p:cNvSpPr>
@@ -2402,7 +2786,7 @@
           <a:p>
             <a:fld id="{AA72B670-1FDD-47E1-B7BE-576D48196FD7}" type="datetimeFigureOut">
               <a:rPr lang="en-US" smtClean="0"/>
-              <a:t>11/29/2024</a:t>
+              <a:t>11/30/2024</a:t>
             </a:fld>
             <a:endParaRPr lang="en-US"/>
           </a:p>
@@ -2410,13 +2794,7 @@
       </p:sp>
       <p:sp>
         <p:nvSpPr>
-          <p:cNvPr id="6" name="Footer Placeholder 5">
-            <a:extLst>
-              <a:ext uri="{FF2B5EF4-FFF2-40B4-BE49-F238E27FC236}">
-                <a16:creationId xmlns:a16="http://schemas.microsoft.com/office/drawing/2014/main" id="{C0F33212-6E70-8263-D50D-BC09A89DEC54}"/>
-              </a:ext>
-            </a:extLst>
-          </p:cNvPr>
+          <p:cNvPr id="6" name="Footer Placeholder 5"/>
           <p:cNvSpPr>
             <a:spLocks noGrp="1"/>
           </p:cNvSpPr>
@@ -2435,13 +2813,7 @@
       </p:sp>
       <p:sp>
         <p:nvSpPr>
-          <p:cNvPr id="7" name="Slide Number Placeholder 6">
-            <a:extLst>
-              <a:ext uri="{FF2B5EF4-FFF2-40B4-BE49-F238E27FC236}">
-                <a16:creationId xmlns:a16="http://schemas.microsoft.com/office/drawing/2014/main" id="{557E495D-CF75-757E-BFD1-67F2CA337877}"/>
-              </a:ext>
-            </a:extLst>
-          </p:cNvPr>
+          <p:cNvPr id="7" name="Slide Number Placeholder 6"/>
           <p:cNvSpPr>
             <a:spLocks noGrp="1"/>
           </p:cNvSpPr>
@@ -2465,7 +2837,7 @@
     </p:spTree>
     <p:extLst>
       <p:ext uri="{BB962C8B-B14F-4D97-AF65-F5344CB8AC3E}">
-        <p14:creationId xmlns:p14="http://schemas.microsoft.com/office/powerpoint/2010/main" val="3328667066"/>
+        <p14:creationId xmlns:p14="http://schemas.microsoft.com/office/powerpoint/2010/main" val="2355399261"/>
       </p:ext>
     </p:extLst>
   </p:cSld>
@@ -2494,13 +2866,7 @@
       </p:grpSpPr>
       <p:sp>
         <p:nvSpPr>
-          <p:cNvPr id="2" name="Title 1">
-            <a:extLst>
-              <a:ext uri="{FF2B5EF4-FFF2-40B4-BE49-F238E27FC236}">
-                <a16:creationId xmlns:a16="http://schemas.microsoft.com/office/drawing/2014/main" id="{AD6E2AB1-0CDE-9F0D-7822-74B44E1F516C}"/>
-              </a:ext>
-            </a:extLst>
-          </p:cNvPr>
+          <p:cNvPr id="2" name="Title 1"/>
           <p:cNvSpPr>
             <a:spLocks noGrp="1"/>
           </p:cNvSpPr>
@@ -2510,8 +2876,8 @@
         </p:nvSpPr>
         <p:spPr>
           <a:xfrm>
-            <a:off x="839788" y="457200"/>
-            <a:ext cx="3932237" cy="1600200"/>
+            <a:off x="629841" y="457200"/>
+            <a:ext cx="2949178" cy="1600200"/>
           </a:xfrm>
         </p:spPr>
         <p:txBody>
@@ -2526,20 +2892,15 @@
               <a:rPr lang="en-US"/>
               <a:t>Click to edit Master title style</a:t>
             </a:r>
-          </a:p>
-        </p:txBody>
-      </p:sp>
-      <p:sp>
-        <p:nvSpPr>
-          <p:cNvPr id="3" name="Picture Placeholder 2">
-            <a:extLst>
-              <a:ext uri="{FF2B5EF4-FFF2-40B4-BE49-F238E27FC236}">
-                <a16:creationId xmlns:a16="http://schemas.microsoft.com/office/drawing/2014/main" id="{AB6F5C40-F44D-576C-FBB9-22B7DBE4A6DF}"/>
-              </a:ext>
-            </a:extLst>
-          </p:cNvPr>
-          <p:cNvSpPr>
-            <a:spLocks noGrp="1"/>
+            <a:endParaRPr lang="en-US" dirty="0"/>
+          </a:p>
+        </p:txBody>
+      </p:sp>
+      <p:sp>
+        <p:nvSpPr>
+          <p:cNvPr id="3" name="Picture Placeholder 2"/>
+          <p:cNvSpPr>
+            <a:spLocks noGrp="1" noChangeAspect="1"/>
           </p:cNvSpPr>
           <p:nvPr>
             <p:ph type="pic" idx="1"/>
@@ -2547,8 +2908,73 @@
         </p:nvSpPr>
         <p:spPr>
           <a:xfrm>
-            <a:off x="5183188" y="987425"/>
-            <a:ext cx="6172200" cy="4873625"/>
+            <a:off x="3887391" y="987426"/>
+            <a:ext cx="4629150" cy="4873625"/>
+          </a:xfrm>
+        </p:spPr>
+        <p:txBody>
+          <a:bodyPr anchor="t"/>
+          <a:lstStyle>
+            <a:lvl1pPr marL="0" indent="0">
+              <a:buNone/>
+              <a:defRPr sz="3200"/>
+            </a:lvl1pPr>
+            <a:lvl2pPr marL="457200" indent="0">
+              <a:buNone/>
+              <a:defRPr sz="2800"/>
+            </a:lvl2pPr>
+            <a:lvl3pPr marL="914400" indent="0">
+              <a:buNone/>
+              <a:defRPr sz="2400"/>
+            </a:lvl3pPr>
+            <a:lvl4pPr marL="1371600" indent="0">
+              <a:buNone/>
+              <a:defRPr sz="2000"/>
+            </a:lvl4pPr>
+            <a:lvl5pPr marL="1828800" indent="0">
+              <a:buNone/>
+              <a:defRPr sz="2000"/>
+            </a:lvl5pPr>
+            <a:lvl6pPr marL="2286000" indent="0">
+              <a:buNone/>
+              <a:defRPr sz="2000"/>
+            </a:lvl6pPr>
+            <a:lvl7pPr marL="2743200" indent="0">
+              <a:buNone/>
+              <a:defRPr sz="2000"/>
+            </a:lvl7pPr>
+            <a:lvl8pPr marL="3200400" indent="0">
+              <a:buNone/>
+              <a:defRPr sz="2000"/>
+            </a:lvl8pPr>
+            <a:lvl9pPr marL="3657600" indent="0">
+              <a:buNone/>
+              <a:defRPr sz="2000"/>
+            </a:lvl9pPr>
+          </a:lstStyle>
+          <a:p>
+            <a:r>
+              <a:rPr lang="en-US"/>
+              <a:t>Click icon to add picture</a:t>
+            </a:r>
+            <a:endParaRPr lang="en-US" dirty="0"/>
+          </a:p>
+        </p:txBody>
+      </p:sp>
+      <p:sp>
+        <p:nvSpPr>
+          <p:cNvPr id="4" name="Text Placeholder 3"/>
+          <p:cNvSpPr>
+            <a:spLocks noGrp="1"/>
+          </p:cNvSpPr>
+          <p:nvPr>
+            <p:ph type="body" sz="half" idx="2"/>
+          </p:nvPr>
+        </p:nvSpPr>
+        <p:spPr>
+          <a:xfrm>
+            <a:off x="629841" y="2057400"/>
+            <a:ext cx="2949178" cy="3811588"/>
           </a:xfrm>
         </p:spPr>
         <p:txBody>
@@ -2556,73 +2982,6 @@
           <a:lstStyle>
             <a:lvl1pPr marL="0" indent="0">
               <a:buNone/>
-              <a:defRPr sz="3200"/>
-            </a:lvl1pPr>
-            <a:lvl2pPr marL="457200" indent="0">
-              <a:buNone/>
-              <a:defRPr sz="2800"/>
-            </a:lvl2pPr>
-            <a:lvl3pPr marL="914400" indent="0">
-              <a:buNone/>
-              <a:defRPr sz="2400"/>
-            </a:lvl3pPr>
-            <a:lvl4pPr marL="1371600" indent="0">
-              <a:buNone/>
-              <a:defRPr sz="2000"/>
-            </a:lvl4pPr>
-            <a:lvl5pPr marL="1828800" indent="0">
-              <a:buNone/>
-              <a:defRPr sz="2000"/>
-            </a:lvl5pPr>
-            <a:lvl6pPr marL="2286000" indent="0">
-              <a:buNone/>
-              <a:defRPr sz="2000"/>
-            </a:lvl6pPr>
-            <a:lvl7pPr marL="2743200" indent="0">
-              <a:buNone/>
-              <a:defRPr sz="2000"/>
-            </a:lvl7pPr>
-            <a:lvl8pPr marL="3200400" indent="0">
-              <a:buNone/>
-              <a:defRPr sz="2000"/>
-            </a:lvl8pPr>
-            <a:lvl9pPr marL="3657600" indent="0">
-              <a:buNone/>
-              <a:defRPr sz="2000"/>
-            </a:lvl9pPr>
-          </a:lstStyle>
-          <a:p>
-            <a:endParaRPr lang="en-US"/>
-          </a:p>
-        </p:txBody>
-      </p:sp>
-      <p:sp>
-        <p:nvSpPr>
-          <p:cNvPr id="4" name="Text Placeholder 3">
-            <a:extLst>
-              <a:ext uri="{FF2B5EF4-FFF2-40B4-BE49-F238E27FC236}">
-                <a16:creationId xmlns:a16="http://schemas.microsoft.com/office/drawing/2014/main" id="{2B1604BD-5AC2-71FB-322A-CBC12632F9BD}"/>
-              </a:ext>
-            </a:extLst>
-          </p:cNvPr>
-          <p:cNvSpPr>
-            <a:spLocks noGrp="1"/>
-          </p:cNvSpPr>
-          <p:nvPr>
-            <p:ph type="body" sz="half" idx="2"/>
-          </p:nvPr>
-        </p:nvSpPr>
-        <p:spPr>
-          <a:xfrm>
-            <a:off x="839788" y="2057400"/>
-            <a:ext cx="3932237" cy="3811588"/>
-          </a:xfrm>
-        </p:spPr>
-        <p:txBody>
-          <a:bodyPr/>
-          <a:lstStyle>
-            <a:lvl1pPr marL="0" indent="0">
-              <a:buNone/>
               <a:defRPr sz="1600"/>
             </a:lvl1pPr>
             <a:lvl2pPr marL="457200" indent="0">
@@ -2669,13 +3028,7 @@
       </p:sp>
       <p:sp>
         <p:nvSpPr>
-          <p:cNvPr id="5" name="Date Placeholder 4">
-            <a:extLst>
-              <a:ext uri="{FF2B5EF4-FFF2-40B4-BE49-F238E27FC236}">
-                <a16:creationId xmlns:a16="http://schemas.microsoft.com/office/drawing/2014/main" id="{8E4D0607-6209-7AD5-8FD7-A16B8655A337}"/>
-              </a:ext>
-            </a:extLst>
-          </p:cNvPr>
+          <p:cNvPr id="5" name="Date Placeholder 4"/>
           <p:cNvSpPr>
             <a:spLocks noGrp="1"/>
           </p:cNvSpPr>
@@ -2690,7 +3043,7 @@
           <a:p>
             <a:fld id="{AA72B670-1FDD-47E1-B7BE-576D48196FD7}" type="datetimeFigureOut">
               <a:rPr lang="en-US" smtClean="0"/>
-              <a:t>11/29/2024</a:t>
+              <a:t>11/30/2024</a:t>
             </a:fld>
             <a:endParaRPr lang="en-US"/>
           </a:p>
@@ -2698,13 +3051,7 @@
       </p:sp>
       <p:sp>
         <p:nvSpPr>
-          <p:cNvPr id="6" name="Footer Placeholder 5">
-            <a:extLst>
-              <a:ext uri="{FF2B5EF4-FFF2-40B4-BE49-F238E27FC236}">
-                <a16:creationId xmlns:a16="http://schemas.microsoft.com/office/drawing/2014/main" id="{0EFA4F75-D20F-2D32-AC4A-F0D589312D7A}"/>
-              </a:ext>
-            </a:extLst>
-          </p:cNvPr>
+          <p:cNvPr id="6" name="Footer Placeholder 5"/>
           <p:cNvSpPr>
             <a:spLocks noGrp="1"/>
           </p:cNvSpPr>
@@ -2723,13 +3070,7 @@
       </p:sp>
       <p:sp>
         <p:nvSpPr>
-          <p:cNvPr id="7" name="Slide Number Placeholder 6">
-            <a:extLst>
-              <a:ext uri="{FF2B5EF4-FFF2-40B4-BE49-F238E27FC236}">
-                <a16:creationId xmlns:a16="http://schemas.microsoft.com/office/drawing/2014/main" id="{380BDFC0-9A07-9C66-45EF-DBD2BBC34A12}"/>
-              </a:ext>
-            </a:extLst>
-          </p:cNvPr>
+          <p:cNvPr id="7" name="Slide Number Placeholder 6"/>
           <p:cNvSpPr>
             <a:spLocks noGrp="1"/>
           </p:cNvSpPr>
@@ -2753,7 +3094,7 @@
     </p:spTree>
     <p:extLst>
       <p:ext uri="{BB962C8B-B14F-4D97-AF65-F5344CB8AC3E}">
-        <p14:creationId xmlns:p14="http://schemas.microsoft.com/office/powerpoint/2010/main" val="2822439424"/>
+        <p14:creationId xmlns:p14="http://schemas.microsoft.com/office/powerpoint/2010/main" val="3480668304"/>
       </p:ext>
     </p:extLst>
   </p:cSld>
@@ -2787,13 +3128,7 @@
       </p:grpSpPr>
       <p:sp>
         <p:nvSpPr>
-          <p:cNvPr id="2" name="Title Placeholder 1">
-            <a:extLst>
-              <a:ext uri="{FF2B5EF4-FFF2-40B4-BE49-F238E27FC236}">
-                <a16:creationId xmlns:a16="http://schemas.microsoft.com/office/drawing/2014/main" id="{F607395C-16BA-F7D0-49EB-B641C6B659DE}"/>
-              </a:ext>
-            </a:extLst>
-          </p:cNvPr>
+          <p:cNvPr id="2" name="Title Placeholder 1"/>
           <p:cNvSpPr>
             <a:spLocks noGrp="1"/>
           </p:cNvSpPr>
@@ -2803,8 +3138,8 @@
         </p:nvSpPr>
         <p:spPr>
           <a:xfrm>
-            <a:off x="838200" y="365125"/>
-            <a:ext cx="10515600" cy="1325563"/>
+            <a:off x="628650" y="365126"/>
+            <a:ext cx="7886700" cy="1325563"/>
           </a:xfrm>
           <a:prstGeom prst="rect">
             <a:avLst/>
@@ -2820,18 +3155,13 @@
               <a:rPr lang="en-US"/>
               <a:t>Click to edit Master title style</a:t>
             </a:r>
-          </a:p>
-        </p:txBody>
-      </p:sp>
-      <p:sp>
-        <p:nvSpPr>
-          <p:cNvPr id="3" name="Text Placeholder 2">
-            <a:extLst>
-              <a:ext uri="{FF2B5EF4-FFF2-40B4-BE49-F238E27FC236}">
-                <a16:creationId xmlns:a16="http://schemas.microsoft.com/office/drawing/2014/main" id="{1355B0D4-FE12-6461-1BA4-6C74EEBCA015}"/>
-              </a:ext>
-            </a:extLst>
-          </p:cNvPr>
+            <a:endParaRPr lang="en-US" dirty="0"/>
+          </a:p>
+        </p:txBody>
+      </p:sp>
+      <p:sp>
+        <p:nvSpPr>
+          <p:cNvPr id="3" name="Text Placeholder 2"/>
           <p:cNvSpPr>
             <a:spLocks noGrp="1"/>
           </p:cNvSpPr>
@@ -2841,8 +3171,8 @@
         </p:nvSpPr>
         <p:spPr>
           <a:xfrm>
-            <a:off x="838200" y="1825625"/>
-            <a:ext cx="10515600" cy="4351338"/>
+            <a:off x="628650" y="1825625"/>
+            <a:ext cx="7886700" cy="4351338"/>
           </a:xfrm>
           <a:prstGeom prst="rect">
             <a:avLst/>
@@ -2887,18 +3217,13 @@
               <a:rPr lang="en-US"/>
               <a:t>Fifth level</a:t>
             </a:r>
-          </a:p>
-        </p:txBody>
-      </p:sp>
-      <p:sp>
-        <p:nvSpPr>
-          <p:cNvPr id="4" name="Date Placeholder 3">
-            <a:extLst>
-              <a:ext uri="{FF2B5EF4-FFF2-40B4-BE49-F238E27FC236}">
-                <a16:creationId xmlns:a16="http://schemas.microsoft.com/office/drawing/2014/main" id="{93265712-C3A1-C417-7A15-820F6B1E9ED6}"/>
-              </a:ext>
-            </a:extLst>
-          </p:cNvPr>
+            <a:endParaRPr lang="en-US" dirty="0"/>
+          </a:p>
+        </p:txBody>
+      </p:sp>
+      <p:sp>
+        <p:nvSpPr>
+          <p:cNvPr id="4" name="Date Placeholder 3"/>
           <p:cNvSpPr>
             <a:spLocks noGrp="1"/>
           </p:cNvSpPr>
@@ -2908,8 +3233,8 @@
         </p:nvSpPr>
         <p:spPr>
           <a:xfrm>
-            <a:off x="838200" y="6356350"/>
-            <a:ext cx="2743200" cy="365125"/>
+            <a:off x="628650" y="6356351"/>
+            <a:ext cx="2057400" cy="365125"/>
           </a:xfrm>
           <a:prstGeom prst="rect">
             <a:avLst/>
@@ -2931,7 +3256,7 @@
           <a:p>
             <a:fld id="{AA72B670-1FDD-47E1-B7BE-576D48196FD7}" type="datetimeFigureOut">
               <a:rPr lang="en-US" smtClean="0"/>
-              <a:t>11/29/2024</a:t>
+              <a:t>11/30/2024</a:t>
             </a:fld>
             <a:endParaRPr lang="en-US"/>
           </a:p>
@@ -2939,13 +3264,7 @@
       </p:sp>
       <p:sp>
         <p:nvSpPr>
-          <p:cNvPr id="5" name="Footer Placeholder 4">
-            <a:extLst>
-              <a:ext uri="{FF2B5EF4-FFF2-40B4-BE49-F238E27FC236}">
-                <a16:creationId xmlns:a16="http://schemas.microsoft.com/office/drawing/2014/main" id="{7289578A-7CE0-9501-3036-F9C41923268E}"/>
-              </a:ext>
-            </a:extLst>
-          </p:cNvPr>
+          <p:cNvPr id="5" name="Footer Placeholder 4"/>
           <p:cNvSpPr>
             <a:spLocks noGrp="1"/>
           </p:cNvSpPr>
@@ -2955,8 +3274,8 @@
         </p:nvSpPr>
         <p:spPr>
           <a:xfrm>
-            <a:off x="4038600" y="6356350"/>
-            <a:ext cx="4114800" cy="365125"/>
+            <a:off x="3028950" y="6356351"/>
+            <a:ext cx="3086100" cy="365125"/>
           </a:xfrm>
           <a:prstGeom prst="rect">
             <a:avLst/>
@@ -2982,13 +3301,7 @@
       </p:sp>
       <p:sp>
         <p:nvSpPr>
-          <p:cNvPr id="6" name="Slide Number Placeholder 5">
-            <a:extLst>
-              <a:ext uri="{FF2B5EF4-FFF2-40B4-BE49-F238E27FC236}">
-                <a16:creationId xmlns:a16="http://schemas.microsoft.com/office/drawing/2014/main" id="{95D72F49-67C5-0920-4A14-C9F182322354}"/>
-              </a:ext>
-            </a:extLst>
-          </p:cNvPr>
+          <p:cNvPr id="6" name="Slide Number Placeholder 5"/>
           <p:cNvSpPr>
             <a:spLocks noGrp="1"/>
           </p:cNvSpPr>
@@ -2998,8 +3311,8 @@
         </p:nvSpPr>
         <p:spPr>
           <a:xfrm>
-            <a:off x="8610600" y="6356350"/>
-            <a:ext cx="2743200" cy="365125"/>
+            <a:off x="6457950" y="6356351"/>
+            <a:ext cx="2057400" cy="365125"/>
           </a:xfrm>
           <a:prstGeom prst="rect">
             <a:avLst/>
@@ -3030,23 +3343,23 @@
     </p:spTree>
     <p:extLst>
       <p:ext uri="{BB962C8B-B14F-4D97-AF65-F5344CB8AC3E}">
-        <p14:creationId xmlns:p14="http://schemas.microsoft.com/office/powerpoint/2010/main" val="3915177885"/>
+        <p14:creationId xmlns:p14="http://schemas.microsoft.com/office/powerpoint/2010/main" val="3897530900"/>
       </p:ext>
     </p:extLst>
   </p:cSld>
   <p:clrMap bg1="lt1" tx1="dk1" bg2="lt2" tx2="dk2" accent1="accent1" accent2="accent2" accent3="accent3" accent4="accent4" accent5="accent5" accent6="accent6" hlink="hlink" folHlink="folHlink"/>
   <p:sldLayoutIdLst>
-    <p:sldLayoutId id="2147483649" r:id="rId1"/>
-    <p:sldLayoutId id="2147483650" r:id="rId2"/>
-    <p:sldLayoutId id="2147483651" r:id="rId3"/>
-    <p:sldLayoutId id="2147483652" r:id="rId4"/>
-    <p:sldLayoutId id="2147483653" r:id="rId5"/>
-    <p:sldLayoutId id="2147483654" r:id="rId6"/>
-    <p:sldLayoutId id="2147483655" r:id="rId7"/>
-    <p:sldLayoutId id="2147483656" r:id="rId8"/>
-    <p:sldLayoutId id="2147483657" r:id="rId9"/>
-    <p:sldLayoutId id="2147483658" r:id="rId10"/>
-    <p:sldLayoutId id="2147483659" r:id="rId11"/>
+    <p:sldLayoutId id="2147483661" r:id="rId1"/>
+    <p:sldLayoutId id="2147483662" r:id="rId2"/>
+    <p:sldLayoutId id="2147483663" r:id="rId3"/>
+    <p:sldLayoutId id="2147483664" r:id="rId4"/>
+    <p:sldLayoutId id="2147483665" r:id="rId5"/>
+    <p:sldLayoutId id="2147483666" r:id="rId6"/>
+    <p:sldLayoutId id="2147483667" r:id="rId7"/>
+    <p:sldLayoutId id="2147483668" r:id="rId8"/>
+    <p:sldLayoutId id="2147483669" r:id="rId9"/>
+    <p:sldLayoutId id="2147483670" r:id="rId10"/>
+    <p:sldLayoutId id="2147483671" r:id="rId11"/>
   </p:sldLayoutIdLst>
   <p:txStyles>
     <p:titleStyle>
@@ -3477,8 +3790,8 @@
         </p:blipFill>
         <p:spPr>
           <a:xfrm>
-            <a:off x="1880235" y="1395411"/>
-            <a:ext cx="4000500" cy="4067175"/>
+            <a:off x="1410176" y="1903809"/>
+            <a:ext cx="3000375" cy="3050381"/>
           </a:xfrm>
           <a:prstGeom prst="rect">
             <a:avLst/>
@@ -3507,8 +3820,8 @@
         </p:blipFill>
         <p:spPr>
           <a:xfrm>
-            <a:off x="6482595" y="1395410"/>
-            <a:ext cx="3409950" cy="4067175"/>
+            <a:off x="4861946" y="1903808"/>
+            <a:ext cx="2557463" cy="3050381"/>
           </a:xfrm>
           <a:prstGeom prst="rect">
             <a:avLst/>
@@ -3617,8 +3930,7 @@
               <a:buNone/>
             </a:pPr>
             <a:r>
-              <a:rPr lang="en-US" sz="1800" b="0" dirty="0">
-                <a:effectLst/>
+              <a:rPr lang="en-US" sz="1350" dirty="0">
                 <a:latin typeface="Aptos Mono" panose="020B0009020202020204" pitchFamily="49" charset="0"/>
               </a:rPr>
               <a:t>import cv2 </a:t>
@@ -3632,36 +3944,31 @@
               <a:buNone/>
             </a:pPr>
             <a:r>
-              <a:rPr lang="en-US" sz="1800" b="0" dirty="0">
-                <a:effectLst/>
+              <a:rPr lang="en-US" sz="1350" dirty="0">
                 <a:latin typeface="Aptos Mono" panose="020B0009020202020204" pitchFamily="49" charset="0"/>
               </a:rPr>
               <a:t>_, </a:t>
             </a:r>
             <a:r>
-              <a:rPr lang="en-US" sz="1800" b="0" dirty="0" err="1">
-                <a:effectLst/>
+              <a:rPr lang="en-US" sz="1350" dirty="0" err="1">
                 <a:latin typeface="Aptos Mono" panose="020B0009020202020204" pitchFamily="49" charset="0"/>
               </a:rPr>
               <a:t>thresh_otsu</a:t>
             </a:r>
             <a:r>
-              <a:rPr lang="en-US" sz="1800" b="0" dirty="0">
-                <a:effectLst/>
+              <a:rPr lang="en-US" sz="1350" dirty="0">
                 <a:latin typeface="Aptos Mono" panose="020B0009020202020204" pitchFamily="49" charset="0"/>
               </a:rPr>
               <a:t> = cv2.threshold(</a:t>
             </a:r>
             <a:r>
-              <a:rPr lang="en-US" sz="1800" b="0" dirty="0" err="1">
-                <a:effectLst/>
+              <a:rPr lang="en-US" sz="1350" dirty="0" err="1">
                 <a:latin typeface="Aptos Mono" panose="020B0009020202020204" pitchFamily="49" charset="0"/>
               </a:rPr>
               <a:t>img</a:t>
             </a:r>
             <a:r>
-              <a:rPr lang="en-US" sz="1800" b="0" dirty="0">
-                <a:effectLst/>
+              <a:rPr lang="en-US" sz="1350" dirty="0">
                 <a:latin typeface="Aptos Mono" panose="020B0009020202020204" pitchFamily="49" charset="0"/>
               </a:rPr>
               <a:t>,</a:t>
@@ -3675,8 +3982,7 @@
               <a:buNone/>
             </a:pPr>
             <a:r>
-              <a:rPr lang="en-US" sz="1800" b="0" dirty="0">
-                <a:effectLst/>
+              <a:rPr lang="en-US" sz="1350" dirty="0">
                 <a:latin typeface="Aptos Mono" panose="020B0009020202020204" pitchFamily="49" charset="0"/>
               </a:rPr>
               <a:t>                               0,</a:t>
@@ -3690,8 +3996,7 @@
               <a:buNone/>
             </a:pPr>
             <a:r>
-              <a:rPr lang="en-US" sz="1800" b="0" dirty="0">
-                <a:effectLst/>
+              <a:rPr lang="en-US" sz="1350" dirty="0">
                 <a:latin typeface="Aptos Mono" panose="020B0009020202020204" pitchFamily="49" charset="0"/>
               </a:rPr>
               <a:t>                               255,</a:t>
@@ -3705,8 +4010,7 @@
               <a:buNone/>
             </a:pPr>
             <a:r>
-              <a:rPr lang="en-US" sz="1800" b="0" dirty="0">
-                <a:effectLst/>
+              <a:rPr lang="en-US" sz="1350" dirty="0">
                 <a:latin typeface="Aptos Mono" panose="020B0009020202020204" pitchFamily="49" charset="0"/>
               </a:rPr>
               <a:t>                               cv2.THRESH_BINARY + cv2.THRESH_OTSU)</a:t>
@@ -3777,8 +4081,8 @@
         </p:blipFill>
         <p:spPr>
           <a:xfrm>
-            <a:off x="1880235" y="1395411"/>
-            <a:ext cx="4000500" cy="4067174"/>
+            <a:off x="1410176" y="1903808"/>
+            <a:ext cx="3000375" cy="3050381"/>
           </a:xfrm>
           <a:prstGeom prst="rect">
             <a:avLst/>
@@ -3812,8 +4116,8 @@
         </p:blipFill>
         <p:spPr>
           <a:xfrm>
-            <a:off x="6482595" y="1395410"/>
-            <a:ext cx="3409950" cy="4067175"/>
+            <a:off x="4861946" y="1903808"/>
+            <a:ext cx="2557463" cy="3050381"/>
           </a:xfrm>
           <a:prstGeom prst="rect">
             <a:avLst/>
@@ -3922,8 +4226,7 @@
               <a:buNone/>
             </a:pPr>
             <a:r>
-              <a:rPr lang="en-US" sz="1800" b="0" dirty="0">
-                <a:effectLst/>
+              <a:rPr lang="en-US" sz="1350" dirty="0">
                 <a:latin typeface="Aptos Mono" panose="020B0009020202020204" pitchFamily="49" charset="0"/>
               </a:rPr>
               <a:t>import cv2 </a:t>
@@ -3937,22 +4240,19 @@
               <a:buNone/>
             </a:pPr>
             <a:r>
-              <a:rPr lang="en-US" sz="1800" b="0" dirty="0">
-                <a:effectLst/>
+              <a:rPr lang="en-US" sz="1350" dirty="0">
                 <a:latin typeface="Aptos Mono" panose="020B0009020202020204" pitchFamily="49" charset="0"/>
               </a:rPr>
               <a:t>edges = cv2.Canny(</a:t>
             </a:r>
             <a:r>
-              <a:rPr lang="en-US" sz="1800" b="0" dirty="0" err="1">
-                <a:effectLst/>
+              <a:rPr lang="en-US" sz="1350" dirty="0" err="1">
                 <a:latin typeface="Aptos Mono" panose="020B0009020202020204" pitchFamily="49" charset="0"/>
               </a:rPr>
               <a:t>img</a:t>
             </a:r>
             <a:r>
-              <a:rPr lang="en-US" sz="1800" b="0" dirty="0">
-                <a:effectLst/>
+              <a:rPr lang="en-US" sz="1350" dirty="0">
                 <a:latin typeface="Aptos Mono" panose="020B0009020202020204" pitchFamily="49" charset="0"/>
               </a:rPr>
               <a:t>, 100, 200)</a:t>
@@ -4023,8 +4323,8 @@
         </p:blipFill>
         <p:spPr>
           <a:xfrm>
-            <a:off x="1880235" y="1395411"/>
-            <a:ext cx="4000500" cy="4067174"/>
+            <a:off x="1410176" y="1903808"/>
+            <a:ext cx="3000375" cy="3050381"/>
           </a:xfrm>
           <a:prstGeom prst="rect">
             <a:avLst/>
@@ -4058,8 +4358,8 @@
         </p:blipFill>
         <p:spPr>
           <a:xfrm>
-            <a:off x="6482595" y="1395410"/>
-            <a:ext cx="3409950" cy="4067175"/>
+            <a:off x="4861946" y="1903808"/>
+            <a:ext cx="2557463" cy="3050381"/>
           </a:xfrm>
           <a:prstGeom prst="rect">
             <a:avLst/>
@@ -4218,8 +4518,7 @@
               </a:lnSpc>
             </a:pPr>
             <a:r>
-              <a:rPr lang="en-US" sz="2400" dirty="0">
-                <a:effectLst/>
+              <a:rPr lang="en-US" sz="1800" dirty="0">
                 <a:cs typeface="Times New Roman" panose="02020603050405020304" pitchFamily="18" charset="0"/>
               </a:rPr>
               <a:t>Image segmentation involves partitioning a digital image into multiple segments (regions or objects) to simplify and analyze an image by separating it into meaningful components. </a:t>
@@ -4232,8 +4531,7 @@
               </a:lnSpc>
             </a:pPr>
             <a:r>
-              <a:rPr lang="en-US" sz="2400" b="0" dirty="0">
-                <a:effectLst/>
+              <a:rPr lang="en-US" sz="1800" dirty="0">
                 <a:cs typeface="Times New Roman" panose="02020603050405020304" pitchFamily="18" charset="0"/>
               </a:rPr>
               <a:t>This process makes image processing more efficient by focusing on specific regions of interest.</a:t>
@@ -4293,15 +4591,11 @@
           <a:lstStyle/>
           <a:p>
             <a:r>
-              <a:rPr lang="en-US" sz="4400" b="0" dirty="0">
-                <a:effectLst/>
+              <a:rPr lang="en-US" dirty="0">
                 <a:cs typeface="Times New Roman" panose="02020603050405020304" pitchFamily="18" charset="0"/>
               </a:rPr>
-              <a:t>Simple Thresholding</a:t>
-            </a:r>
-            <a:endParaRPr lang="en-US" dirty="0">
-              <a:cs typeface="Times New Roman" panose="02020603050405020304" pitchFamily="18" charset="0"/>
-            </a:endParaRPr>
+              <a:t>Simple (Global) Thresholding</a:t>
+            </a:r>
           </a:p>
         </p:txBody>
       </p:sp>
@@ -4324,7 +4618,7 @@
         <p:spPr/>
         <p:txBody>
           <a:bodyPr>
-            <a:normAutofit fontScale="92500" lnSpcReduction="20000"/>
+            <a:normAutofit/>
           </a:bodyPr>
           <a:lstStyle/>
           <a:p>
@@ -4335,33 +4629,29 @@
               <a:buNone/>
             </a:pPr>
             <a:r>
-              <a:rPr lang="en-US" sz="2400" b="0" dirty="0">
-                <a:effectLst/>
+              <a:rPr lang="en-US" sz="1800" dirty="0">
                 <a:cs typeface="Times New Roman" panose="02020603050405020304" pitchFamily="18" charset="0"/>
               </a:rPr>
               <a:t>Thresholding is a simple technique that converts grayscale images into binary images by applying a threshold value. </a:t>
             </a:r>
             <a:br>
-              <a:rPr lang="en-US" sz="2400" b="0" dirty="0">
-                <a:effectLst/>
+              <a:rPr lang="en-US" sz="1800" dirty="0">
                 <a:cs typeface="Times New Roman" panose="02020603050405020304" pitchFamily="18" charset="0"/>
               </a:rPr>
             </a:br>
             <a:r>
-              <a:rPr lang="en-US" sz="2400" b="1" dirty="0">
+              <a:rPr lang="en-US" sz="1800" b="1" dirty="0">
                 <a:solidFill>
                   <a:srgbClr val="0066FF"/>
                 </a:solidFill>
-                <a:effectLst/>
                 <a:cs typeface="Times New Roman" panose="02020603050405020304" pitchFamily="18" charset="0"/>
               </a:rPr>
               <a:t>5 Types of Thresholding:</a:t>
             </a:r>
-            <a:endParaRPr lang="en-US" sz="2400" b="0" dirty="0">
+            <a:endParaRPr lang="en-US" sz="1800" dirty="0">
               <a:solidFill>
                 <a:srgbClr val="0066FF"/>
               </a:solidFill>
-              <a:effectLst/>
               <a:cs typeface="Times New Roman" panose="02020603050405020304" pitchFamily="18" charset="0"/>
             </a:endParaRPr>
           </a:p>
@@ -4373,8 +4663,7 @@
               <a:buNone/>
             </a:pPr>
             <a:r>
-              <a:rPr lang="en-US" sz="2400" b="0" dirty="0">
-                <a:effectLst/>
+              <a:rPr lang="en-US" sz="1800" dirty="0">
                 <a:cs typeface="Times New Roman" panose="02020603050405020304" pitchFamily="18" charset="0"/>
               </a:rPr>
               <a:t>0: Binary</a:t>
@@ -4388,8 +4677,7 @@
               <a:buNone/>
             </a:pPr>
             <a:r>
-              <a:rPr lang="en-US" sz="2400" b="0" dirty="0">
-                <a:effectLst/>
+              <a:rPr lang="en-US" sz="1800" dirty="0">
                 <a:cs typeface="Times New Roman" panose="02020603050405020304" pitchFamily="18" charset="0"/>
               </a:rPr>
               <a:t>1: Binary Inverted</a:t>
@@ -4403,8 +4691,7 @@
               <a:buNone/>
             </a:pPr>
             <a:r>
-              <a:rPr lang="en-US" sz="2400" b="0" dirty="0">
-                <a:effectLst/>
+              <a:rPr lang="en-US" sz="1800" dirty="0">
                 <a:cs typeface="Times New Roman" panose="02020603050405020304" pitchFamily="18" charset="0"/>
               </a:rPr>
               <a:t>2: Threshold Truncated</a:t>
@@ -4418,8 +4705,7 @@
               <a:buNone/>
             </a:pPr>
             <a:r>
-              <a:rPr lang="en-US" sz="2400" b="0" dirty="0">
-                <a:effectLst/>
+              <a:rPr lang="en-US" sz="1800" dirty="0">
                 <a:cs typeface="Times New Roman" panose="02020603050405020304" pitchFamily="18" charset="0"/>
               </a:rPr>
               <a:t>3: Threshold to Zero</a:t>
@@ -4433,8 +4719,7 @@
               <a:buNone/>
             </a:pPr>
             <a:r>
-              <a:rPr lang="en-US" sz="2400" b="0" dirty="0">
-                <a:effectLst/>
+              <a:rPr lang="en-US" sz="1800" dirty="0">
                 <a:cs typeface="Times New Roman" panose="02020603050405020304" pitchFamily="18" charset="0"/>
               </a:rPr>
               <a:t>4: Threshold to Zero Inverted</a:t>
@@ -4538,8 +4823,7 @@
               <a:buNone/>
             </a:pPr>
             <a:r>
-              <a:rPr lang="en-US" sz="1800" b="0" dirty="0">
-                <a:effectLst/>
+              <a:rPr lang="en-US" sz="1350" dirty="0">
                 <a:latin typeface="Aptos Mono" panose="020B0009020202020204" pitchFamily="49" charset="0"/>
               </a:rPr>
               <a:t>import cv2 </a:t>
@@ -4553,21 +4837,18 @@
               <a:buNone/>
             </a:pPr>
             <a:br>
-              <a:rPr lang="en-US" sz="1800" b="0" dirty="0">
-                <a:effectLst/>
+              <a:rPr lang="en-US" sz="1350" dirty="0">
                 <a:latin typeface="Aptos Mono" panose="020B0009020202020204" pitchFamily="49" charset="0"/>
               </a:rPr>
             </a:br>
             <a:r>
-              <a:rPr lang="en-US" sz="1800" b="0" dirty="0" err="1">
-                <a:effectLst/>
+              <a:rPr lang="en-US" sz="1350" dirty="0" err="1">
                 <a:latin typeface="Aptos Mono" panose="020B0009020202020204" pitchFamily="49" charset="0"/>
               </a:rPr>
               <a:t>thrshld</a:t>
             </a:r>
             <a:r>
-              <a:rPr lang="en-US" sz="1800" b="0" dirty="0">
-                <a:effectLst/>
+              <a:rPr lang="en-US" sz="1350" dirty="0">
                 <a:latin typeface="Aptos Mono" panose="020B0009020202020204" pitchFamily="49" charset="0"/>
               </a:rPr>
               <a:t> = 127</a:t>
@@ -4581,14 +4862,12 @@
               <a:buNone/>
             </a:pPr>
             <a:br>
-              <a:rPr lang="en-US" sz="1800" b="0" dirty="0">
-                <a:effectLst/>
+              <a:rPr lang="en-US" sz="1350" dirty="0">
                 <a:latin typeface="Aptos Mono" panose="020B0009020202020204" pitchFamily="49" charset="0"/>
               </a:rPr>
             </a:br>
             <a:r>
-              <a:rPr lang="en-US" sz="1800" b="1" dirty="0">
-                <a:effectLst/>
+              <a:rPr lang="en-US" sz="1350" b="1" dirty="0">
                 <a:latin typeface="Aptos Mono" panose="020B0009020202020204" pitchFamily="49" charset="0"/>
               </a:rPr>
               <a:t># Load a grayscale image</a:t>
@@ -4602,22 +4881,19 @@
               <a:buNone/>
             </a:pPr>
             <a:r>
-              <a:rPr lang="en-US" sz="1800" b="0" dirty="0" err="1">
-                <a:effectLst/>
+              <a:rPr lang="en-US" sz="1350" dirty="0" err="1">
                 <a:latin typeface="Aptos Mono" panose="020B0009020202020204" pitchFamily="49" charset="0"/>
               </a:rPr>
               <a:t>img</a:t>
             </a:r>
             <a:r>
-              <a:rPr lang="en-US" sz="1800" b="0" dirty="0">
-                <a:effectLst/>
+              <a:rPr lang="en-US" sz="1350" dirty="0">
                 <a:latin typeface="Aptos Mono" panose="020B0009020202020204" pitchFamily="49" charset="0"/>
               </a:rPr>
               <a:t> = cv2.imread('lena.png', 0)                    </a:t>
             </a:r>
             <a:r>
-              <a:rPr lang="en-US" sz="1800" b="1" dirty="0">
-                <a:effectLst/>
+              <a:rPr lang="en-US" sz="1350" b="1" dirty="0">
                 <a:latin typeface="Aptos Mono" panose="020B0009020202020204" pitchFamily="49" charset="0"/>
               </a:rPr>
               <a:t># 0: Grayscale image</a:t>
@@ -4631,63 +4907,54 @@
               <a:buNone/>
             </a:pPr>
             <a:br>
-              <a:rPr lang="en-US" sz="1800" b="0" dirty="0">
-                <a:effectLst/>
+              <a:rPr lang="en-US" sz="1350" dirty="0">
                 <a:latin typeface="Aptos Mono" panose="020B0009020202020204" pitchFamily="49" charset="0"/>
               </a:rPr>
             </a:br>
             <a:r>
-              <a:rPr lang="en-US" sz="1800" b="0" dirty="0">
-                <a:effectLst/>
+              <a:rPr lang="en-US" sz="1350" dirty="0">
                 <a:latin typeface="Aptos Mono" panose="020B0009020202020204" pitchFamily="49" charset="0"/>
               </a:rPr>
               <a:t>_, </a:t>
             </a:r>
             <a:r>
-              <a:rPr lang="en-US" sz="1800" b="0" dirty="0" err="1">
-                <a:effectLst/>
+              <a:rPr lang="en-US" sz="1350" dirty="0" err="1">
                 <a:latin typeface="Aptos Mono" panose="020B0009020202020204" pitchFamily="49" charset="0"/>
               </a:rPr>
               <a:t>thresh_binary</a:t>
             </a:r>
             <a:r>
-              <a:rPr lang="en-US" sz="1800" b="0" dirty="0">
-                <a:effectLst/>
+              <a:rPr lang="en-US" sz="1350" dirty="0">
                 <a:latin typeface="Aptos Mono" panose="020B0009020202020204" pitchFamily="49" charset="0"/>
               </a:rPr>
               <a:t> = cv2.threshold(</a:t>
             </a:r>
             <a:r>
-              <a:rPr lang="en-US" sz="1800" b="0" dirty="0" err="1">
-                <a:effectLst/>
+              <a:rPr lang="en-US" sz="1350" dirty="0" err="1">
                 <a:latin typeface="Aptos Mono" panose="020B0009020202020204" pitchFamily="49" charset="0"/>
               </a:rPr>
               <a:t>img</a:t>
             </a:r>
             <a:r>
-              <a:rPr lang="en-US" sz="1800" b="0" dirty="0">
-                <a:effectLst/>
+              <a:rPr lang="en-US" sz="1350" dirty="0">
                 <a:latin typeface="Aptos Mono" panose="020B0009020202020204" pitchFamily="49" charset="0"/>
               </a:rPr>
               <a:t>,              </a:t>
             </a:r>
             <a:r>
-              <a:rPr lang="en-US" sz="1800" b="1" dirty="0">
-                <a:effectLst/>
+              <a:rPr lang="en-US" sz="1350" b="1" dirty="0">
                 <a:latin typeface="Aptos Mono" panose="020B0009020202020204" pitchFamily="49" charset="0"/>
               </a:rPr>
               <a:t># </a:t>
             </a:r>
             <a:r>
-              <a:rPr lang="en-US" sz="1800" b="1" dirty="0" err="1">
-                <a:effectLst/>
+              <a:rPr lang="en-US" sz="1350" b="1" dirty="0" err="1">
                 <a:latin typeface="Aptos Mono" panose="020B0009020202020204" pitchFamily="49" charset="0"/>
               </a:rPr>
               <a:t>Src</a:t>
             </a:r>
             <a:r>
-              <a:rPr lang="en-US" sz="1800" b="1" dirty="0">
-                <a:effectLst/>
+              <a:rPr lang="en-US" sz="1350" b="1" dirty="0">
                 <a:latin typeface="Aptos Mono" panose="020B0009020202020204" pitchFamily="49" charset="0"/>
               </a:rPr>
               <a:t> image</a:t>
@@ -4701,29 +4968,25 @@
               <a:buNone/>
             </a:pPr>
             <a:r>
-              <a:rPr lang="en-US" sz="1800" b="0" dirty="0">
-                <a:effectLst/>
+              <a:rPr lang="en-US" sz="1350" dirty="0">
                 <a:latin typeface="Aptos Mono" panose="020B0009020202020204" pitchFamily="49" charset="0"/>
               </a:rPr>
               <a:t>                                </a:t>
             </a:r>
             <a:r>
-              <a:rPr lang="en-US" sz="1800" b="0" dirty="0" err="1">
-                <a:effectLst/>
+              <a:rPr lang="en-US" sz="1350" dirty="0" err="1">
                 <a:latin typeface="Aptos Mono" panose="020B0009020202020204" pitchFamily="49" charset="0"/>
               </a:rPr>
               <a:t>thrshld</a:t>
             </a:r>
             <a:r>
-              <a:rPr lang="en-US" sz="1800" b="0" dirty="0">
-                <a:effectLst/>
+              <a:rPr lang="en-US" sz="1350" dirty="0">
                 <a:latin typeface="Aptos Mono" panose="020B0009020202020204" pitchFamily="49" charset="0"/>
               </a:rPr>
               <a:t>,           </a:t>
             </a:r>
             <a:r>
-              <a:rPr lang="en-US" sz="1800" b="1" dirty="0">
-                <a:effectLst/>
+              <a:rPr lang="en-US" sz="1350" b="1" dirty="0">
                 <a:latin typeface="Aptos Mono" panose="020B0009020202020204" pitchFamily="49" charset="0"/>
               </a:rPr>
               <a:t># Threshold value</a:t>
@@ -4737,15 +5000,13 @@
               <a:buNone/>
             </a:pPr>
             <a:r>
-              <a:rPr lang="en-US" sz="1800" b="0" dirty="0">
-                <a:effectLst/>
+              <a:rPr lang="en-US" sz="1350" dirty="0">
                 <a:latin typeface="Aptos Mono" panose="020B0009020202020204" pitchFamily="49" charset="0"/>
               </a:rPr>
               <a:t>                                255,               </a:t>
             </a:r>
             <a:r>
-              <a:rPr lang="en-US" sz="1800" b="1" dirty="0">
-                <a:effectLst/>
+              <a:rPr lang="en-US" sz="1350" b="1" dirty="0">
                 <a:latin typeface="Aptos Mono" panose="020B0009020202020204" pitchFamily="49" charset="0"/>
               </a:rPr>
               <a:t># Max value</a:t>
@@ -4759,15 +5020,13 @@
               <a:buNone/>
             </a:pPr>
             <a:r>
-              <a:rPr lang="en-US" sz="1800" b="0" dirty="0">
-                <a:effectLst/>
+              <a:rPr lang="en-US" sz="1350" dirty="0">
                 <a:latin typeface="Aptos Mono" panose="020B0009020202020204" pitchFamily="49" charset="0"/>
               </a:rPr>
               <a:t>                                0)                 </a:t>
             </a:r>
             <a:r>
-              <a:rPr lang="en-US" sz="1800" b="1" dirty="0">
-                <a:effectLst/>
+              <a:rPr lang="en-US" sz="1350" b="1" dirty="0">
                 <a:latin typeface="Aptos Mono" panose="020B0009020202020204" pitchFamily="49" charset="0"/>
               </a:rPr>
               <a:t># Threshold type: Binary</a:t>
@@ -4780,7 +5039,7 @@
               </a:lnSpc>
               <a:buNone/>
             </a:pPr>
-            <a:endParaRPr lang="en-US" sz="1800" dirty="0">
+            <a:endParaRPr lang="en-US" sz="1350" dirty="0">
               <a:latin typeface="Aptos Mono" panose="020B0009020202020204" pitchFamily="49" charset="0"/>
             </a:endParaRPr>
           </a:p>
@@ -4844,8 +5103,8 @@
         </p:blipFill>
         <p:spPr>
           <a:xfrm>
-            <a:off x="300037" y="1343025"/>
-            <a:ext cx="11591925" cy="4171950"/>
+            <a:off x="225028" y="1864519"/>
+            <a:ext cx="8693944" cy="3128963"/>
           </a:xfrm>
           <a:prstGeom prst="rect">
             <a:avLst/>
@@ -4910,8 +5169,8 @@
         </p:blipFill>
         <p:spPr>
           <a:xfrm>
-            <a:off x="3790" y="245806"/>
-            <a:ext cx="12184420" cy="4385190"/>
+            <a:off x="2843" y="1041604"/>
+            <a:ext cx="9138315" cy="3288893"/>
           </a:xfrm>
           <a:prstGeom prst="rect">
             <a:avLst/>
@@ -4921,8 +5180,8 @@
           </a:ln>
         </p:spPr>
       </p:pic>
-      <mc:AlternateContent xmlns:mc="http://schemas.openxmlformats.org/markup-compatibility/2006" xmlns:a14="http://schemas.microsoft.com/office/drawing/2010/main">
-        <mc:Choice Requires="a14">
+      <mc:AlternateContent xmlns:mc="http://schemas.openxmlformats.org/markup-compatibility/2006">
+        <mc:Choice xmlns:a14="http://schemas.microsoft.com/office/drawing/2010/main" Requires="a14">
           <p:sp>
             <p:nvSpPr>
               <p:cNvPr id="2" name="TextBox 1">
@@ -4937,8 +5196,8 @@
             </p:nvSpPr>
             <p:spPr>
               <a:xfrm>
-                <a:off x="10385801" y="4777734"/>
-                <a:ext cx="1638077" cy="377604"/>
+                <a:off x="7789351" y="4440551"/>
+                <a:ext cx="1218347" cy="283219"/>
               </a:xfrm>
               <a:prstGeom prst="rect">
                 <a:avLst/>
@@ -4959,13 +5218,13 @@
                     </m:oMathParaPr>
                     <m:oMath xmlns:m="http://schemas.openxmlformats.org/officeDocument/2006/math">
                       <m:r>
-                        <a:rPr lang="en-US" sz="1100" b="0" i="1" smtClean="0">
+                        <a:rPr lang="en-US" sz="825" i="1">
                           <a:latin typeface="Cambria Math" panose="02040503050406030204" pitchFamily="18" charset="0"/>
                         </a:rPr>
                         <m:t>𝑑𝑠𝑡</m:t>
                       </m:r>
                       <m:r>
-                        <a:rPr lang="en-US" sz="1100" i="1" smtClean="0">
+                        <a:rPr lang="en-US" sz="825" i="1">
                           <a:latin typeface="Cambria Math" panose="02040503050406030204" pitchFamily="18" charset="0"/>
                         </a:rPr>
                         <m:t>=</m:t>
@@ -4975,7 +5234,7 @@
                           <m:begChr m:val="{"/>
                           <m:endChr m:val=""/>
                           <m:ctrlPr>
-                            <a:rPr lang="en-US" sz="1100" i="1" smtClean="0">
+                            <a:rPr lang="en-US" sz="825" i="1">
                               <a:latin typeface="Cambria Math" panose="02040503050406030204" pitchFamily="18" charset="0"/>
                             </a:rPr>
                           </m:ctrlPr>
@@ -4992,7 +5251,7 @@
                                 </m:mc>
                               </m:mcs>
                               <m:ctrlPr>
-                                <a:rPr lang="en-US" sz="1100" i="1" smtClean="0">
+                                <a:rPr lang="en-US" sz="825" i="1">
                                   <a:latin typeface="Cambria Math" panose="02040503050406030204" pitchFamily="18" charset="0"/>
                                 </a:rPr>
                               </m:ctrlPr>
@@ -5000,7 +5259,7 @@
                             <m:mr>
                               <m:e>
                                 <m:r>
-                                  <a:rPr lang="en-US" sz="1100" b="0" i="1" smtClean="0">
+                                  <a:rPr lang="en-US" sz="825" i="1">
                                     <a:latin typeface="Cambria Math" panose="02040503050406030204" pitchFamily="18" charset="0"/>
                                   </a:rPr>
                                   <m:t>0</m:t>
@@ -5008,19 +5267,19 @@
                               </m:e>
                               <m:e>
                                 <m:r>
-                                  <a:rPr lang="en-US" sz="1100" b="0" i="1" smtClean="0">
+                                  <a:rPr lang="en-US" sz="825" i="1">
                                     <a:latin typeface="Cambria Math" panose="02040503050406030204" pitchFamily="18" charset="0"/>
                                   </a:rPr>
                                   <m:t>𝑠𝑟𝑐</m:t>
                                 </m:r>
                                 <m:r>
-                                  <a:rPr lang="en-US" sz="1100" b="0" i="1" smtClean="0">
+                                  <a:rPr lang="en-US" sz="825" i="1">
                                     <a:latin typeface="Cambria Math" panose="02040503050406030204" pitchFamily="18" charset="0"/>
                                   </a:rPr>
                                   <m:t>&gt;</m:t>
                                 </m:r>
                                 <m:r>
-                                  <a:rPr lang="en-US" sz="1100" b="0" i="1" smtClean="0">
+                                  <a:rPr lang="en-US" sz="825" i="1">
                                     <a:latin typeface="Cambria Math" panose="02040503050406030204" pitchFamily="18" charset="0"/>
                                   </a:rPr>
                                   <m:t>𝑡h𝑟𝑒𝑠h</m:t>
@@ -5030,7 +5289,7 @@
                             <m:mr>
                               <m:e>
                                 <m:r>
-                                  <a:rPr lang="en-US" sz="1100" b="0" i="1" smtClean="0">
+                                  <a:rPr lang="en-US" sz="825" i="1">
                                     <a:latin typeface="Cambria Math" panose="02040503050406030204" pitchFamily="18" charset="0"/>
                                   </a:rPr>
                                   <m:t>𝑠𝑟𝑐</m:t>
@@ -5038,7 +5297,7 @@
                               </m:e>
                               <m:e>
                                 <m:r>
-                                  <a:rPr lang="en-US" sz="1100" b="0" i="1" smtClean="0">
+                                  <a:rPr lang="en-US" sz="825" i="1">
                                     <a:latin typeface="Cambria Math" panose="02040503050406030204" pitchFamily="18" charset="0"/>
                                   </a:rPr>
                                   <m:t>𝑜𝑡h𝑒𝑟𝑤𝑖𝑠𝑒</m:t>
@@ -5051,12 +5310,12 @@
                     </m:oMath>
                   </m:oMathPara>
                 </a14:m>
-                <a:endParaRPr lang="en-US" sz="1100" dirty="0"/>
+                <a:endParaRPr lang="en-US" sz="825" dirty="0"/>
               </a:p>
             </p:txBody>
           </p:sp>
         </mc:Choice>
-        <mc:Fallback xmlns="">
+        <mc:Fallback>
           <p:sp>
             <p:nvSpPr>
               <p:cNvPr id="2" name="TextBox 1">
@@ -5073,8 +5332,8 @@
             </p:nvSpPr>
             <p:spPr>
               <a:xfrm>
-                <a:off x="10385801" y="4777734"/>
-                <a:ext cx="1638077" cy="377604"/>
+                <a:off x="7789351" y="4440551"/>
+                <a:ext cx="1218347" cy="283219"/>
               </a:xfrm>
               <a:prstGeom prst="rect">
                 <a:avLst/>
@@ -5082,7 +5341,7 @@
               <a:blipFill>
                 <a:blip r:embed="rId3"/>
                 <a:stretch>
-                  <a:fillRect l="-19403" t="-233871" r="-1866" b="-333871"/>
+                  <a:fillRect l="-18500" t="-221277" r="-1000" b="-321277"/>
                 </a:stretch>
               </a:blipFill>
             </p:spPr>
@@ -5101,8 +5360,8 @@
           </p:sp>
         </mc:Fallback>
       </mc:AlternateContent>
-      <mc:AlternateContent xmlns:mc="http://schemas.openxmlformats.org/markup-compatibility/2006" xmlns:a14="http://schemas.microsoft.com/office/drawing/2010/main">
-        <mc:Choice Requires="a14">
+      <mc:AlternateContent xmlns:mc="http://schemas.openxmlformats.org/markup-compatibility/2006">
+        <mc:Choice xmlns:a14="http://schemas.microsoft.com/office/drawing/2010/main" Requires="a14">
           <p:sp>
             <p:nvSpPr>
               <p:cNvPr id="4" name="TextBox 3">
@@ -5117,8 +5376,8 @@
             </p:nvSpPr>
             <p:spPr>
               <a:xfrm>
-                <a:off x="8371992" y="4777734"/>
-                <a:ext cx="1697388" cy="377604"/>
+                <a:off x="6278995" y="4440551"/>
+                <a:ext cx="1218347" cy="283219"/>
               </a:xfrm>
               <a:prstGeom prst="rect">
                 <a:avLst/>
@@ -5139,13 +5398,13 @@
                     </m:oMathParaPr>
                     <m:oMath xmlns:m="http://schemas.openxmlformats.org/officeDocument/2006/math">
                       <m:r>
-                        <a:rPr lang="en-US" sz="1100" b="0" i="1" smtClean="0">
+                        <a:rPr lang="en-US" sz="825" i="1">
                           <a:latin typeface="Cambria Math" panose="02040503050406030204" pitchFamily="18" charset="0"/>
                         </a:rPr>
                         <m:t>𝑑𝑠𝑡</m:t>
                       </m:r>
                       <m:r>
-                        <a:rPr lang="en-US" sz="1100" b="0" i="1" smtClean="0">
+                        <a:rPr lang="en-US" sz="825" i="1">
                           <a:latin typeface="Cambria Math" panose="02040503050406030204" pitchFamily="18" charset="0"/>
                         </a:rPr>
                         <m:t>=</m:t>
@@ -5155,7 +5414,7 @@
                           <m:begChr m:val="{"/>
                           <m:endChr m:val=""/>
                           <m:ctrlPr>
-                            <a:rPr lang="en-US" sz="1100" i="1" smtClean="0">
+                            <a:rPr lang="en-US" sz="825" i="1">
                               <a:latin typeface="Cambria Math" panose="02040503050406030204" pitchFamily="18" charset="0"/>
                             </a:rPr>
                           </m:ctrlPr>
@@ -5172,7 +5431,7 @@
                                 </m:mc>
                               </m:mcs>
                               <m:ctrlPr>
-                                <a:rPr lang="en-US" sz="1100" i="1" smtClean="0">
+                                <a:rPr lang="en-US" sz="825" i="1">
                                   <a:latin typeface="Cambria Math" panose="02040503050406030204" pitchFamily="18" charset="0"/>
                                 </a:rPr>
                               </m:ctrlPr>
@@ -5183,13 +5442,13 @@
                                   <m:rPr>
                                     <m:brk m:alnAt="7"/>
                                   </m:rPr>
-                                  <a:rPr lang="en-US" sz="1100" b="0" i="1" smtClean="0">
+                                  <a:rPr lang="en-US" sz="825" i="1">
                                     <a:latin typeface="Cambria Math" panose="02040503050406030204" pitchFamily="18" charset="0"/>
                                   </a:rPr>
                                   <m:t>𝑠</m:t>
                                 </m:r>
                                 <m:r>
-                                  <a:rPr lang="en-US" sz="1100" b="0" i="1" smtClean="0">
+                                  <a:rPr lang="en-US" sz="825" i="1">
                                     <a:latin typeface="Cambria Math" panose="02040503050406030204" pitchFamily="18" charset="0"/>
                                   </a:rPr>
                                   <m:t>𝑟𝑐</m:t>
@@ -5197,19 +5456,19 @@
                               </m:e>
                               <m:e>
                                 <m:r>
-                                  <a:rPr lang="en-US" sz="1100" b="0" i="1" smtClean="0">
+                                  <a:rPr lang="en-US" sz="825" i="1">
                                     <a:latin typeface="Cambria Math" panose="02040503050406030204" pitchFamily="18" charset="0"/>
                                   </a:rPr>
                                   <m:t>𝑠𝑟𝑐</m:t>
                                 </m:r>
                                 <m:r>
-                                  <a:rPr lang="en-US" sz="1100" b="0" i="1" smtClean="0">
+                                  <a:rPr lang="en-US" sz="825" i="1">
                                     <a:latin typeface="Cambria Math" panose="02040503050406030204" pitchFamily="18" charset="0"/>
                                   </a:rPr>
                                   <m:t>&gt;</m:t>
                                 </m:r>
                                 <m:r>
-                                  <a:rPr lang="en-US" sz="1100" b="0" i="1" smtClean="0">
+                                  <a:rPr lang="en-US" sz="825" i="1">
                                     <a:latin typeface="Cambria Math" panose="02040503050406030204" pitchFamily="18" charset="0"/>
                                   </a:rPr>
                                   <m:t>𝑡h𝑟𝑒𝑠h</m:t>
@@ -5219,7 +5478,7 @@
                             <m:mr>
                               <m:e>
                                 <m:r>
-                                  <a:rPr lang="en-US" sz="1100" b="0" i="1" smtClean="0">
+                                  <a:rPr lang="en-US" sz="825" i="1">
                                     <a:latin typeface="Cambria Math" panose="02040503050406030204" pitchFamily="18" charset="0"/>
                                   </a:rPr>
                                   <m:t>0</m:t>
@@ -5227,7 +5486,7 @@
                               </m:e>
                               <m:e>
                                 <m:r>
-                                  <a:rPr lang="en-US" sz="1100" b="0" i="1" smtClean="0">
+                                  <a:rPr lang="en-US" sz="825" i="1">
                                     <a:latin typeface="Cambria Math" panose="02040503050406030204" pitchFamily="18" charset="0"/>
                                   </a:rPr>
                                   <m:t>𝑜𝑡h𝑒𝑟𝑤𝑖𝑠𝑒</m:t>
@@ -5240,12 +5499,12 @@
                     </m:oMath>
                   </m:oMathPara>
                 </a14:m>
-                <a:endParaRPr lang="en-US" sz="1100" dirty="0"/>
+                <a:endParaRPr lang="en-US" sz="825" dirty="0"/>
               </a:p>
             </p:txBody>
           </p:sp>
         </mc:Choice>
-        <mc:Fallback xmlns="">
+        <mc:Fallback>
           <p:sp>
             <p:nvSpPr>
               <p:cNvPr id="4" name="TextBox 3">
@@ -5262,8 +5521,8 @@
             </p:nvSpPr>
             <p:spPr>
               <a:xfrm>
-                <a:off x="8371992" y="4777734"/>
-                <a:ext cx="1697388" cy="377604"/>
+                <a:off x="6278995" y="4440551"/>
+                <a:ext cx="1218347" cy="283219"/>
               </a:xfrm>
               <a:prstGeom prst="rect">
                 <a:avLst/>
@@ -5271,7 +5530,7 @@
               <a:blipFill>
                 <a:blip r:embed="rId4"/>
                 <a:stretch>
-                  <a:fillRect l="-16487" t="-233871" b="-333871"/>
+                  <a:fillRect l="-18000" t="-221277" r="-1500" b="-321277"/>
                 </a:stretch>
               </a:blipFill>
             </p:spPr>
@@ -5306,8 +5565,8 @@
             </p:nvSpPr>
             <p:spPr>
               <a:xfrm>
-                <a:off x="6308714" y="4777734"/>
-                <a:ext cx="1855636" cy="377604"/>
+                <a:off x="4731536" y="4440551"/>
+                <a:ext cx="1381917" cy="283219"/>
               </a:xfrm>
               <a:prstGeom prst="rect">
                 <a:avLst/>
@@ -5328,13 +5587,13 @@
                     </m:oMathParaPr>
                     <m:oMath xmlns:m="http://schemas.openxmlformats.org/officeDocument/2006/math">
                       <m:r>
-                        <a:rPr lang="en-US" sz="1100" b="0" i="1" smtClean="0">
+                        <a:rPr lang="en-US" sz="825" i="1">
                           <a:latin typeface="Cambria Math" panose="02040503050406030204" pitchFamily="18" charset="0"/>
                         </a:rPr>
                         <m:t>𝑑𝑠𝑡</m:t>
                       </m:r>
                       <m:r>
-                        <a:rPr lang="en-US" sz="1100" i="1" smtClean="0">
+                        <a:rPr lang="en-US" sz="825" i="1">
                           <a:latin typeface="Cambria Math" panose="02040503050406030204" pitchFamily="18" charset="0"/>
                         </a:rPr>
                         <m:t>=</m:t>
@@ -5344,7 +5603,7 @@
                           <m:begChr m:val="{"/>
                           <m:endChr m:val=""/>
                           <m:ctrlPr>
-                            <a:rPr lang="en-US" sz="1100" i="1" smtClean="0">
+                            <a:rPr lang="en-US" sz="825" i="1">
                               <a:latin typeface="Cambria Math" panose="02040503050406030204" pitchFamily="18" charset="0"/>
                             </a:rPr>
                           </m:ctrlPr>
@@ -5361,7 +5620,7 @@
                                 </m:mc>
                               </m:mcs>
                               <m:ctrlPr>
-                                <a:rPr lang="en-US" sz="1100" i="1" smtClean="0">
+                                <a:rPr lang="en-US" sz="825" i="1">
                                   <a:latin typeface="Cambria Math" panose="02040503050406030204" pitchFamily="18" charset="0"/>
                                 </a:rPr>
                               </m:ctrlPr>
@@ -5372,27 +5631,33 @@
                                   <m:rPr>
                                     <m:brk m:alnAt="7"/>
                                   </m:rPr>
-                                  <a:rPr lang="en-US" sz="1100" b="0" i="1" smtClean="0">
+                                  <a:rPr lang="en-US" sz="825" i="1">
                                     <a:latin typeface="Cambria Math" panose="02040503050406030204" pitchFamily="18" charset="0"/>
                                   </a:rPr>
-                                  <m:t>𝑡h𝑟𝑒𝑠h</m:t>
+                                  <m:t>𝑡</m:t>
+                                </m:r>
+                                <m:r>
+                                  <a:rPr lang="en-US" sz="825" i="1">
+                                    <a:latin typeface="Cambria Math" panose="02040503050406030204" pitchFamily="18" charset="0"/>
+                                  </a:rPr>
+                                  <m:t>h𝑟𝑒𝑠h</m:t>
                                 </m:r>
                               </m:e>
                               <m:e>
                                 <m:r>
-                                  <a:rPr lang="en-US" sz="1100" b="0" i="1" smtClean="0">
+                                  <a:rPr lang="en-US" sz="825" i="1">
                                     <a:latin typeface="Cambria Math" panose="02040503050406030204" pitchFamily="18" charset="0"/>
                                   </a:rPr>
                                   <m:t>𝑠𝑟𝑐</m:t>
                                 </m:r>
                                 <m:r>
-                                  <a:rPr lang="en-US" sz="1100" b="0" i="1" smtClean="0">
+                                  <a:rPr lang="en-US" sz="825" i="1">
                                     <a:latin typeface="Cambria Math" panose="02040503050406030204" pitchFamily="18" charset="0"/>
                                   </a:rPr>
                                   <m:t>&gt;</m:t>
                                 </m:r>
                                 <m:r>
-                                  <a:rPr lang="en-US" sz="1100" b="0" i="1" smtClean="0">
+                                  <a:rPr lang="en-US" sz="825" i="1">
                                     <a:latin typeface="Cambria Math" panose="02040503050406030204" pitchFamily="18" charset="0"/>
                                   </a:rPr>
                                   <m:t>𝑡h𝑟𝑒𝑠h</m:t>
@@ -5402,7 +5667,7 @@
                             <m:mr>
                               <m:e>
                                 <m:r>
-                                  <a:rPr lang="en-US" sz="1100" b="0" i="1" smtClean="0">
+                                  <a:rPr lang="en-US" sz="825" i="1">
                                     <a:latin typeface="Cambria Math" panose="02040503050406030204" pitchFamily="18" charset="0"/>
                                   </a:rPr>
                                   <m:t>𝑠𝑟𝑐</m:t>
@@ -5410,7 +5675,7 @@
                               </m:e>
                               <m:e>
                                 <m:r>
-                                  <a:rPr lang="en-US" sz="1100" b="0" i="1" smtClean="0">
+                                  <a:rPr lang="en-US" sz="825" i="1">
                                     <a:latin typeface="Cambria Math" panose="02040503050406030204" pitchFamily="18" charset="0"/>
                                   </a:rPr>
                                   <m:t>𝑜𝑡h𝑒𝑟𝑤𝑖𝑠𝑒</m:t>
@@ -5423,7 +5688,7 @@
                     </m:oMath>
                   </m:oMathPara>
                 </a14:m>
-                <a:endParaRPr lang="en-US" sz="1100" dirty="0"/>
+                <a:endParaRPr lang="en-US" sz="825" dirty="0"/>
               </a:p>
             </p:txBody>
           </p:sp>
@@ -5445,8 +5710,8 @@
             </p:nvSpPr>
             <p:spPr>
               <a:xfrm>
-                <a:off x="6308714" y="4777734"/>
-                <a:ext cx="1855636" cy="377604"/>
+                <a:off x="4731536" y="4440551"/>
+                <a:ext cx="1381917" cy="283219"/>
               </a:xfrm>
               <a:prstGeom prst="rect">
                 <a:avLst/>
@@ -5454,7 +5719,7 @@
               <a:blipFill>
                 <a:blip r:embed="rId5"/>
                 <a:stretch>
-                  <a:fillRect l="-17105" t="-233871" r="-1316" b="-333871"/>
+                  <a:fillRect l="-15859" t="-221277" r="-1322" b="-321277"/>
                 </a:stretch>
               </a:blipFill>
             </p:spPr>
@@ -5473,8 +5738,8 @@
           </p:sp>
         </mc:Fallback>
       </mc:AlternateContent>
-      <mc:AlternateContent xmlns:mc="http://schemas.openxmlformats.org/markup-compatibility/2006" xmlns:a14="http://schemas.microsoft.com/office/drawing/2010/main">
-        <mc:Choice Requires="a14">
+      <mc:AlternateContent xmlns:mc="http://schemas.openxmlformats.org/markup-compatibility/2006">
+        <mc:Choice xmlns:a14="http://schemas.microsoft.com/office/drawing/2010/main" Requires="a14">
           <p:sp>
             <p:nvSpPr>
               <p:cNvPr id="7" name="TextBox 6">
@@ -5489,8 +5754,8 @@
             </p:nvSpPr>
             <p:spPr>
               <a:xfrm>
-                <a:off x="4387847" y="4777734"/>
-                <a:ext cx="1713226" cy="377604"/>
+                <a:off x="3290886" y="4440551"/>
+                <a:ext cx="1275927" cy="283219"/>
               </a:xfrm>
               <a:prstGeom prst="rect">
                 <a:avLst/>
@@ -5511,13 +5776,13 @@
                     </m:oMathParaPr>
                     <m:oMath xmlns:m="http://schemas.openxmlformats.org/officeDocument/2006/math">
                       <m:r>
-                        <a:rPr lang="en-US" sz="1100" b="0" i="1" smtClean="0">
+                        <a:rPr lang="en-US" sz="825" i="1">
                           <a:latin typeface="Cambria Math" panose="02040503050406030204" pitchFamily="18" charset="0"/>
                         </a:rPr>
                         <m:t>𝑑𝑠𝑡</m:t>
                       </m:r>
                       <m:r>
-                        <a:rPr lang="en-US" sz="1100" i="1" smtClean="0">
+                        <a:rPr lang="en-US" sz="825" i="1">
                           <a:latin typeface="Cambria Math" panose="02040503050406030204" pitchFamily="18" charset="0"/>
                         </a:rPr>
                         <m:t>=</m:t>
@@ -5527,7 +5792,7 @@
                           <m:begChr m:val="{"/>
                           <m:endChr m:val=""/>
                           <m:ctrlPr>
-                            <a:rPr lang="en-US" sz="1100" i="1" smtClean="0">
+                            <a:rPr lang="en-US" sz="825" i="1">
                               <a:latin typeface="Cambria Math" panose="02040503050406030204" pitchFamily="18" charset="0"/>
                             </a:rPr>
                           </m:ctrlPr>
@@ -5544,7 +5809,7 @@
                                 </m:mc>
                               </m:mcs>
                               <m:ctrlPr>
-                                <a:rPr lang="en-US" sz="1100" i="1" smtClean="0">
+                                <a:rPr lang="en-US" sz="825" i="1">
                                   <a:latin typeface="Cambria Math" panose="02040503050406030204" pitchFamily="18" charset="0"/>
                                 </a:rPr>
                               </m:ctrlPr>
@@ -5552,7 +5817,7 @@
                             <m:mr>
                               <m:e>
                                 <m:r>
-                                  <a:rPr lang="en-US" sz="1100" b="0" i="1" smtClean="0">
+                                  <a:rPr lang="en-US" sz="825" i="1">
                                     <a:latin typeface="Cambria Math" panose="02040503050406030204" pitchFamily="18" charset="0"/>
                                   </a:rPr>
                                   <m:t>0</m:t>
@@ -5560,19 +5825,19 @@
                               </m:e>
                               <m:e>
                                 <m:r>
-                                  <a:rPr lang="en-US" sz="1100" b="0" i="1" smtClean="0">
+                                  <a:rPr lang="en-US" sz="825" i="1">
                                     <a:latin typeface="Cambria Math" panose="02040503050406030204" pitchFamily="18" charset="0"/>
                                   </a:rPr>
                                   <m:t>𝑠𝑟𝑐</m:t>
                                 </m:r>
                                 <m:r>
-                                  <a:rPr lang="en-US" sz="1100" b="0" i="1" smtClean="0">
+                                  <a:rPr lang="en-US" sz="825" i="1">
                                     <a:latin typeface="Cambria Math" panose="02040503050406030204" pitchFamily="18" charset="0"/>
                                   </a:rPr>
                                   <m:t>&gt;</m:t>
                                 </m:r>
                                 <m:r>
-                                  <a:rPr lang="en-US" sz="1100" b="0" i="1" smtClean="0">
+                                  <a:rPr lang="en-US" sz="825" i="1">
                                     <a:latin typeface="Cambria Math" panose="02040503050406030204" pitchFamily="18" charset="0"/>
                                   </a:rPr>
                                   <m:t>𝑡h𝑟𝑒𝑠h</m:t>
@@ -5582,7 +5847,7 @@
                             <m:mr>
                               <m:e>
                                 <m:r>
-                                  <a:rPr lang="en-US" sz="1100" b="0" i="1" smtClean="0">
+                                  <a:rPr lang="en-US" sz="825" i="1">
                                     <a:latin typeface="Cambria Math" panose="02040503050406030204" pitchFamily="18" charset="0"/>
                                   </a:rPr>
                                   <m:t>𝑚𝑎𝑥</m:t>
@@ -5590,7 +5855,7 @@
                               </m:e>
                               <m:e>
                                 <m:r>
-                                  <a:rPr lang="en-US" sz="1100" b="0" i="1" smtClean="0">
+                                  <a:rPr lang="en-US" sz="825" i="1">
                                     <a:latin typeface="Cambria Math" panose="02040503050406030204" pitchFamily="18" charset="0"/>
                                   </a:rPr>
                                   <m:t>𝑜𝑡h𝑒𝑟𝑤𝑖𝑠𝑒</m:t>
@@ -5603,12 +5868,12 @@
                     </m:oMath>
                   </m:oMathPara>
                 </a14:m>
-                <a:endParaRPr lang="en-US" sz="1100" dirty="0"/>
+                <a:endParaRPr lang="en-US" sz="825" dirty="0"/>
               </a:p>
             </p:txBody>
           </p:sp>
         </mc:Choice>
-        <mc:Fallback xmlns="">
+        <mc:Fallback>
           <p:sp>
             <p:nvSpPr>
               <p:cNvPr id="7" name="TextBox 6">
@@ -5625,8 +5890,8 @@
             </p:nvSpPr>
             <p:spPr>
               <a:xfrm>
-                <a:off x="4387847" y="4777734"/>
-                <a:ext cx="1713226" cy="377604"/>
+                <a:off x="3290886" y="4440551"/>
+                <a:ext cx="1275927" cy="283219"/>
               </a:xfrm>
               <a:prstGeom prst="rect">
                 <a:avLst/>
@@ -5634,7 +5899,7 @@
               <a:blipFill>
                 <a:blip r:embed="rId6"/>
                 <a:stretch>
-                  <a:fillRect l="-18505" t="-233871" r="-1423" b="-333871"/>
+                  <a:fillRect l="-17703" t="-221277" r="-957" b="-321277"/>
                 </a:stretch>
               </a:blipFill>
             </p:spPr>
@@ -5653,8 +5918,8 @@
           </p:sp>
         </mc:Fallback>
       </mc:AlternateContent>
-      <mc:AlternateContent xmlns:mc="http://schemas.openxmlformats.org/markup-compatibility/2006" xmlns:a14="http://schemas.microsoft.com/office/drawing/2010/main">
-        <mc:Choice Requires="a14">
+      <mc:AlternateContent xmlns:mc="http://schemas.openxmlformats.org/markup-compatibility/2006">
+        <mc:Choice xmlns:a14="http://schemas.microsoft.com/office/drawing/2010/main" Requires="a14">
           <p:sp>
             <p:nvSpPr>
               <p:cNvPr id="8" name="TextBox 7">
@@ -5669,8 +5934,8 @@
             </p:nvSpPr>
             <p:spPr>
               <a:xfrm>
-                <a:off x="2360954" y="4777734"/>
-                <a:ext cx="1713226" cy="377604"/>
+                <a:off x="1770716" y="4440551"/>
+                <a:ext cx="1275927" cy="283219"/>
               </a:xfrm>
               <a:prstGeom prst="rect">
                 <a:avLst/>
@@ -5691,13 +5956,13 @@
                     </m:oMathParaPr>
                     <m:oMath xmlns:m="http://schemas.openxmlformats.org/officeDocument/2006/math">
                       <m:r>
-                        <a:rPr lang="en-US" sz="1100" b="0" i="1" smtClean="0">
+                        <a:rPr lang="en-US" sz="825" i="1">
                           <a:latin typeface="Cambria Math" panose="02040503050406030204" pitchFamily="18" charset="0"/>
                         </a:rPr>
                         <m:t>𝑑𝑠𝑡</m:t>
                       </m:r>
                       <m:r>
-                        <a:rPr lang="en-US" sz="1100" i="1" smtClean="0">
+                        <a:rPr lang="en-US" sz="825" i="1">
                           <a:latin typeface="Cambria Math" panose="02040503050406030204" pitchFamily="18" charset="0"/>
                         </a:rPr>
                         <m:t>=</m:t>
@@ -5707,7 +5972,7 @@
                           <m:begChr m:val="{"/>
                           <m:endChr m:val=""/>
                           <m:ctrlPr>
-                            <a:rPr lang="en-US" sz="1100" i="1" smtClean="0">
+                            <a:rPr lang="en-US" sz="825" i="1">
                               <a:latin typeface="Cambria Math" panose="02040503050406030204" pitchFamily="18" charset="0"/>
                             </a:rPr>
                           </m:ctrlPr>
@@ -5724,7 +5989,7 @@
                                 </m:mc>
                               </m:mcs>
                               <m:ctrlPr>
-                                <a:rPr lang="en-US" sz="1100" i="1" smtClean="0">
+                                <a:rPr lang="en-US" sz="825" i="1">
                                   <a:latin typeface="Cambria Math" panose="02040503050406030204" pitchFamily="18" charset="0"/>
                                 </a:rPr>
                               </m:ctrlPr>
@@ -5732,7 +5997,7 @@
                             <m:mr>
                               <m:e>
                                 <m:r>
-                                  <a:rPr lang="en-US" sz="1100" b="0" i="1" smtClean="0">
+                                  <a:rPr lang="en-US" sz="825" i="1">
                                     <a:latin typeface="Cambria Math" panose="02040503050406030204" pitchFamily="18" charset="0"/>
                                   </a:rPr>
                                   <m:t>𝑚𝑎𝑥</m:t>
@@ -5740,19 +6005,19 @@
                               </m:e>
                               <m:e>
                                 <m:r>
-                                  <a:rPr lang="en-US" sz="1100" b="0" i="1" smtClean="0">
+                                  <a:rPr lang="en-US" sz="825" i="1">
                                     <a:latin typeface="Cambria Math" panose="02040503050406030204" pitchFamily="18" charset="0"/>
                                   </a:rPr>
                                   <m:t>𝑠𝑟𝑐</m:t>
                                 </m:r>
                                 <m:r>
-                                  <a:rPr lang="en-US" sz="1100" b="0" i="1" smtClean="0">
+                                  <a:rPr lang="en-US" sz="825" i="1">
                                     <a:latin typeface="Cambria Math" panose="02040503050406030204" pitchFamily="18" charset="0"/>
                                   </a:rPr>
                                   <m:t>&gt;</m:t>
                                 </m:r>
                                 <m:r>
-                                  <a:rPr lang="en-US" sz="1100" b="0" i="1" smtClean="0">
+                                  <a:rPr lang="en-US" sz="825" i="1">
                                     <a:latin typeface="Cambria Math" panose="02040503050406030204" pitchFamily="18" charset="0"/>
                                   </a:rPr>
                                   <m:t>𝑡h𝑟𝑒𝑠h</m:t>
@@ -5762,7 +6027,7 @@
                             <m:mr>
                               <m:e>
                                 <m:r>
-                                  <a:rPr lang="en-US" sz="1100" b="0" i="1" smtClean="0">
+                                  <a:rPr lang="en-US" sz="825" i="1">
                                     <a:latin typeface="Cambria Math" panose="02040503050406030204" pitchFamily="18" charset="0"/>
                                   </a:rPr>
                                   <m:t>0</m:t>
@@ -5770,7 +6035,7 @@
                               </m:e>
                               <m:e>
                                 <m:r>
-                                  <a:rPr lang="en-US" sz="1100" b="0" i="1" smtClean="0">
+                                  <a:rPr lang="en-US" sz="825" i="1">
                                     <a:latin typeface="Cambria Math" panose="02040503050406030204" pitchFamily="18" charset="0"/>
                                   </a:rPr>
                                   <m:t>𝑜𝑡h𝑒𝑟𝑤𝑖𝑠𝑒</m:t>
@@ -5783,12 +6048,12 @@
                     </m:oMath>
                   </m:oMathPara>
                 </a14:m>
-                <a:endParaRPr lang="en-US" sz="1100" dirty="0"/>
+                <a:endParaRPr lang="en-US" sz="825" dirty="0"/>
               </a:p>
             </p:txBody>
           </p:sp>
         </mc:Choice>
-        <mc:Fallback xmlns="">
+        <mc:Fallback>
           <p:sp>
             <p:nvSpPr>
               <p:cNvPr id="8" name="TextBox 7">
@@ -5805,8 +6070,8 @@
             </p:nvSpPr>
             <p:spPr>
               <a:xfrm>
-                <a:off x="2360954" y="4777734"/>
-                <a:ext cx="1713226" cy="377604"/>
+                <a:off x="1770716" y="4440551"/>
+                <a:ext cx="1275927" cy="283219"/>
               </a:xfrm>
               <a:prstGeom prst="rect">
                 <a:avLst/>
@@ -5814,7 +6079,7 @@
               <a:blipFill>
                 <a:blip r:embed="rId7"/>
                 <a:stretch>
-                  <a:fillRect l="-18149" t="-233871" r="-1779" b="-333871"/>
+                  <a:fillRect l="-17143" t="-221277" r="-952" b="-321277"/>
                 </a:stretch>
               </a:blipFill>
             </p:spPr>
@@ -5860,8 +6125,8 @@
         </p:blipFill>
         <p:spPr>
           <a:xfrm>
-            <a:off x="12320679" y="245806"/>
-            <a:ext cx="12046898" cy="4385190"/>
+            <a:off x="9240509" y="1041604"/>
+            <a:ext cx="9035174" cy="3288893"/>
           </a:xfrm>
           <a:prstGeom prst="rect">
             <a:avLst/>
@@ -5946,8 +6211,8 @@
         </p:blipFill>
         <p:spPr>
           <a:xfrm>
-            <a:off x="72551" y="245806"/>
-            <a:ext cx="12046898" cy="4385190"/>
+            <a:off x="54413" y="1041604"/>
+            <a:ext cx="9035174" cy="3288893"/>
           </a:xfrm>
           <a:prstGeom prst="rect">
             <a:avLst/>
@@ -5979,8 +6244,8 @@
         </p:blipFill>
         <p:spPr>
           <a:xfrm>
-            <a:off x="-12437419" y="245806"/>
-            <a:ext cx="12184420" cy="4385190"/>
+            <a:off x="-9328064" y="1041604"/>
+            <a:ext cx="9138315" cy="3288893"/>
           </a:xfrm>
           <a:prstGeom prst="rect">
             <a:avLst/>
@@ -6004,8 +6269,8 @@
         </p:nvSpPr>
         <p:spPr>
           <a:xfrm>
-            <a:off x="0" y="5103674"/>
-            <a:ext cx="12119449" cy="1754326"/>
+            <a:off x="0" y="4685006"/>
+            <a:ext cx="9089587" cy="1338828"/>
           </a:xfrm>
           <a:prstGeom prst="rect">
             <a:avLst/>
@@ -6018,184 +6283,116 @@
           </a:bodyPr>
           <a:lstStyle/>
           <a:p>
-            <a:pPr marL="0" indent="0">
-              <a:lnSpc>
-                <a:spcPct val="100000"/>
-              </a:lnSpc>
-              <a:buNone/>
-            </a:pPr>
-            <a:r>
-              <a:rPr lang="en-US" sz="1200" b="1" dirty="0">
-                <a:effectLst/>
-              </a:rPr>
+            <a:r>
+              <a:rPr lang="en-US" sz="900" b="1" dirty="0"/>
               <a:t>Use cases for segmentation with simple thresholding</a:t>
             </a:r>
           </a:p>
           <a:p>
-            <a:pPr marL="0" indent="0">
-              <a:lnSpc>
-                <a:spcPct val="100000"/>
-              </a:lnSpc>
-              <a:buNone/>
-            </a:pPr>
-            <a:r>
-              <a:rPr lang="en-US" sz="1200" b="1" dirty="0">
+            <a:r>
+              <a:rPr lang="en-US" sz="900" b="1" dirty="0">
                 <a:solidFill>
                   <a:srgbClr val="0066FF"/>
                 </a:solidFill>
-                <a:effectLst/>
               </a:rPr>
               <a:t>Document Processing</a:t>
             </a:r>
             <a:r>
-              <a:rPr lang="en-US" sz="1200" b="0" dirty="0">
+              <a:rPr lang="en-US" sz="900" dirty="0">
                 <a:solidFill>
                   <a:srgbClr val="0066FF"/>
                 </a:solidFill>
-                <a:effectLst/>
               </a:rPr>
               <a:t>  </a:t>
             </a:r>
           </a:p>
           <a:p>
-            <a:pPr marL="0" indent="0">
-              <a:lnSpc>
-                <a:spcPct val="100000"/>
-              </a:lnSpc>
-              <a:buNone/>
-            </a:pPr>
-            <a:r>
-              <a:rPr lang="en-US" sz="1200" b="0" dirty="0">
+            <a:r>
+              <a:rPr lang="en-US" sz="900" dirty="0">
                 <a:solidFill>
                   <a:srgbClr val="3B3B3B"/>
                 </a:solidFill>
-                <a:effectLst/>
               </a:rPr>
               <a:t>Converts scanned documents into binary for OCR.  </a:t>
             </a:r>
           </a:p>
           <a:p>
-            <a:pPr marL="0" indent="0">
-              <a:lnSpc>
-                <a:spcPct val="100000"/>
-              </a:lnSpc>
-              <a:buNone/>
-            </a:pPr>
-            <a:r>
-              <a:rPr lang="en-US" sz="1200" b="1" dirty="0">
+            <a:r>
+              <a:rPr lang="en-US" sz="900" b="1" dirty="0">
                 <a:solidFill>
                   <a:srgbClr val="0066FF"/>
                 </a:solidFill>
-                <a:effectLst/>
               </a:rPr>
               <a:t>Barcodes and QR Code Detection</a:t>
             </a:r>
-            <a:endParaRPr lang="en-US" sz="1200" b="0" dirty="0">
+            <a:endParaRPr lang="en-US" sz="900" dirty="0">
               <a:solidFill>
                 <a:srgbClr val="0066FF"/>
               </a:solidFill>
-              <a:effectLst/>
             </a:endParaRPr>
           </a:p>
           <a:p>
-            <a:pPr marL="0" indent="0">
-              <a:lnSpc>
-                <a:spcPct val="100000"/>
-              </a:lnSpc>
-              <a:buNone/>
-            </a:pPr>
-            <a:r>
-              <a:rPr lang="en-US" sz="1200" b="0" dirty="0">
+            <a:r>
+              <a:rPr lang="en-US" sz="900" dirty="0">
                 <a:solidFill>
                   <a:srgbClr val="3B3B3B"/>
                 </a:solidFill>
-                <a:effectLst/>
               </a:rPr>
               <a:t>Simplifies patterns for easier decoding.  </a:t>
             </a:r>
           </a:p>
           <a:p>
-            <a:pPr marL="0" indent="0">
-              <a:lnSpc>
-                <a:spcPct val="100000"/>
-              </a:lnSpc>
-              <a:buNone/>
-            </a:pPr>
-            <a:r>
-              <a:rPr lang="en-US" sz="1200" b="1" dirty="0">
+            <a:r>
+              <a:rPr lang="en-US" sz="900" b="1" dirty="0">
                 <a:solidFill>
                   <a:srgbClr val="0066FF"/>
                 </a:solidFill>
-                <a:effectLst/>
               </a:rPr>
               <a:t>License Plate Recognition</a:t>
             </a:r>
             <a:r>
-              <a:rPr lang="en-US" sz="1200" b="0" dirty="0">
+              <a:rPr lang="en-US" sz="900" dirty="0">
                 <a:solidFill>
                   <a:srgbClr val="0066FF"/>
                 </a:solidFill>
-                <a:effectLst/>
               </a:rPr>
               <a:t>  </a:t>
             </a:r>
           </a:p>
           <a:p>
-            <a:pPr marL="0" indent="0">
-              <a:lnSpc>
-                <a:spcPct val="100000"/>
-              </a:lnSpc>
-              <a:buNone/>
-            </a:pPr>
-            <a:r>
-              <a:rPr lang="en-US" sz="1200" b="0" dirty="0">
+            <a:r>
+              <a:rPr lang="en-US" sz="900" dirty="0">
                 <a:solidFill>
                   <a:srgbClr val="3B3B3B"/>
                 </a:solidFill>
-                <a:effectLst/>
               </a:rPr>
               <a:t>Extracts text regions from plates under good lighting.  </a:t>
             </a:r>
           </a:p>
           <a:p>
-            <a:pPr marL="0" indent="0">
-              <a:lnSpc>
-                <a:spcPct val="100000"/>
-              </a:lnSpc>
-              <a:buNone/>
-            </a:pPr>
-            <a:r>
-              <a:rPr lang="en-US" sz="1200" b="1" dirty="0">
+            <a:r>
+              <a:rPr lang="en-US" sz="900" b="1" dirty="0">
                 <a:solidFill>
                   <a:srgbClr val="0066FF"/>
                 </a:solidFill>
-                <a:effectLst/>
               </a:rPr>
               <a:t>Signature and Logo Extraction</a:t>
             </a:r>
             <a:r>
-              <a:rPr lang="en-US" sz="1200" b="0" dirty="0">
+              <a:rPr lang="en-US" sz="900" dirty="0">
                 <a:solidFill>
                   <a:srgbClr val="0066FF"/>
                 </a:solidFill>
-                <a:effectLst/>
               </a:rPr>
               <a:t> </a:t>
             </a:r>
           </a:p>
           <a:p>
-            <a:pPr marL="0" indent="0">
-              <a:lnSpc>
-                <a:spcPct val="100000"/>
-              </a:lnSpc>
-              <a:buNone/>
-            </a:pPr>
-            <a:r>
-              <a:rPr lang="en-US" sz="1200" b="0" dirty="0">
+            <a:r>
+              <a:rPr lang="en-US" sz="900" dirty="0">
                 <a:solidFill>
                   <a:srgbClr val="3B3B3B"/>
                 </a:solidFill>
-                <a:effectLst/>
               </a:rPr>
               <a:t>Isolates signatures or logos for verification.</a:t>
             </a:r>
@@ -6212,13 +6409,13 @@
   <p:clrMapOvr>
     <a:masterClrMapping/>
   </p:clrMapOvr>
-  <mc:AlternateContent xmlns:mc="http://schemas.openxmlformats.org/markup-compatibility/2006">
-    <mc:Choice xmlns:p159="http://schemas.microsoft.com/office/powerpoint/2015/09/main" Requires="p159">
+  <mc:AlternateContent xmlns:mc="http://schemas.openxmlformats.org/markup-compatibility/2006" xmlns:p159="http://schemas.microsoft.com/office/powerpoint/2015/09/main">
+    <mc:Choice Requires="p159">
       <p:transition spd="slow">
         <p159:morph option="byObject"/>
       </p:transition>
     </mc:Choice>
-    <mc:Fallback>
+    <mc:Fallback xmlns="">
       <p:transition spd="slow">
         <p:fade/>
       </p:transition>
@@ -6314,9 +6511,7 @@
               <a:buNone/>
             </a:pPr>
             <a:r>
-              <a:rPr lang="en-US" sz="2400" b="0" dirty="0">
-                <a:effectLst/>
-              </a:rPr>
+              <a:rPr lang="en-US" sz="1800" dirty="0"/>
               <a:t>Adaptive thresholding calculates thresholds for smaller regions of the image, making it useful for images with varying lighting.</a:t>
             </a:r>
           </a:p>
@@ -6424,8 +6619,7 @@
               <a:buNone/>
             </a:pPr>
             <a:r>
-              <a:rPr lang="en-US" sz="1800" b="0" dirty="0">
-                <a:effectLst/>
+              <a:rPr lang="en-US" sz="1350" dirty="0">
                 <a:latin typeface="Aptos Mono" panose="020B0009020202020204" pitchFamily="49" charset="0"/>
               </a:rPr>
               <a:t>import cv2 </a:t>
@@ -6439,29 +6633,25 @@
               <a:buNone/>
             </a:pPr>
             <a:r>
-              <a:rPr lang="en-US" sz="1800" b="0" dirty="0" err="1">
-                <a:effectLst/>
+              <a:rPr lang="en-US" sz="1350" dirty="0" err="1">
                 <a:latin typeface="Aptos Mono" panose="020B0009020202020204" pitchFamily="49" charset="0"/>
               </a:rPr>
               <a:t>thresh_adaptive</a:t>
             </a:r>
             <a:r>
-              <a:rPr lang="en-US" sz="1800" b="0" dirty="0">
-                <a:effectLst/>
+              <a:rPr lang="en-US" sz="1350" dirty="0">
                 <a:latin typeface="Aptos Mono" panose="020B0009020202020204" pitchFamily="49" charset="0"/>
               </a:rPr>
               <a:t> = cv2.adaptiveThreshold(</a:t>
             </a:r>
             <a:r>
-              <a:rPr lang="en-US" sz="1800" b="0" dirty="0" err="1">
-                <a:effectLst/>
+              <a:rPr lang="en-US" sz="1350" dirty="0" err="1">
                 <a:latin typeface="Aptos Mono" panose="020B0009020202020204" pitchFamily="49" charset="0"/>
               </a:rPr>
               <a:t>img</a:t>
             </a:r>
             <a:r>
-              <a:rPr lang="en-US" sz="1800" b="0" dirty="0">
-                <a:effectLst/>
+              <a:rPr lang="en-US" sz="1350" dirty="0">
                 <a:latin typeface="Aptos Mono" panose="020B0009020202020204" pitchFamily="49" charset="0"/>
               </a:rPr>
               <a:t>,</a:t>
@@ -6475,8 +6665,7 @@
               <a:buNone/>
             </a:pPr>
             <a:r>
-              <a:rPr lang="en-US" sz="1800" b="0" dirty="0">
-                <a:effectLst/>
+              <a:rPr lang="en-US" sz="1350" dirty="0">
                 <a:latin typeface="Aptos Mono" panose="020B0009020202020204" pitchFamily="49" charset="0"/>
               </a:rPr>
               <a:t>                                        255,</a:t>
@@ -6490,8 +6679,7 @@
               <a:buNone/>
             </a:pPr>
             <a:r>
-              <a:rPr lang="en-US" sz="1800" b="0" dirty="0">
-                <a:effectLst/>
+              <a:rPr lang="en-US" sz="1350" dirty="0">
                 <a:latin typeface="Aptos Mono" panose="020B0009020202020204" pitchFamily="49" charset="0"/>
               </a:rPr>
               <a:t>                                        cv2.ADAPTIVE_THRESH_MEAN_C,</a:t>
@@ -6505,8 +6693,7 @@
               <a:buNone/>
             </a:pPr>
             <a:r>
-              <a:rPr lang="en-US" sz="1800" b="0" dirty="0">
-                <a:effectLst/>
+              <a:rPr lang="en-US" sz="1350" dirty="0">
                 <a:latin typeface="Aptos Mono" panose="020B0009020202020204" pitchFamily="49" charset="0"/>
               </a:rPr>
               <a:t>                                        cv2.THRESH_BINARY,</a:t>
@@ -6520,8 +6707,7 @@
               <a:buNone/>
             </a:pPr>
             <a:r>
-              <a:rPr lang="en-US" sz="1800" b="0" dirty="0">
-                <a:effectLst/>
+              <a:rPr lang="en-US" sz="1350" dirty="0">
                 <a:latin typeface="Aptos Mono" panose="020B0009020202020204" pitchFamily="49" charset="0"/>
               </a:rPr>
               <a:t>                                        11,</a:t>
@@ -6535,8 +6721,7 @@
               <a:buNone/>
             </a:pPr>
             <a:r>
-              <a:rPr lang="en-US" sz="1800" b="0" dirty="0">
-                <a:effectLst/>
+              <a:rPr lang="en-US" sz="1350" dirty="0">
                 <a:latin typeface="Aptos Mono" panose="020B0009020202020204" pitchFamily="49" charset="0"/>
               </a:rPr>
               <a:t>                                        2)</a:t>
@@ -6549,7 +6734,7 @@
               </a:lnSpc>
               <a:buNone/>
             </a:pPr>
-            <a:endParaRPr lang="en-US" sz="1800" dirty="0">
+            <a:endParaRPr lang="en-US" sz="1350" dirty="0">
               <a:latin typeface="Aptos Mono" panose="020B0009020202020204" pitchFamily="49" charset="0"/>
             </a:endParaRPr>
           </a:p>
@@ -6571,7 +6756,7 @@
 <file path=ppt/theme/theme1.xml><?xml version="1.0" encoding="utf-8"?>
 <a:theme xmlns:a="http://schemas.openxmlformats.org/drawingml/2006/main" name="Office Theme">
   <a:themeElements>
-    <a:clrScheme name="Office">
+    <a:clrScheme name="Office Theme">
       <a:dk1>
         <a:sysClr val="windowText" lastClr="000000"/>
       </a:dk1>
@@ -6609,7 +6794,7 @@
         <a:srgbClr val="96607D"/>
       </a:folHlink>
     </a:clrScheme>
-    <a:fontScheme name="Office">
+    <a:fontScheme name="Office Theme">
       <a:majorFont>
         <a:latin typeface="Aptos Display" panose="02110004020202020204"/>
         <a:ea typeface=""/>
@@ -6715,7 +6900,7 @@
         <a:font script="Tfng" typeface="Ebrima"/>
       </a:minorFont>
     </a:fontScheme>
-    <a:fmtScheme name="Office">
+    <a:fmtScheme name="Office Theme">
       <a:fillStyleLst>
         <a:solidFill>
           <a:schemeClr val="phClr"/>
